--- a/Presentations/DesignPres/Nates slides.pptx
+++ b/Presentations/DesignPres/Nates slides.pptx
@@ -2,16 +2,15 @@
 <file path=ppt/presentation.xml><?xml version="1.0" encoding="utf-8"?>
 <p:presentation xmlns:a="http://schemas.openxmlformats.org/drawingml/2006/main" xmlns:r="http://schemas.openxmlformats.org/officeDocument/2006/relationships" xmlns:p="http://schemas.openxmlformats.org/presentationml/2006/main" saveSubsetFonts="1">
   <p:sldMasterIdLst>
-    <p:sldMasterId id="2147483648" r:id="rId1"/>
+    <p:sldMasterId id="2147483678" r:id="rId4"/>
   </p:sldMasterIdLst>
   <p:notesMasterIdLst>
-    <p:notesMasterId r:id="rId6"/>
+    <p:notesMasterId r:id="rId8"/>
   </p:notesMasterIdLst>
   <p:sldIdLst>
-    <p:sldId id="256" r:id="rId2"/>
-    <p:sldId id="257" r:id="rId3"/>
-    <p:sldId id="261" r:id="rId4"/>
-    <p:sldId id="262" r:id="rId5"/>
+    <p:sldId id="256" r:id="rId5"/>
+    <p:sldId id="257" r:id="rId6"/>
+    <p:sldId id="259" r:id="rId7"/>
   </p:sldIdLst>
   <p:sldSz cx="12192000" cy="6858000"/>
   <p:notesSz cx="6858000" cy="9144000"/>
@@ -110,6 +109,22 @@
       </a:defRPr>
     </a:lvl9pPr>
   </p:defaultTextStyle>
+  <p:extLst>
+    <p:ext uri="{EFAFB233-063F-42B5-8137-9DF3F51BA10A}">
+      <p15:sldGuideLst xmlns:p15="http://schemas.microsoft.com/office/powerpoint/2012/main">
+        <p15:guide id="1" orient="horz" pos="2160">
+          <p15:clr>
+            <a:srgbClr val="A4A3A4"/>
+          </p15:clr>
+        </p15:guide>
+        <p15:guide id="2" pos="3840">
+          <p15:clr>
+            <a:srgbClr val="A4A3A4"/>
+          </p15:clr>
+        </p15:guide>
+      </p15:sldGuideLst>
+    </p:ext>
+  </p:extLst>
 </p:presentation>
 </file>
 
@@ -162,7 +177,7 @@
             </a:lvl1pPr>
           </a:lstStyle>
           <a:p>
-            <a:endParaRPr lang="en-US"/>
+            <a:endParaRPr lang="en-US" dirty="0"/>
           </a:p>
         </p:txBody>
       </p:sp>
@@ -193,11 +208,12 @@
             </a:lvl1pPr>
           </a:lstStyle>
           <a:p>
-            <a:fld id="{B349DE59-5C53-41E3-BC17-E3E688A84855}" type="datetimeFigureOut">
-              <a:rPr lang="en-US" smtClean="0"/>
+            <a:fld id="{EDEAC965-93D5-4BF2-BEB3-753A18A2DA84}" type="datetimeFigureOut">
+              <a:rPr lang="en-US" smtClean="0"/>
+              <a:pPr/>
               <a:t>11/16/2014</a:t>
             </a:fld>
-            <a:endParaRPr lang="en-US"/>
+            <a:endParaRPr lang="en-US" dirty="0"/>
           </a:p>
         </p:txBody>
       </p:sp>
@@ -230,7 +246,7 @@
           <a:bodyPr vert="horz" lIns="91440" tIns="45720" rIns="91440" bIns="45720" rtlCol="0" anchor="ctr"/>
           <a:lstStyle/>
           <a:p>
-            <a:endParaRPr lang="en-US"/>
+            <a:endParaRPr lang="en-US" dirty="0"/>
           </a:p>
         </p:txBody>
       </p:sp>
@@ -321,7 +337,7 @@
             </a:lvl1pPr>
           </a:lstStyle>
           <a:p>
-            <a:endParaRPr lang="en-US"/>
+            <a:endParaRPr lang="en-US" dirty="0"/>
           </a:p>
         </p:txBody>
       </p:sp>
@@ -352,18 +368,19 @@
             </a:lvl1pPr>
           </a:lstStyle>
           <a:p>
-            <a:fld id="{AC1069CC-3C5C-437B-B3CA-43BB55146E4E}" type="slidenum">
-              <a:rPr lang="en-US" smtClean="0"/>
+            <a:fld id="{23782511-E6CA-4337-83DD-3F4EDFA36EC0}" type="slidenum">
+              <a:rPr lang="en-US" smtClean="0"/>
+              <a:pPr/>
               <a:t>‹#›</a:t>
             </a:fld>
-            <a:endParaRPr lang="en-US"/>
+            <a:endParaRPr lang="en-US" dirty="0"/>
           </a:p>
         </p:txBody>
       </p:sp>
     </p:spTree>
     <p:extLst>
       <p:ext uri="{BB962C8B-B14F-4D97-AF65-F5344CB8AC3E}">
-        <p14:creationId xmlns:p14="http://schemas.microsoft.com/office/powerpoint/2010/main" val="4051279095"/>
+        <p14:creationId xmlns:p14="http://schemas.microsoft.com/office/powerpoint/2010/main" val="1007701251"/>
       </p:ext>
     </p:extLst>
   </p:cSld>
@@ -507,108 +524,7 @@
           <a:bodyPr/>
           <a:lstStyle/>
           <a:p>
-            <a:r>
-              <a:rPr lang="en-US" dirty="0" smtClean="0"/>
-              <a:t>GD&amp;T (Geometric Dimensioning &amp;Tolerance) </a:t>
-            </a:r>
-          </a:p>
-          <a:p>
-            <a:pPr marL="457200" lvl="1" indent="0">
-              <a:buNone/>
-            </a:pPr>
-            <a:r>
-              <a:rPr lang="en-US" dirty="0" smtClean="0"/>
-              <a:t>Datum's are necessary when properly </a:t>
-            </a:r>
-            <a:r>
-              <a:rPr lang="en-US" dirty="0" err="1" smtClean="0"/>
-              <a:t>GD&amp;Ting</a:t>
-            </a:r>
-            <a:r>
-              <a:rPr lang="en-US" dirty="0" smtClean="0"/>
-              <a:t> high quality parts</a:t>
-            </a:r>
-          </a:p>
-          <a:p>
-            <a:pPr marL="457200" lvl="1" indent="0">
-              <a:buNone/>
-            </a:pPr>
-            <a:r>
-              <a:rPr lang="en-US" dirty="0" smtClean="0"/>
-              <a:t>The following are important details to </a:t>
-            </a:r>
-          </a:p>
-          <a:p>
-            <a:pPr marL="914400" lvl="1" indent="-457200">
-              <a:buFont typeface="+mj-lt"/>
-              <a:buAutoNum type="arabicPeriod"/>
-            </a:pPr>
-            <a:r>
-              <a:rPr lang="en-US" dirty="0" smtClean="0"/>
-              <a:t>Geometric Characteristic Symbols </a:t>
-            </a:r>
-          </a:p>
-          <a:p>
-            <a:pPr lvl="2"/>
-            <a:r>
-              <a:rPr lang="en-US" dirty="0" smtClean="0"/>
-              <a:t>Tolerance, Characteristic, Symbol</a:t>
-            </a:r>
-          </a:p>
-          <a:p>
-            <a:pPr marL="914400" lvl="1" indent="-457200">
-              <a:buFont typeface="+mj-lt"/>
-              <a:buAutoNum type="arabicPeriod"/>
-            </a:pPr>
-            <a:r>
-              <a:rPr lang="en-US" dirty="0" smtClean="0"/>
-              <a:t>Material Conditions </a:t>
-            </a:r>
-          </a:p>
-          <a:p>
-            <a:pPr lvl="2"/>
-            <a:r>
-              <a:rPr lang="en-US" dirty="0" smtClean="0"/>
-              <a:t>Terms &amp; Symbols: MMC</a:t>
-            </a:r>
-            <a:r>
-              <a:rPr lang="en-US" dirty="0" smtClean="0">
-                <a:sym typeface="Wingdings" panose="05000000000000000000" pitchFamily="2" charset="2"/>
-              </a:rPr>
-              <a:t>(M)</a:t>
-            </a:r>
-            <a:r>
-              <a:rPr lang="en-US" dirty="0" smtClean="0"/>
-              <a:t>, LMC</a:t>
-            </a:r>
-            <a:r>
-              <a:rPr lang="en-US" dirty="0" smtClean="0">
-                <a:sym typeface="Wingdings" panose="05000000000000000000" pitchFamily="2" charset="2"/>
-              </a:rPr>
-              <a:t>(L)</a:t>
-            </a:r>
-            <a:r>
-              <a:rPr lang="en-US" dirty="0" smtClean="0"/>
-              <a:t>, RFS</a:t>
-            </a:r>
-            <a:r>
-              <a:rPr lang="en-US" dirty="0" smtClean="0">
-                <a:sym typeface="Wingdings" panose="05000000000000000000" pitchFamily="2" charset="2"/>
-              </a:rPr>
-              <a:t>(none)</a:t>
-            </a:r>
-            <a:endParaRPr lang="en-US" dirty="0" smtClean="0"/>
-          </a:p>
-          <a:p>
-            <a:pPr marL="914400" lvl="1" indent="-457200">
-              <a:buFont typeface="+mj-lt"/>
-              <a:buAutoNum type="arabicPeriod"/>
-            </a:pPr>
-            <a:r>
-              <a:rPr lang="en-US" dirty="0" smtClean="0"/>
-              <a:t>Additional Symbols</a:t>
-            </a:r>
-            <a:endParaRPr lang="en-US" dirty="0" smtClean="0"/>
+            <a:endParaRPr lang="en-US"/>
           </a:p>
         </p:txBody>
       </p:sp>
@@ -627,9 +543,9 @@
           <a:bodyPr/>
           <a:lstStyle/>
           <a:p>
-            <a:fld id="{AC1069CC-3C5C-437B-B3CA-43BB55146E4E}" type="slidenum">
-              <a:rPr lang="en-US" smtClean="0"/>
-              <a:t>2</a:t>
+            <a:fld id="{23782511-E6CA-4337-83DD-3F4EDFA36EC0}" type="slidenum">
+              <a:rPr lang="en-US" smtClean="0"/>
+              <a:t>1</a:t>
             </a:fld>
             <a:endParaRPr lang="en-US"/>
           </a:p>
@@ -638,7 +554,7 @@
     </p:spTree>
     <p:extLst>
       <p:ext uri="{BB962C8B-B14F-4D97-AF65-F5344CB8AC3E}">
-        <p14:creationId xmlns:p14="http://schemas.microsoft.com/office/powerpoint/2010/main" val="2745180351"/>
+        <p14:creationId xmlns:p14="http://schemas.microsoft.com/office/powerpoint/2010/main" val="3219558672"/>
       </p:ext>
     </p:extLst>
   </p:cSld>
@@ -692,6 +608,102 @@
           <a:bodyPr/>
           <a:lstStyle/>
           <a:p>
+            <a:r>
+              <a:rPr lang="en-US" dirty="0" smtClean="0"/>
+              <a:t>GD&amp;T (Geometric Dimensioning &amp;Tolerance) </a:t>
+            </a:r>
+          </a:p>
+          <a:p>
+            <a:pPr marL="457200" lvl="1" indent="0">
+              <a:buNone/>
+            </a:pPr>
+            <a:r>
+              <a:rPr lang="en-US" dirty="0" smtClean="0"/>
+              <a:t>Datum's are necessary when properly </a:t>
+            </a:r>
+            <a:r>
+              <a:rPr lang="en-US" dirty="0" err="1" smtClean="0"/>
+              <a:t>GD&amp;Ting</a:t>
+            </a:r>
+            <a:r>
+              <a:rPr lang="en-US" dirty="0" smtClean="0"/>
+              <a:t> high quality parts</a:t>
+            </a:r>
+          </a:p>
+          <a:p>
+            <a:pPr marL="457200" lvl="1" indent="0">
+              <a:buNone/>
+            </a:pPr>
+            <a:r>
+              <a:rPr lang="en-US" dirty="0" smtClean="0"/>
+              <a:t>The following are important details to </a:t>
+            </a:r>
+          </a:p>
+          <a:p>
+            <a:pPr marL="914400" lvl="1" indent="-457200">
+              <a:buFont typeface="+mj-lt"/>
+              <a:buAutoNum type="arabicPeriod"/>
+            </a:pPr>
+            <a:r>
+              <a:rPr lang="en-US" dirty="0" smtClean="0"/>
+              <a:t>Geometric Characteristic Symbols 	Tolerance, Characteristic, Symbol</a:t>
+            </a:r>
+          </a:p>
+          <a:p>
+            <a:pPr marL="914400" lvl="1" indent="-457200">
+              <a:buFont typeface="+mj-lt"/>
+              <a:buAutoNum type="arabicPeriod"/>
+            </a:pPr>
+            <a:r>
+              <a:rPr lang="en-US" dirty="0" smtClean="0"/>
+              <a:t>Material Conditions 		Terms &amp; Symbols: MMC</a:t>
+            </a:r>
+            <a:r>
+              <a:rPr lang="en-US" dirty="0" smtClean="0">
+                <a:sym typeface="Wingdings" panose="05000000000000000000" pitchFamily="2" charset="2"/>
+              </a:rPr>
+              <a:t>(M)</a:t>
+            </a:r>
+            <a:r>
+              <a:rPr lang="en-US" dirty="0" smtClean="0"/>
+              <a:t>, LMC</a:t>
+            </a:r>
+            <a:r>
+              <a:rPr lang="en-US" dirty="0" smtClean="0">
+                <a:sym typeface="Wingdings" panose="05000000000000000000" pitchFamily="2" charset="2"/>
+              </a:rPr>
+              <a:t>(L)</a:t>
+            </a:r>
+            <a:r>
+              <a:rPr lang="en-US" dirty="0" smtClean="0"/>
+              <a:t>, RFS</a:t>
+            </a:r>
+            <a:r>
+              <a:rPr lang="en-US" dirty="0" smtClean="0">
+                <a:sym typeface="Wingdings" panose="05000000000000000000" pitchFamily="2" charset="2"/>
+              </a:rPr>
+              <a:t>(none)</a:t>
+            </a:r>
+            <a:endParaRPr lang="en-US" dirty="0" smtClean="0"/>
+          </a:p>
+          <a:p>
+            <a:pPr marL="914400" lvl="1" indent="-457200">
+              <a:buFont typeface="+mj-lt"/>
+              <a:buAutoNum type="arabicPeriod"/>
+            </a:pPr>
+            <a:r>
+              <a:rPr lang="en-US" dirty="0" smtClean="0"/>
+              <a:t>Additional Symbols</a:t>
+            </a:r>
+          </a:p>
+          <a:p>
+            <a:pPr marL="914400" lvl="1" indent="-457200">
+              <a:buFont typeface="+mj-lt"/>
+              <a:buAutoNum type="arabicPeriod"/>
+            </a:pPr>
+            <a:endParaRPr lang="en-US" dirty="0" smtClean="0"/>
+          </a:p>
+          <a:p>
             <a:pPr marL="0" marR="0" indent="0" algn="l" defTabSz="914400" rtl="0" eaLnBrk="1" fontAlgn="auto" latinLnBrk="0" hangingPunct="1">
               <a:lnSpc>
                 <a:spcPct val="100000"/>
@@ -719,8 +731,20 @@
             </a:r>
             <a:r>
               <a:rPr lang="en-US" dirty="0" smtClean="0"/>
-              <a:t>to use and acknowledge revisions made to a specific part.</a:t>
-            </a:r>
+              <a:t>to use and acknowledge revisions made to a specific part.  Community projects are</a:t>
+            </a:r>
+            <a:r>
+              <a:rPr lang="en-US" baseline="0" dirty="0" smtClean="0"/>
+              <a:t> so poorly documented that not even a basic title block exists within the Open Source Hardware Community.</a:t>
+            </a:r>
+            <a:endParaRPr lang="en-US" dirty="0" smtClean="0"/>
+          </a:p>
+          <a:p>
+            <a:pPr marL="914400" lvl="1" indent="-457200">
+              <a:buFont typeface="+mj-lt"/>
+              <a:buAutoNum type="arabicPeriod"/>
+            </a:pPr>
+            <a:endParaRPr lang="en-US" dirty="0" smtClean="0"/>
           </a:p>
           <a:p>
             <a:endParaRPr lang="en-US" dirty="0"/>
@@ -742,18 +766,19 @@
           <a:bodyPr/>
           <a:lstStyle/>
           <a:p>
-            <a:fld id="{AC1069CC-3C5C-437B-B3CA-43BB55146E4E}" type="slidenum">
-              <a:rPr lang="en-US" smtClean="0"/>
-              <a:t>3</a:t>
+            <a:fld id="{23782511-E6CA-4337-83DD-3F4EDFA36EC0}" type="slidenum">
+              <a:rPr lang="en-US" smtClean="0"/>
+              <a:pPr/>
+              <a:t>2</a:t>
             </a:fld>
-            <a:endParaRPr lang="en-US"/>
+            <a:endParaRPr lang="en-US" dirty="0"/>
           </a:p>
         </p:txBody>
       </p:sp>
     </p:spTree>
     <p:extLst>
       <p:ext uri="{BB962C8B-B14F-4D97-AF65-F5344CB8AC3E}">
-        <p14:creationId xmlns:p14="http://schemas.microsoft.com/office/powerpoint/2010/main" val="1539498078"/>
+        <p14:creationId xmlns:p14="http://schemas.microsoft.com/office/powerpoint/2010/main" val="3764980766"/>
       </p:ext>
     </p:extLst>
   </p:cSld>
@@ -965,14 +990,11 @@
                   <a:rPr lang="en-US" dirty="0" smtClean="0">
                     <a:sym typeface="Wingdings" panose="05000000000000000000" pitchFamily="2" charset="2"/>
                   </a:rPr>
-                  <a:t> indicates the ribbed vat will sway.  (result of bonding </a:t>
+                  <a:t> indicates the ribbed vat will sway.  (result of bonding issues)</a:t>
                 </a:r>
-                <a:r>
-                  <a:rPr lang="en-US" dirty="0" smtClean="0">
-                    <a:sym typeface="Wingdings" panose="05000000000000000000" pitchFamily="2" charset="2"/>
-                  </a:rPr>
-                  <a:t>issues)</a:t>
-                </a:r>
+              </a:p>
+              <a:p>
+                <a:endParaRPr lang="en-US" dirty="0"/>
               </a:p>
             </p:txBody>
           </p:sp>
@@ -1026,14 +1048,11 @@
                   <a:rPr lang="en-US" dirty="0" smtClean="0">
                     <a:sym typeface="Wingdings" panose="05000000000000000000" pitchFamily="2" charset="2"/>
                   </a:rPr>
-                  <a:t> indicates the ribbed vat will sway.  (result of bonding </a:t>
+                  <a:t> indicates the ribbed vat will sway.  (result of bonding issues)</a:t>
                 </a:r>
-                <a:r>
-                  <a:rPr lang="en-US" dirty="0" smtClean="0">
-                    <a:sym typeface="Wingdings" panose="05000000000000000000" pitchFamily="2" charset="2"/>
-                  </a:rPr>
-                  <a:t>issues)</a:t>
-                </a:r>
+              </a:p>
+              <a:p>
+                <a:endParaRPr lang="en-US" dirty="0"/>
               </a:p>
             </p:txBody>
           </p:sp>
@@ -1054,18 +1073,19 @@
           <a:bodyPr/>
           <a:lstStyle/>
           <a:p>
-            <a:fld id="{AC1069CC-3C5C-437B-B3CA-43BB55146E4E}" type="slidenum">
-              <a:rPr lang="en-US" smtClean="0"/>
-              <a:t>4</a:t>
+            <a:fld id="{23782511-E6CA-4337-83DD-3F4EDFA36EC0}" type="slidenum">
+              <a:rPr lang="en-US" smtClean="0"/>
+              <a:pPr/>
+              <a:t>3</a:t>
             </a:fld>
-            <a:endParaRPr lang="en-US"/>
+            <a:endParaRPr lang="en-US" dirty="0"/>
           </a:p>
         </p:txBody>
       </p:sp>
     </p:spTree>
     <p:extLst>
       <p:ext uri="{BB962C8B-B14F-4D97-AF65-F5344CB8AC3E}">
-        <p14:creationId xmlns:p14="http://schemas.microsoft.com/office/powerpoint/2010/main" val="1221103726"/>
+        <p14:creationId xmlns:p14="http://schemas.microsoft.com/office/powerpoint/2010/main" val="4192863979"/>
       </p:ext>
     </p:extLst>
   </p:cSld>
@@ -1076,7 +1096,7 @@
 </file>
 
 <file path=ppt/slideLayouts/slideLayout1.xml><?xml version="1.0" encoding="utf-8"?>
-<p:sldLayout xmlns:a="http://schemas.openxmlformats.org/drawingml/2006/main" xmlns:r="http://schemas.openxmlformats.org/officeDocument/2006/relationships" xmlns:p="http://schemas.openxmlformats.org/presentationml/2006/main" type="title" preserve="1">
+<p:sldLayout xmlns:a="http://schemas.openxmlformats.org/drawingml/2006/main" xmlns:r="http://schemas.openxmlformats.org/officeDocument/2006/relationships" xmlns:p="http://schemas.openxmlformats.org/presentationml/2006/main" showMasterSp="0" type="title" preserve="1">
   <p:cSld name="Title Slide">
     <p:spTree>
       <p:nvGrpSpPr>
@@ -1092,6 +1112,319 @@
           <a:chExt cx="0" cy="0"/>
         </a:xfrm>
       </p:grpSpPr>
+      <p:grpSp>
+        <p:nvGrpSpPr>
+          <p:cNvPr id="19" name="Group 18"/>
+          <p:cNvGrpSpPr/>
+          <p:nvPr/>
+        </p:nvGrpSpPr>
+        <p:grpSpPr>
+          <a:xfrm>
+            <a:off x="546100" y="-4763"/>
+            <a:ext cx="5014912" cy="6862763"/>
+            <a:chOff x="2928938" y="-4763"/>
+            <a:chExt cx="5014912" cy="6862763"/>
+          </a:xfrm>
+        </p:grpSpPr>
+        <p:sp>
+          <p:nvSpPr>
+            <p:cNvPr id="22" name="Freeform 6"/>
+            <p:cNvSpPr/>
+            <p:nvPr/>
+          </p:nvSpPr>
+          <p:spPr bwMode="auto">
+            <a:xfrm>
+              <a:off x="3367088" y="-4763"/>
+              <a:ext cx="1063625" cy="2782888"/>
+            </a:xfrm>
+            <a:custGeom>
+              <a:avLst/>
+              <a:gdLst/>
+              <a:ahLst/>
+              <a:cxnLst/>
+              <a:rect l="0" t="0" r="r" b="b"/>
+              <a:pathLst>
+                <a:path w="670" h="1753">
+                  <a:moveTo>
+                    <a:pt x="0" y="1696"/>
+                  </a:moveTo>
+                  <a:lnTo>
+                    <a:pt x="225" y="1753"/>
+                  </a:lnTo>
+                  <a:lnTo>
+                    <a:pt x="670" y="0"/>
+                  </a:lnTo>
+                  <a:lnTo>
+                    <a:pt x="430" y="0"/>
+                  </a:lnTo>
+                  <a:lnTo>
+                    <a:pt x="0" y="1696"/>
+                  </a:lnTo>
+                  <a:close/>
+                </a:path>
+              </a:pathLst>
+            </a:custGeom>
+            <a:solidFill>
+              <a:schemeClr val="accent1"/>
+            </a:solidFill>
+            <a:ln>
+              <a:noFill/>
+            </a:ln>
+          </p:spPr>
+        </p:sp>
+        <p:sp>
+          <p:nvSpPr>
+            <p:cNvPr id="23" name="Freeform 7"/>
+            <p:cNvSpPr/>
+            <p:nvPr/>
+          </p:nvSpPr>
+          <p:spPr bwMode="auto">
+            <a:xfrm>
+              <a:off x="2928938" y="-4763"/>
+              <a:ext cx="1035050" cy="2673350"/>
+            </a:xfrm>
+            <a:custGeom>
+              <a:avLst/>
+              <a:gdLst/>
+              <a:ahLst/>
+              <a:cxnLst/>
+              <a:rect l="0" t="0" r="r" b="b"/>
+              <a:pathLst>
+                <a:path w="652" h="1684">
+                  <a:moveTo>
+                    <a:pt x="225" y="1684"/>
+                  </a:moveTo>
+                  <a:lnTo>
+                    <a:pt x="652" y="0"/>
+                  </a:lnTo>
+                  <a:lnTo>
+                    <a:pt x="411" y="0"/>
+                  </a:lnTo>
+                  <a:lnTo>
+                    <a:pt x="0" y="1627"/>
+                  </a:lnTo>
+                  <a:lnTo>
+                    <a:pt x="219" y="1681"/>
+                  </a:lnTo>
+                  <a:lnTo>
+                    <a:pt x="225" y="1684"/>
+                  </a:lnTo>
+                  <a:close/>
+                </a:path>
+              </a:pathLst>
+            </a:custGeom>
+            <a:solidFill>
+              <a:schemeClr val="tx1">
+                <a:lumMod val="65000"/>
+                <a:lumOff val="35000"/>
+              </a:schemeClr>
+            </a:solidFill>
+            <a:ln>
+              <a:noFill/>
+            </a:ln>
+          </p:spPr>
+        </p:sp>
+        <p:sp>
+          <p:nvSpPr>
+            <p:cNvPr id="24" name="Freeform 9"/>
+            <p:cNvSpPr/>
+            <p:nvPr/>
+          </p:nvSpPr>
+          <p:spPr bwMode="auto">
+            <a:xfrm>
+              <a:off x="2928938" y="2582862"/>
+              <a:ext cx="2693987" cy="4275138"/>
+            </a:xfrm>
+            <a:custGeom>
+              <a:avLst/>
+              <a:gdLst/>
+              <a:ahLst/>
+              <a:cxnLst/>
+              <a:rect l="0" t="0" r="r" b="b"/>
+              <a:pathLst>
+                <a:path w="1697" h="2693">
+                  <a:moveTo>
+                    <a:pt x="0" y="0"/>
+                  </a:moveTo>
+                  <a:lnTo>
+                    <a:pt x="1622" y="2693"/>
+                  </a:lnTo>
+                  <a:lnTo>
+                    <a:pt x="1697" y="2693"/>
+                  </a:lnTo>
+                  <a:lnTo>
+                    <a:pt x="0" y="0"/>
+                  </a:lnTo>
+                  <a:close/>
+                </a:path>
+              </a:pathLst>
+            </a:custGeom>
+            <a:solidFill>
+              <a:schemeClr val="tx1">
+                <a:lumMod val="85000"/>
+                <a:lumOff val="15000"/>
+              </a:schemeClr>
+            </a:solidFill>
+            <a:ln>
+              <a:noFill/>
+            </a:ln>
+          </p:spPr>
+        </p:sp>
+        <p:sp>
+          <p:nvSpPr>
+            <p:cNvPr id="25" name="Freeform 10"/>
+            <p:cNvSpPr/>
+            <p:nvPr/>
+          </p:nvSpPr>
+          <p:spPr bwMode="auto">
+            <a:xfrm>
+              <a:off x="3371850" y="2692400"/>
+              <a:ext cx="3332162" cy="4165600"/>
+            </a:xfrm>
+            <a:custGeom>
+              <a:avLst/>
+              <a:gdLst/>
+              <a:ahLst/>
+              <a:cxnLst/>
+              <a:rect l="0" t="0" r="r" b="b"/>
+              <a:pathLst>
+                <a:path w="2099" h="2624">
+                  <a:moveTo>
+                    <a:pt x="2099" y="2624"/>
+                  </a:moveTo>
+                  <a:lnTo>
+                    <a:pt x="0" y="0"/>
+                  </a:lnTo>
+                  <a:lnTo>
+                    <a:pt x="2021" y="2624"/>
+                  </a:lnTo>
+                  <a:lnTo>
+                    <a:pt x="2099" y="2624"/>
+                  </a:lnTo>
+                  <a:close/>
+                </a:path>
+              </a:pathLst>
+            </a:custGeom>
+            <a:solidFill>
+              <a:schemeClr val="accent1">
+                <a:lumMod val="50000"/>
+              </a:schemeClr>
+            </a:solidFill>
+            <a:ln>
+              <a:noFill/>
+            </a:ln>
+          </p:spPr>
+        </p:sp>
+        <p:sp>
+          <p:nvSpPr>
+            <p:cNvPr id="26" name="Freeform 11"/>
+            <p:cNvSpPr/>
+            <p:nvPr/>
+          </p:nvSpPr>
+          <p:spPr bwMode="auto">
+            <a:xfrm>
+              <a:off x="3367088" y="2687637"/>
+              <a:ext cx="4576762" cy="4170363"/>
+            </a:xfrm>
+            <a:custGeom>
+              <a:avLst/>
+              <a:gdLst/>
+              <a:ahLst/>
+              <a:cxnLst/>
+              <a:rect l="0" t="0" r="r" b="b"/>
+              <a:pathLst>
+                <a:path w="2883" h="2627">
+                  <a:moveTo>
+                    <a:pt x="0" y="0"/>
+                  </a:moveTo>
+                  <a:lnTo>
+                    <a:pt x="3" y="3"/>
+                  </a:lnTo>
+                  <a:lnTo>
+                    <a:pt x="2102" y="2627"/>
+                  </a:lnTo>
+                  <a:lnTo>
+                    <a:pt x="2883" y="2627"/>
+                  </a:lnTo>
+                  <a:lnTo>
+                    <a:pt x="225" y="57"/>
+                  </a:lnTo>
+                  <a:lnTo>
+                    <a:pt x="0" y="0"/>
+                  </a:lnTo>
+                  <a:close/>
+                </a:path>
+              </a:pathLst>
+            </a:custGeom>
+            <a:solidFill>
+              <a:schemeClr val="accent1">
+                <a:lumMod val="75000"/>
+              </a:schemeClr>
+            </a:solidFill>
+            <a:ln>
+              <a:noFill/>
+            </a:ln>
+          </p:spPr>
+        </p:sp>
+        <p:sp>
+          <p:nvSpPr>
+            <p:cNvPr id="27" name="Freeform 12"/>
+            <p:cNvSpPr/>
+            <p:nvPr/>
+          </p:nvSpPr>
+          <p:spPr bwMode="auto">
+            <a:xfrm>
+              <a:off x="2928938" y="2578100"/>
+              <a:ext cx="3584575" cy="4279900"/>
+            </a:xfrm>
+            <a:custGeom>
+              <a:avLst/>
+              <a:gdLst/>
+              <a:ahLst/>
+              <a:cxnLst/>
+              <a:rect l="0" t="0" r="r" b="b"/>
+              <a:pathLst>
+                <a:path w="2258" h="2696">
+                  <a:moveTo>
+                    <a:pt x="2258" y="2696"/>
+                  </a:moveTo>
+                  <a:lnTo>
+                    <a:pt x="264" y="111"/>
+                  </a:lnTo>
+                  <a:lnTo>
+                    <a:pt x="228" y="60"/>
+                  </a:lnTo>
+                  <a:lnTo>
+                    <a:pt x="225" y="57"/>
+                  </a:lnTo>
+                  <a:lnTo>
+                    <a:pt x="0" y="0"/>
+                  </a:lnTo>
+                  <a:lnTo>
+                    <a:pt x="0" y="3"/>
+                  </a:lnTo>
+                  <a:lnTo>
+                    <a:pt x="1697" y="2696"/>
+                  </a:lnTo>
+                  <a:lnTo>
+                    <a:pt x="2258" y="2696"/>
+                  </a:lnTo>
+                  <a:close/>
+                </a:path>
+              </a:pathLst>
+            </a:custGeom>
+            <a:solidFill>
+              <a:schemeClr val="tx1">
+                <a:lumMod val="75000"/>
+                <a:lumOff val="25000"/>
+              </a:schemeClr>
+            </a:solidFill>
+            <a:ln>
+              <a:noFill/>
+            </a:ln>
+          </p:spPr>
+        </p:sp>
+      </p:grpSp>
       <p:sp>
         <p:nvSpPr>
           <p:cNvPr id="2" name="Title 1"/>
@@ -1104,23 +1437,27 @@
         </p:nvSpPr>
         <p:spPr>
           <a:xfrm>
-            <a:off x="1524000" y="1122363"/>
-            <a:ext cx="9144000" cy="2387600"/>
+            <a:off x="2928401" y="1380068"/>
+            <a:ext cx="8574622" cy="2616199"/>
           </a:xfrm>
         </p:spPr>
         <p:txBody>
-          <a:bodyPr anchor="b"/>
+          <a:bodyPr anchor="b">
+            <a:normAutofit/>
+          </a:bodyPr>
           <a:lstStyle>
-            <a:lvl1pPr algn="ctr">
-              <a:defRPr sz="6000"/>
+            <a:lvl1pPr algn="r">
+              <a:defRPr sz="6000">
+                <a:effectLst/>
+              </a:defRPr>
             </a:lvl1pPr>
           </a:lstStyle>
           <a:p>
             <a:r>
-              <a:rPr lang="en-US" smtClean="0"/>
+              <a:rPr lang="en-US" dirty="0" smtClean="0"/>
               <a:t>Click to edit Master title style</a:t>
             </a:r>
-            <a:endParaRPr lang="en-US"/>
+            <a:endParaRPr lang="en-US" dirty="0"/>
           </a:p>
         </p:txBody>
       </p:sp>
@@ -1136,56 +1473,110 @@
         </p:nvSpPr>
         <p:spPr>
           <a:xfrm>
-            <a:off x="1524000" y="3602038"/>
-            <a:ext cx="9144000" cy="1655762"/>
+            <a:off x="4515377" y="3996267"/>
+            <a:ext cx="6987645" cy="1388534"/>
           </a:xfrm>
         </p:spPr>
         <p:txBody>
-          <a:bodyPr/>
+          <a:bodyPr anchor="t">
+            <a:normAutofit/>
+          </a:bodyPr>
           <a:lstStyle>
-            <a:lvl1pPr marL="0" indent="0" algn="ctr">
-              <a:buNone/>
-              <a:defRPr sz="2400"/>
+            <a:lvl1pPr marL="0" indent="0" algn="r">
+              <a:buNone/>
+              <a:defRPr sz="2100">
+                <a:solidFill>
+                  <a:schemeClr val="tx1"/>
+                </a:solidFill>
+              </a:defRPr>
             </a:lvl1pPr>
             <a:lvl2pPr marL="457200" indent="0" algn="ctr">
               <a:buNone/>
-              <a:defRPr sz="2000"/>
+              <a:defRPr>
+                <a:solidFill>
+                  <a:schemeClr val="tx1">
+                    <a:tint val="75000"/>
+                  </a:schemeClr>
+                </a:solidFill>
+              </a:defRPr>
             </a:lvl2pPr>
             <a:lvl3pPr marL="914400" indent="0" algn="ctr">
               <a:buNone/>
-              <a:defRPr sz="1800"/>
+              <a:defRPr>
+                <a:solidFill>
+                  <a:schemeClr val="tx1">
+                    <a:tint val="75000"/>
+                  </a:schemeClr>
+                </a:solidFill>
+              </a:defRPr>
             </a:lvl3pPr>
             <a:lvl4pPr marL="1371600" indent="0" algn="ctr">
               <a:buNone/>
-              <a:defRPr sz="1600"/>
+              <a:defRPr>
+                <a:solidFill>
+                  <a:schemeClr val="tx1">
+                    <a:tint val="75000"/>
+                  </a:schemeClr>
+                </a:solidFill>
+              </a:defRPr>
             </a:lvl4pPr>
             <a:lvl5pPr marL="1828800" indent="0" algn="ctr">
               <a:buNone/>
-              <a:defRPr sz="1600"/>
+              <a:defRPr>
+                <a:solidFill>
+                  <a:schemeClr val="tx1">
+                    <a:tint val="75000"/>
+                  </a:schemeClr>
+                </a:solidFill>
+              </a:defRPr>
             </a:lvl5pPr>
             <a:lvl6pPr marL="2286000" indent="0" algn="ctr">
               <a:buNone/>
-              <a:defRPr sz="1600"/>
+              <a:defRPr>
+                <a:solidFill>
+                  <a:schemeClr val="tx1">
+                    <a:tint val="75000"/>
+                  </a:schemeClr>
+                </a:solidFill>
+              </a:defRPr>
             </a:lvl6pPr>
             <a:lvl7pPr marL="2743200" indent="0" algn="ctr">
               <a:buNone/>
-              <a:defRPr sz="1600"/>
+              <a:defRPr>
+                <a:solidFill>
+                  <a:schemeClr val="tx1">
+                    <a:tint val="75000"/>
+                  </a:schemeClr>
+                </a:solidFill>
+              </a:defRPr>
             </a:lvl7pPr>
             <a:lvl8pPr marL="3200400" indent="0" algn="ctr">
               <a:buNone/>
-              <a:defRPr sz="1600"/>
+              <a:defRPr>
+                <a:solidFill>
+                  <a:schemeClr val="tx1">
+                    <a:tint val="75000"/>
+                  </a:schemeClr>
+                </a:solidFill>
+              </a:defRPr>
             </a:lvl8pPr>
             <a:lvl9pPr marL="3657600" indent="0" algn="ctr">
               <a:buNone/>
-              <a:defRPr sz="1600"/>
+              <a:defRPr>
+                <a:solidFill>
+                  <a:schemeClr val="tx1">
+                    <a:tint val="75000"/>
+                  </a:schemeClr>
+                </a:solidFill>
+              </a:defRPr>
             </a:lvl9pPr>
           </a:lstStyle>
           <a:p>
             <a:r>
-              <a:rPr lang="en-US" smtClean="0"/>
+              <a:rPr lang="en-US" dirty="0" smtClean="0"/>
               <a:t>Click to edit Master subtitle style</a:t>
             </a:r>
-            <a:endParaRPr lang="en-US"/>
+            <a:endParaRPr lang="en-US" dirty="0"/>
           </a:p>
         </p:txBody>
       </p:sp>
@@ -1204,11 +1595,12 @@
           <a:bodyPr/>
           <a:lstStyle/>
           <a:p>
-            <a:fld id="{31C6ABEE-1E13-4517-BD42-7EE02DD2C424}" type="datetimeFigureOut">
-              <a:rPr lang="en-US" smtClean="0"/>
+            <a:fld id="{20B296D5-E3CF-4672-8939-A7C2F0F5EC5D}" type="datetime1">
+              <a:rPr lang="en-US" smtClean="0"/>
+              <a:pPr/>
               <a:t>11/16/2014</a:t>
             </a:fld>
-            <a:endParaRPr lang="en-US"/>
+            <a:endParaRPr lang="en-US" dirty="0"/>
           </a:p>
         </p:txBody>
       </p:sp>
@@ -1222,12 +1614,17 @@
             <p:ph type="ftr" sz="quarter" idx="11"/>
           </p:nvPr>
         </p:nvSpPr>
-        <p:spPr/>
+        <p:spPr>
+          <a:xfrm>
+            <a:off x="5332412" y="5883275"/>
+            <a:ext cx="4324044" cy="365125"/>
+          </a:xfrm>
+        </p:spPr>
         <p:txBody>
           <a:bodyPr/>
           <a:lstStyle/>
           <a:p>
-            <a:endParaRPr lang="en-US"/>
+            <a:endParaRPr lang="en-US" dirty="0"/>
           </a:p>
         </p:txBody>
       </p:sp>
@@ -1246,18 +1643,19 @@
           <a:bodyPr/>
           <a:lstStyle/>
           <a:p>
-            <a:fld id="{30F7FCDE-30A6-4F40-B6EA-AE51F264FCC3}" type="slidenum">
-              <a:rPr lang="en-US" smtClean="0"/>
+            <a:fld id="{5C6BB475-B640-4DD3-A1AA-1CF10A44AA06}" type="slidenum">
+              <a:rPr lang="en-US" smtClean="0"/>
+              <a:pPr/>
               <a:t>‹#›</a:t>
             </a:fld>
-            <a:endParaRPr lang="en-US"/>
+            <a:endParaRPr lang="en-US" dirty="0"/>
           </a:p>
         </p:txBody>
       </p:sp>
     </p:spTree>
     <p:extLst>
       <p:ext uri="{BB962C8B-B14F-4D97-AF65-F5344CB8AC3E}">
-        <p14:creationId xmlns:p14="http://schemas.microsoft.com/office/powerpoint/2010/main" val="3179767220"/>
+        <p14:creationId xmlns:p14="http://schemas.microsoft.com/office/powerpoint/2010/main" val="2159735158"/>
       </p:ext>
     </p:extLst>
   </p:cSld>
@@ -1268,6 +1666,2174 @@
 </file>
 
 <file path=ppt/slideLayouts/slideLayout10.xml><?xml version="1.0" encoding="utf-8"?>
+<p:sldLayout xmlns:a="http://schemas.openxmlformats.org/drawingml/2006/main" xmlns:r="http://schemas.openxmlformats.org/officeDocument/2006/relationships" xmlns:p="http://schemas.openxmlformats.org/presentationml/2006/main" preserve="1">
+  <p:cSld name="Panoramic Picture with Caption">
+    <p:spTree>
+      <p:nvGrpSpPr>
+        <p:cNvPr id="1" name=""/>
+        <p:cNvGrpSpPr/>
+        <p:nvPr/>
+      </p:nvGrpSpPr>
+      <p:grpSpPr>
+        <a:xfrm>
+          <a:off x="0" y="0"/>
+          <a:ext cx="0" cy="0"/>
+          <a:chOff x="0" y="0"/>
+          <a:chExt cx="0" cy="0"/>
+        </a:xfrm>
+      </p:grpSpPr>
+      <p:sp>
+        <p:nvSpPr>
+          <p:cNvPr id="2" name="Title 1"/>
+          <p:cNvSpPr>
+            <a:spLocks noGrp="1"/>
+          </p:cNvSpPr>
+          <p:nvPr>
+            <p:ph type="title"/>
+          </p:nvPr>
+        </p:nvSpPr>
+        <p:spPr>
+          <a:xfrm>
+            <a:off x="1484311" y="4732865"/>
+            <a:ext cx="10018711" cy="566738"/>
+          </a:xfrm>
+        </p:spPr>
+        <p:txBody>
+          <a:bodyPr anchor="b">
+            <a:normAutofit/>
+          </a:bodyPr>
+          <a:lstStyle>
+            <a:lvl1pPr algn="ctr">
+              <a:defRPr sz="2400" b="0"/>
+            </a:lvl1pPr>
+          </a:lstStyle>
+          <a:p>
+            <a:r>
+              <a:rPr lang="en-US" smtClean="0"/>
+              <a:t>Click to edit Master title style</a:t>
+            </a:r>
+            <a:endParaRPr lang="en-US" dirty="0"/>
+          </a:p>
+        </p:txBody>
+      </p:sp>
+      <p:sp>
+        <p:nvSpPr>
+          <p:cNvPr id="3" name="Picture Placeholder 2"/>
+          <p:cNvSpPr>
+            <a:spLocks noGrp="1" noChangeAspect="1"/>
+          </p:cNvSpPr>
+          <p:nvPr>
+            <p:ph type="pic" idx="1"/>
+          </p:nvPr>
+        </p:nvSpPr>
+        <p:spPr>
+          <a:xfrm>
+            <a:off x="2386012" y="932112"/>
+            <a:ext cx="8225944" cy="3164976"/>
+          </a:xfrm>
+          <a:prstGeom prst="roundRect">
+            <a:avLst>
+              <a:gd name="adj" fmla="val 4380"/>
+            </a:avLst>
+          </a:prstGeom>
+          <a:ln w="38100">
+            <a:gradFill flip="none" rotWithShape="1">
+              <a:gsLst>
+                <a:gs pos="0">
+                  <a:schemeClr val="bg2"/>
+                </a:gs>
+                <a:gs pos="100000">
+                  <a:schemeClr val="bg2">
+                    <a:lumMod val="75000"/>
+                  </a:schemeClr>
+                </a:gs>
+              </a:gsLst>
+              <a:lin ang="5400000" scaled="0"/>
+              <a:tileRect/>
+            </a:gradFill>
+          </a:ln>
+          <a:effectLst>
+            <a:innerShdw blurRad="57150" dist="38100" dir="14460000">
+              <a:srgbClr val="000000">
+                <a:alpha val="70000"/>
+              </a:srgbClr>
+            </a:innerShdw>
+          </a:effectLst>
+        </p:spPr>
+        <p:txBody>
+          <a:bodyPr anchor="t">
+            <a:normAutofit/>
+          </a:bodyPr>
+          <a:lstStyle>
+            <a:lvl1pPr marL="0" indent="0" algn="ctr">
+              <a:buNone/>
+              <a:defRPr sz="1600"/>
+            </a:lvl1pPr>
+            <a:lvl2pPr marL="457200" indent="0">
+              <a:buNone/>
+              <a:defRPr sz="1600"/>
+            </a:lvl2pPr>
+            <a:lvl3pPr marL="914400" indent="0">
+              <a:buNone/>
+              <a:defRPr sz="1600"/>
+            </a:lvl3pPr>
+            <a:lvl4pPr marL="1371600" indent="0">
+              <a:buNone/>
+              <a:defRPr sz="1600"/>
+            </a:lvl4pPr>
+            <a:lvl5pPr marL="1828800" indent="0">
+              <a:buNone/>
+              <a:defRPr sz="1600"/>
+            </a:lvl5pPr>
+            <a:lvl6pPr marL="2286000" indent="0">
+              <a:buNone/>
+              <a:defRPr sz="1600"/>
+            </a:lvl6pPr>
+            <a:lvl7pPr marL="2743200" indent="0">
+              <a:buNone/>
+              <a:defRPr sz="1600"/>
+            </a:lvl7pPr>
+            <a:lvl8pPr marL="3200400" indent="0">
+              <a:buNone/>
+              <a:defRPr sz="1600"/>
+            </a:lvl8pPr>
+            <a:lvl9pPr marL="3657600" indent="0">
+              <a:buNone/>
+              <a:defRPr sz="1600"/>
+            </a:lvl9pPr>
+          </a:lstStyle>
+          <a:p>
+            <a:r>
+              <a:rPr lang="en-US" dirty="0" smtClean="0"/>
+              <a:t>Click icon to add picture</a:t>
+            </a:r>
+            <a:endParaRPr lang="en-US" dirty="0"/>
+          </a:p>
+        </p:txBody>
+      </p:sp>
+      <p:sp>
+        <p:nvSpPr>
+          <p:cNvPr id="4" name="Text Placeholder 3"/>
+          <p:cNvSpPr>
+            <a:spLocks noGrp="1"/>
+          </p:cNvSpPr>
+          <p:nvPr>
+            <p:ph type="body" sz="half" idx="2"/>
+          </p:nvPr>
+        </p:nvSpPr>
+        <p:spPr>
+          <a:xfrm>
+            <a:off x="1484311" y="5299603"/>
+            <a:ext cx="10018711" cy="493712"/>
+          </a:xfrm>
+        </p:spPr>
+        <p:txBody>
+          <a:bodyPr>
+            <a:normAutofit/>
+          </a:bodyPr>
+          <a:lstStyle>
+            <a:lvl1pPr marL="0" indent="0" algn="ctr">
+              <a:buNone/>
+              <a:defRPr sz="1400"/>
+            </a:lvl1pPr>
+            <a:lvl2pPr marL="457200" indent="0">
+              <a:buNone/>
+              <a:defRPr sz="1200"/>
+            </a:lvl2pPr>
+            <a:lvl3pPr marL="914400" indent="0">
+              <a:buNone/>
+              <a:defRPr sz="1000"/>
+            </a:lvl3pPr>
+            <a:lvl4pPr marL="1371600" indent="0">
+              <a:buNone/>
+              <a:defRPr sz="900"/>
+            </a:lvl4pPr>
+            <a:lvl5pPr marL="1828800" indent="0">
+              <a:buNone/>
+              <a:defRPr sz="900"/>
+            </a:lvl5pPr>
+            <a:lvl6pPr marL="2286000" indent="0">
+              <a:buNone/>
+              <a:defRPr sz="900"/>
+            </a:lvl6pPr>
+            <a:lvl7pPr marL="2743200" indent="0">
+              <a:buNone/>
+              <a:defRPr sz="900"/>
+            </a:lvl7pPr>
+            <a:lvl8pPr marL="3200400" indent="0">
+              <a:buNone/>
+              <a:defRPr sz="900"/>
+            </a:lvl8pPr>
+            <a:lvl9pPr marL="3657600" indent="0">
+              <a:buNone/>
+              <a:defRPr sz="900"/>
+            </a:lvl9pPr>
+          </a:lstStyle>
+          <a:p>
+            <a:pPr lvl="0"/>
+            <a:r>
+              <a:rPr lang="en-US" smtClean="0"/>
+              <a:t>Click to edit Master text styles</a:t>
+            </a:r>
+          </a:p>
+        </p:txBody>
+      </p:sp>
+      <p:sp>
+        <p:nvSpPr>
+          <p:cNvPr id="5" name="Date Placeholder 4"/>
+          <p:cNvSpPr>
+            <a:spLocks noGrp="1"/>
+          </p:cNvSpPr>
+          <p:nvPr>
+            <p:ph type="dt" sz="half" idx="10"/>
+          </p:nvPr>
+        </p:nvSpPr>
+        <p:spPr/>
+        <p:txBody>
+          <a:bodyPr/>
+          <a:lstStyle/>
+          <a:p>
+            <a:fld id="{28A02E2E-7E1A-4CF8-B33B-7A3A0C846DC2}" type="datetime1">
+              <a:rPr lang="en-US" smtClean="0"/>
+              <a:pPr/>
+              <a:t>11/16/2014</a:t>
+            </a:fld>
+            <a:endParaRPr lang="en-US" dirty="0"/>
+          </a:p>
+        </p:txBody>
+      </p:sp>
+      <p:sp>
+        <p:nvSpPr>
+          <p:cNvPr id="6" name="Footer Placeholder 5"/>
+          <p:cNvSpPr>
+            <a:spLocks noGrp="1"/>
+          </p:cNvSpPr>
+          <p:nvPr>
+            <p:ph type="ftr" sz="quarter" idx="11"/>
+          </p:nvPr>
+        </p:nvSpPr>
+        <p:spPr/>
+        <p:txBody>
+          <a:bodyPr/>
+          <a:lstStyle/>
+          <a:p>
+            <a:endParaRPr lang="en-US" dirty="0"/>
+          </a:p>
+        </p:txBody>
+      </p:sp>
+      <p:sp>
+        <p:nvSpPr>
+          <p:cNvPr id="7" name="Slide Number Placeholder 6"/>
+          <p:cNvSpPr>
+            <a:spLocks noGrp="1"/>
+          </p:cNvSpPr>
+          <p:nvPr>
+            <p:ph type="sldNum" sz="quarter" idx="12"/>
+          </p:nvPr>
+        </p:nvSpPr>
+        <p:spPr/>
+        <p:txBody>
+          <a:bodyPr/>
+          <a:lstStyle/>
+          <a:p>
+            <a:fld id="{5C6BB475-B640-4DD3-A1AA-1CF10A44AA06}" type="slidenum">
+              <a:rPr lang="en-US" smtClean="0"/>
+              <a:pPr/>
+              <a:t>‹#›</a:t>
+            </a:fld>
+            <a:endParaRPr lang="en-US" dirty="0"/>
+          </a:p>
+        </p:txBody>
+      </p:sp>
+    </p:spTree>
+    <p:extLst>
+      <p:ext uri="{BB962C8B-B14F-4D97-AF65-F5344CB8AC3E}">
+        <p14:creationId xmlns:p14="http://schemas.microsoft.com/office/powerpoint/2010/main" val="3238449355"/>
+      </p:ext>
+    </p:extLst>
+  </p:cSld>
+  <p:clrMapOvr>
+    <a:masterClrMapping/>
+  </p:clrMapOvr>
+</p:sldLayout>
+</file>
+
+<file path=ppt/slideLayouts/slideLayout11.xml><?xml version="1.0" encoding="utf-8"?>
+<p:sldLayout xmlns:a="http://schemas.openxmlformats.org/drawingml/2006/main" xmlns:r="http://schemas.openxmlformats.org/officeDocument/2006/relationships" xmlns:p="http://schemas.openxmlformats.org/presentationml/2006/main" preserve="1">
+  <p:cSld name="Title and Caption">
+    <p:spTree>
+      <p:nvGrpSpPr>
+        <p:cNvPr id="1" name=""/>
+        <p:cNvGrpSpPr/>
+        <p:nvPr/>
+      </p:nvGrpSpPr>
+      <p:grpSpPr>
+        <a:xfrm>
+          <a:off x="0" y="0"/>
+          <a:ext cx="0" cy="0"/>
+          <a:chOff x="0" y="0"/>
+          <a:chExt cx="0" cy="0"/>
+        </a:xfrm>
+      </p:grpSpPr>
+      <p:sp>
+        <p:nvSpPr>
+          <p:cNvPr id="2" name="Title 1"/>
+          <p:cNvSpPr>
+            <a:spLocks noGrp="1"/>
+          </p:cNvSpPr>
+          <p:nvPr>
+            <p:ph type="title"/>
+          </p:nvPr>
+        </p:nvSpPr>
+        <p:spPr>
+          <a:xfrm>
+            <a:off x="1484312" y="685800"/>
+            <a:ext cx="10018711" cy="3048000"/>
+          </a:xfrm>
+        </p:spPr>
+        <p:txBody>
+          <a:bodyPr anchor="ctr">
+            <a:normAutofit/>
+          </a:bodyPr>
+          <a:lstStyle>
+            <a:lvl1pPr algn="ctr">
+              <a:defRPr sz="3200" b="0" cap="none"/>
+            </a:lvl1pPr>
+          </a:lstStyle>
+          <a:p>
+            <a:r>
+              <a:rPr lang="en-US" smtClean="0"/>
+              <a:t>Click to edit Master title style</a:t>
+            </a:r>
+            <a:endParaRPr lang="en-US" dirty="0"/>
+          </a:p>
+        </p:txBody>
+      </p:sp>
+      <p:sp>
+        <p:nvSpPr>
+          <p:cNvPr id="3" name="Text Placeholder 2"/>
+          <p:cNvSpPr>
+            <a:spLocks noGrp="1"/>
+          </p:cNvSpPr>
+          <p:nvPr>
+            <p:ph type="body" idx="1"/>
+          </p:nvPr>
+        </p:nvSpPr>
+        <p:spPr>
+          <a:xfrm>
+            <a:off x="1484312" y="4343400"/>
+            <a:ext cx="10018713" cy="1447800"/>
+          </a:xfrm>
+        </p:spPr>
+        <p:txBody>
+          <a:bodyPr anchor="ctr">
+            <a:normAutofit/>
+          </a:bodyPr>
+          <a:lstStyle>
+            <a:lvl1pPr marL="0" indent="0" algn="ctr">
+              <a:buNone/>
+              <a:defRPr sz="2000">
+                <a:solidFill>
+                  <a:schemeClr val="tx1"/>
+                </a:solidFill>
+              </a:defRPr>
+            </a:lvl1pPr>
+            <a:lvl2pPr marL="457200" indent="0">
+              <a:buNone/>
+              <a:defRPr sz="1800">
+                <a:solidFill>
+                  <a:schemeClr val="tx1">
+                    <a:tint val="75000"/>
+                  </a:schemeClr>
+                </a:solidFill>
+              </a:defRPr>
+            </a:lvl2pPr>
+            <a:lvl3pPr marL="914400" indent="0">
+              <a:buNone/>
+              <a:defRPr sz="1600">
+                <a:solidFill>
+                  <a:schemeClr val="tx1">
+                    <a:tint val="75000"/>
+                  </a:schemeClr>
+                </a:solidFill>
+              </a:defRPr>
+            </a:lvl3pPr>
+            <a:lvl4pPr marL="1371600" indent="0">
+              <a:buNone/>
+              <a:defRPr sz="1400">
+                <a:solidFill>
+                  <a:schemeClr val="tx1">
+                    <a:tint val="75000"/>
+                  </a:schemeClr>
+                </a:solidFill>
+              </a:defRPr>
+            </a:lvl4pPr>
+            <a:lvl5pPr marL="1828800" indent="0">
+              <a:buNone/>
+              <a:defRPr sz="1400">
+                <a:solidFill>
+                  <a:schemeClr val="tx1">
+                    <a:tint val="75000"/>
+                  </a:schemeClr>
+                </a:solidFill>
+              </a:defRPr>
+            </a:lvl5pPr>
+            <a:lvl6pPr marL="2286000" indent="0">
+              <a:buNone/>
+              <a:defRPr sz="1400">
+                <a:solidFill>
+                  <a:schemeClr val="tx1">
+                    <a:tint val="75000"/>
+                  </a:schemeClr>
+                </a:solidFill>
+              </a:defRPr>
+            </a:lvl6pPr>
+            <a:lvl7pPr marL="2743200" indent="0">
+              <a:buNone/>
+              <a:defRPr sz="1400">
+                <a:solidFill>
+                  <a:schemeClr val="tx1">
+                    <a:tint val="75000"/>
+                  </a:schemeClr>
+                </a:solidFill>
+              </a:defRPr>
+            </a:lvl7pPr>
+            <a:lvl8pPr marL="3200400" indent="0">
+              <a:buNone/>
+              <a:defRPr sz="1400">
+                <a:solidFill>
+                  <a:schemeClr val="tx1">
+                    <a:tint val="75000"/>
+                  </a:schemeClr>
+                </a:solidFill>
+              </a:defRPr>
+            </a:lvl8pPr>
+            <a:lvl9pPr marL="3657600" indent="0">
+              <a:buNone/>
+              <a:defRPr sz="1400">
+                <a:solidFill>
+                  <a:schemeClr val="tx1">
+                    <a:tint val="75000"/>
+                  </a:schemeClr>
+                </a:solidFill>
+              </a:defRPr>
+            </a:lvl9pPr>
+          </a:lstStyle>
+          <a:p>
+            <a:pPr lvl="0"/>
+            <a:r>
+              <a:rPr lang="en-US" smtClean="0"/>
+              <a:t>Click to edit Master text styles</a:t>
+            </a:r>
+          </a:p>
+        </p:txBody>
+      </p:sp>
+      <p:sp>
+        <p:nvSpPr>
+          <p:cNvPr id="4" name="Date Placeholder 3"/>
+          <p:cNvSpPr>
+            <a:spLocks noGrp="1"/>
+          </p:cNvSpPr>
+          <p:nvPr>
+            <p:ph type="dt" sz="half" idx="10"/>
+          </p:nvPr>
+        </p:nvSpPr>
+        <p:spPr/>
+        <p:txBody>
+          <a:bodyPr/>
+          <a:lstStyle/>
+          <a:p>
+            <a:fld id="{8CE046AC-902E-42C0-88FC-A13213B32EAE}" type="datetime1">
+              <a:rPr lang="en-US" smtClean="0"/>
+              <a:pPr/>
+              <a:t>11/16/2014</a:t>
+            </a:fld>
+            <a:endParaRPr lang="en-US" dirty="0"/>
+          </a:p>
+        </p:txBody>
+      </p:sp>
+      <p:sp>
+        <p:nvSpPr>
+          <p:cNvPr id="5" name="Footer Placeholder 4"/>
+          <p:cNvSpPr>
+            <a:spLocks noGrp="1"/>
+          </p:cNvSpPr>
+          <p:nvPr>
+            <p:ph type="ftr" sz="quarter" idx="11"/>
+          </p:nvPr>
+        </p:nvSpPr>
+        <p:spPr/>
+        <p:txBody>
+          <a:bodyPr/>
+          <a:lstStyle/>
+          <a:p>
+            <a:endParaRPr lang="en-US" dirty="0"/>
+          </a:p>
+        </p:txBody>
+      </p:sp>
+      <p:sp>
+        <p:nvSpPr>
+          <p:cNvPr id="6" name="Slide Number Placeholder 5"/>
+          <p:cNvSpPr>
+            <a:spLocks noGrp="1"/>
+          </p:cNvSpPr>
+          <p:nvPr>
+            <p:ph type="sldNum" sz="quarter" idx="12"/>
+          </p:nvPr>
+        </p:nvSpPr>
+        <p:spPr/>
+        <p:txBody>
+          <a:bodyPr/>
+          <a:lstStyle/>
+          <a:p>
+            <a:fld id="{5C6BB475-B640-4DD3-A1AA-1CF10A44AA06}" type="slidenum">
+              <a:rPr lang="en-US" smtClean="0"/>
+              <a:pPr/>
+              <a:t>‹#›</a:t>
+            </a:fld>
+            <a:endParaRPr lang="en-US" dirty="0"/>
+          </a:p>
+        </p:txBody>
+      </p:sp>
+    </p:spTree>
+    <p:extLst>
+      <p:ext uri="{BB962C8B-B14F-4D97-AF65-F5344CB8AC3E}">
+        <p14:creationId xmlns:p14="http://schemas.microsoft.com/office/powerpoint/2010/main" val="2004059547"/>
+      </p:ext>
+    </p:extLst>
+  </p:cSld>
+  <p:clrMapOvr>
+    <a:masterClrMapping/>
+  </p:clrMapOvr>
+</p:sldLayout>
+</file>
+
+<file path=ppt/slideLayouts/slideLayout12.xml><?xml version="1.0" encoding="utf-8"?>
+<p:sldLayout xmlns:a="http://schemas.openxmlformats.org/drawingml/2006/main" xmlns:r="http://schemas.openxmlformats.org/officeDocument/2006/relationships" xmlns:p="http://schemas.openxmlformats.org/presentationml/2006/main" preserve="1">
+  <p:cSld name="Quote with Caption">
+    <p:spTree>
+      <p:nvGrpSpPr>
+        <p:cNvPr id="1" name=""/>
+        <p:cNvGrpSpPr/>
+        <p:nvPr/>
+      </p:nvGrpSpPr>
+      <p:grpSpPr>
+        <a:xfrm>
+          <a:off x="0" y="0"/>
+          <a:ext cx="0" cy="0"/>
+          <a:chOff x="0" y="0"/>
+          <a:chExt cx="0" cy="0"/>
+        </a:xfrm>
+      </p:grpSpPr>
+      <p:sp>
+        <p:nvSpPr>
+          <p:cNvPr id="14" name="TextBox 13"/>
+          <p:cNvSpPr txBox="1"/>
+          <p:nvPr/>
+        </p:nvSpPr>
+        <p:spPr>
+          <a:xfrm>
+            <a:off x="1598612" y="863023"/>
+            <a:ext cx="609600" cy="584776"/>
+          </a:xfrm>
+          <a:prstGeom prst="rect">
+            <a:avLst/>
+          </a:prstGeom>
+        </p:spPr>
+        <p:txBody>
+          <a:bodyPr vert="horz" lIns="91440" tIns="45720" rIns="91440" bIns="45720" rtlCol="0" anchor="ctr">
+            <a:noAutofit/>
+          </a:bodyPr>
+          <a:lstStyle>
+            <a:lvl1pPr>
+              <a:spcBef>
+                <a:spcPct val="0"/>
+              </a:spcBef>
+              <a:buNone/>
+              <a:defRPr sz="3200" b="0" cap="all">
+                <a:ln w="3175" cmpd="sng">
+                  <a:noFill/>
+                </a:ln>
+                <a:effectLst>
+                  <a:glow rad="38100">
+                    <a:schemeClr val="bg1">
+                      <a:lumMod val="65000"/>
+                      <a:lumOff val="35000"/>
+                      <a:alpha val="40000"/>
+                    </a:schemeClr>
+                  </a:glow>
+                  <a:outerShdw blurRad="28575" dist="38100" dir="14040000" algn="tl" rotWithShape="0">
+                    <a:srgbClr val="000000">
+                      <a:alpha val="25000"/>
+                    </a:srgbClr>
+                  </a:outerShdw>
+                </a:effectLst>
+              </a:defRPr>
+            </a:lvl1pPr>
+            <a:lvl2pPr>
+              <a:defRPr>
+                <a:solidFill>
+                  <a:schemeClr val="tx2"/>
+                </a:solidFill>
+              </a:defRPr>
+            </a:lvl2pPr>
+            <a:lvl3pPr>
+              <a:defRPr>
+                <a:solidFill>
+                  <a:schemeClr val="tx2"/>
+                </a:solidFill>
+              </a:defRPr>
+            </a:lvl3pPr>
+            <a:lvl4pPr>
+              <a:defRPr>
+                <a:solidFill>
+                  <a:schemeClr val="tx2"/>
+                </a:solidFill>
+              </a:defRPr>
+            </a:lvl4pPr>
+            <a:lvl5pPr>
+              <a:defRPr>
+                <a:solidFill>
+                  <a:schemeClr val="tx2"/>
+                </a:solidFill>
+              </a:defRPr>
+            </a:lvl5pPr>
+            <a:lvl6pPr>
+              <a:defRPr>
+                <a:solidFill>
+                  <a:schemeClr val="tx2"/>
+                </a:solidFill>
+              </a:defRPr>
+            </a:lvl6pPr>
+            <a:lvl7pPr>
+              <a:defRPr>
+                <a:solidFill>
+                  <a:schemeClr val="tx2"/>
+                </a:solidFill>
+              </a:defRPr>
+            </a:lvl7pPr>
+            <a:lvl8pPr>
+              <a:defRPr>
+                <a:solidFill>
+                  <a:schemeClr val="tx2"/>
+                </a:solidFill>
+              </a:defRPr>
+            </a:lvl8pPr>
+            <a:lvl9pPr>
+              <a:defRPr>
+                <a:solidFill>
+                  <a:schemeClr val="tx2"/>
+                </a:solidFill>
+              </a:defRPr>
+            </a:lvl9pPr>
+          </a:lstStyle>
+          <a:p>
+            <a:pPr lvl="0"/>
+            <a:r>
+              <a:rPr lang="en-US" sz="8000" dirty="0">
+                <a:solidFill>
+                  <a:schemeClr val="tx1"/>
+                </a:solidFill>
+                <a:effectLst/>
+              </a:rPr>
+              <a:t>“</a:t>
+            </a:r>
+          </a:p>
+        </p:txBody>
+      </p:sp>
+      <p:sp>
+        <p:nvSpPr>
+          <p:cNvPr id="15" name="TextBox 14"/>
+          <p:cNvSpPr txBox="1"/>
+          <p:nvPr/>
+        </p:nvSpPr>
+        <p:spPr>
+          <a:xfrm>
+            <a:off x="10893425" y="2819399"/>
+            <a:ext cx="609600" cy="584776"/>
+          </a:xfrm>
+          <a:prstGeom prst="rect">
+            <a:avLst/>
+          </a:prstGeom>
+        </p:spPr>
+        <p:txBody>
+          <a:bodyPr vert="horz" lIns="91440" tIns="45720" rIns="91440" bIns="45720" rtlCol="0" anchor="ctr">
+            <a:noAutofit/>
+          </a:bodyPr>
+          <a:lstStyle>
+            <a:lvl1pPr>
+              <a:spcBef>
+                <a:spcPct val="0"/>
+              </a:spcBef>
+              <a:buNone/>
+              <a:defRPr sz="3200" b="0" cap="all">
+                <a:ln w="3175" cmpd="sng">
+                  <a:noFill/>
+                </a:ln>
+                <a:effectLst>
+                  <a:glow rad="38100">
+                    <a:schemeClr val="bg1">
+                      <a:lumMod val="65000"/>
+                      <a:lumOff val="35000"/>
+                      <a:alpha val="40000"/>
+                    </a:schemeClr>
+                  </a:glow>
+                  <a:outerShdw blurRad="28575" dist="38100" dir="14040000" algn="tl" rotWithShape="0">
+                    <a:srgbClr val="000000">
+                      <a:alpha val="25000"/>
+                    </a:srgbClr>
+                  </a:outerShdw>
+                </a:effectLst>
+              </a:defRPr>
+            </a:lvl1pPr>
+            <a:lvl2pPr>
+              <a:defRPr>
+                <a:solidFill>
+                  <a:schemeClr val="tx2"/>
+                </a:solidFill>
+              </a:defRPr>
+            </a:lvl2pPr>
+            <a:lvl3pPr>
+              <a:defRPr>
+                <a:solidFill>
+                  <a:schemeClr val="tx2"/>
+                </a:solidFill>
+              </a:defRPr>
+            </a:lvl3pPr>
+            <a:lvl4pPr>
+              <a:defRPr>
+                <a:solidFill>
+                  <a:schemeClr val="tx2"/>
+                </a:solidFill>
+              </a:defRPr>
+            </a:lvl4pPr>
+            <a:lvl5pPr>
+              <a:defRPr>
+                <a:solidFill>
+                  <a:schemeClr val="tx2"/>
+                </a:solidFill>
+              </a:defRPr>
+            </a:lvl5pPr>
+            <a:lvl6pPr>
+              <a:defRPr>
+                <a:solidFill>
+                  <a:schemeClr val="tx2"/>
+                </a:solidFill>
+              </a:defRPr>
+            </a:lvl6pPr>
+            <a:lvl7pPr>
+              <a:defRPr>
+                <a:solidFill>
+                  <a:schemeClr val="tx2"/>
+                </a:solidFill>
+              </a:defRPr>
+            </a:lvl7pPr>
+            <a:lvl8pPr>
+              <a:defRPr>
+                <a:solidFill>
+                  <a:schemeClr val="tx2"/>
+                </a:solidFill>
+              </a:defRPr>
+            </a:lvl8pPr>
+            <a:lvl9pPr>
+              <a:defRPr>
+                <a:solidFill>
+                  <a:schemeClr val="tx2"/>
+                </a:solidFill>
+              </a:defRPr>
+            </a:lvl9pPr>
+          </a:lstStyle>
+          <a:p>
+            <a:pPr lvl="0" algn="r"/>
+            <a:r>
+              <a:rPr lang="en-US" sz="8000" dirty="0">
+                <a:solidFill>
+                  <a:schemeClr val="tx1"/>
+                </a:solidFill>
+                <a:effectLst/>
+              </a:rPr>
+              <a:t>”</a:t>
+            </a:r>
+          </a:p>
+        </p:txBody>
+      </p:sp>
+      <p:sp>
+        <p:nvSpPr>
+          <p:cNvPr id="2" name="Title 1"/>
+          <p:cNvSpPr>
+            <a:spLocks noGrp="1"/>
+          </p:cNvSpPr>
+          <p:nvPr>
+            <p:ph type="title"/>
+          </p:nvPr>
+        </p:nvSpPr>
+        <p:spPr>
+          <a:xfrm>
+            <a:off x="2208212" y="685800"/>
+            <a:ext cx="8990012" cy="2743199"/>
+          </a:xfrm>
+        </p:spPr>
+        <p:txBody>
+          <a:bodyPr anchor="ctr">
+            <a:normAutofit/>
+          </a:bodyPr>
+          <a:lstStyle>
+            <a:lvl1pPr algn="ctr">
+              <a:defRPr sz="3200" b="0" cap="none">
+                <a:solidFill>
+                  <a:schemeClr val="tx1"/>
+                </a:solidFill>
+              </a:defRPr>
+            </a:lvl1pPr>
+          </a:lstStyle>
+          <a:p>
+            <a:r>
+              <a:rPr lang="en-US" smtClean="0"/>
+              <a:t>Click to edit Master title style</a:t>
+            </a:r>
+            <a:endParaRPr lang="en-US" dirty="0"/>
+          </a:p>
+        </p:txBody>
+      </p:sp>
+      <p:sp>
+        <p:nvSpPr>
+          <p:cNvPr id="10" name="Text Placeholder 9"/>
+          <p:cNvSpPr>
+            <a:spLocks noGrp="1"/>
+          </p:cNvSpPr>
+          <p:nvPr>
+            <p:ph type="body" sz="quarter" idx="13"/>
+          </p:nvPr>
+        </p:nvSpPr>
+        <p:spPr>
+          <a:xfrm>
+            <a:off x="2436811" y="3428999"/>
+            <a:ext cx="8532815" cy="381000"/>
+          </a:xfrm>
+        </p:spPr>
+        <p:txBody>
+          <a:bodyPr anchor="ctr">
+            <a:normAutofit/>
+          </a:bodyPr>
+          <a:lstStyle>
+            <a:lvl1pPr marL="0" indent="0">
+              <a:buFontTx/>
+              <a:buNone/>
+              <a:defRPr sz="1800"/>
+            </a:lvl1pPr>
+            <a:lvl2pPr marL="457200" indent="0">
+              <a:buFontTx/>
+              <a:buNone/>
+              <a:defRPr/>
+            </a:lvl2pPr>
+            <a:lvl3pPr marL="914400" indent="0">
+              <a:buFontTx/>
+              <a:buNone/>
+              <a:defRPr/>
+            </a:lvl3pPr>
+            <a:lvl4pPr marL="1371600" indent="0">
+              <a:buFontTx/>
+              <a:buNone/>
+              <a:defRPr/>
+            </a:lvl4pPr>
+            <a:lvl5pPr marL="1828800" indent="0">
+              <a:buFontTx/>
+              <a:buNone/>
+              <a:defRPr/>
+            </a:lvl5pPr>
+          </a:lstStyle>
+          <a:p>
+            <a:pPr lvl="0"/>
+            <a:r>
+              <a:rPr lang="en-US" smtClean="0"/>
+              <a:t>Click to edit Master text styles</a:t>
+            </a:r>
+          </a:p>
+        </p:txBody>
+      </p:sp>
+      <p:sp>
+        <p:nvSpPr>
+          <p:cNvPr id="3" name="Text Placeholder 2"/>
+          <p:cNvSpPr>
+            <a:spLocks noGrp="1"/>
+          </p:cNvSpPr>
+          <p:nvPr>
+            <p:ph type="body" idx="1"/>
+          </p:nvPr>
+        </p:nvSpPr>
+        <p:spPr>
+          <a:xfrm>
+            <a:off x="1484311" y="4343400"/>
+            <a:ext cx="10018711" cy="1447800"/>
+          </a:xfrm>
+        </p:spPr>
+        <p:txBody>
+          <a:bodyPr anchor="ctr">
+            <a:normAutofit/>
+          </a:bodyPr>
+          <a:lstStyle>
+            <a:lvl1pPr marL="0" indent="0" algn="ctr">
+              <a:buNone/>
+              <a:defRPr sz="2000">
+                <a:solidFill>
+                  <a:schemeClr val="tx1"/>
+                </a:solidFill>
+              </a:defRPr>
+            </a:lvl1pPr>
+            <a:lvl2pPr marL="457200" indent="0">
+              <a:buNone/>
+              <a:defRPr sz="1800">
+                <a:solidFill>
+                  <a:schemeClr val="tx1">
+                    <a:tint val="75000"/>
+                  </a:schemeClr>
+                </a:solidFill>
+              </a:defRPr>
+            </a:lvl2pPr>
+            <a:lvl3pPr marL="914400" indent="0">
+              <a:buNone/>
+              <a:defRPr sz="1600">
+                <a:solidFill>
+                  <a:schemeClr val="tx1">
+                    <a:tint val="75000"/>
+                  </a:schemeClr>
+                </a:solidFill>
+              </a:defRPr>
+            </a:lvl3pPr>
+            <a:lvl4pPr marL="1371600" indent="0">
+              <a:buNone/>
+              <a:defRPr sz="1400">
+                <a:solidFill>
+                  <a:schemeClr val="tx1">
+                    <a:tint val="75000"/>
+                  </a:schemeClr>
+                </a:solidFill>
+              </a:defRPr>
+            </a:lvl4pPr>
+            <a:lvl5pPr marL="1828800" indent="0">
+              <a:buNone/>
+              <a:defRPr sz="1400">
+                <a:solidFill>
+                  <a:schemeClr val="tx1">
+                    <a:tint val="75000"/>
+                  </a:schemeClr>
+                </a:solidFill>
+              </a:defRPr>
+            </a:lvl5pPr>
+            <a:lvl6pPr marL="2286000" indent="0">
+              <a:buNone/>
+              <a:defRPr sz="1400">
+                <a:solidFill>
+                  <a:schemeClr val="tx1">
+                    <a:tint val="75000"/>
+                  </a:schemeClr>
+                </a:solidFill>
+              </a:defRPr>
+            </a:lvl6pPr>
+            <a:lvl7pPr marL="2743200" indent="0">
+              <a:buNone/>
+              <a:defRPr sz="1400">
+                <a:solidFill>
+                  <a:schemeClr val="tx1">
+                    <a:tint val="75000"/>
+                  </a:schemeClr>
+                </a:solidFill>
+              </a:defRPr>
+            </a:lvl7pPr>
+            <a:lvl8pPr marL="3200400" indent="0">
+              <a:buNone/>
+              <a:defRPr sz="1400">
+                <a:solidFill>
+                  <a:schemeClr val="tx1">
+                    <a:tint val="75000"/>
+                  </a:schemeClr>
+                </a:solidFill>
+              </a:defRPr>
+            </a:lvl8pPr>
+            <a:lvl9pPr marL="3657600" indent="0">
+              <a:buNone/>
+              <a:defRPr sz="1400">
+                <a:solidFill>
+                  <a:schemeClr val="tx1">
+                    <a:tint val="75000"/>
+                  </a:schemeClr>
+                </a:solidFill>
+              </a:defRPr>
+            </a:lvl9pPr>
+          </a:lstStyle>
+          <a:p>
+            <a:pPr lvl="0"/>
+            <a:r>
+              <a:rPr lang="en-US" smtClean="0"/>
+              <a:t>Click to edit Master text styles</a:t>
+            </a:r>
+          </a:p>
+        </p:txBody>
+      </p:sp>
+      <p:sp>
+        <p:nvSpPr>
+          <p:cNvPr id="4" name="Date Placeholder 3"/>
+          <p:cNvSpPr>
+            <a:spLocks noGrp="1"/>
+          </p:cNvSpPr>
+          <p:nvPr>
+            <p:ph type="dt" sz="half" idx="10"/>
+          </p:nvPr>
+        </p:nvSpPr>
+        <p:spPr/>
+        <p:txBody>
+          <a:bodyPr/>
+          <a:lstStyle/>
+          <a:p>
+            <a:fld id="{31A6F805-971A-403C-A032-DEFF7CF3C983}" type="datetime1">
+              <a:rPr lang="en-US" smtClean="0"/>
+              <a:pPr/>
+              <a:t>11/16/2014</a:t>
+            </a:fld>
+            <a:endParaRPr lang="en-US" dirty="0"/>
+          </a:p>
+        </p:txBody>
+      </p:sp>
+      <p:sp>
+        <p:nvSpPr>
+          <p:cNvPr id="5" name="Footer Placeholder 4"/>
+          <p:cNvSpPr>
+            <a:spLocks noGrp="1"/>
+          </p:cNvSpPr>
+          <p:nvPr>
+            <p:ph type="ftr" sz="quarter" idx="11"/>
+          </p:nvPr>
+        </p:nvSpPr>
+        <p:spPr/>
+        <p:txBody>
+          <a:bodyPr/>
+          <a:lstStyle/>
+          <a:p>
+            <a:endParaRPr lang="en-US" dirty="0"/>
+          </a:p>
+        </p:txBody>
+      </p:sp>
+      <p:sp>
+        <p:nvSpPr>
+          <p:cNvPr id="6" name="Slide Number Placeholder 5"/>
+          <p:cNvSpPr>
+            <a:spLocks noGrp="1"/>
+          </p:cNvSpPr>
+          <p:nvPr>
+            <p:ph type="sldNum" sz="quarter" idx="12"/>
+          </p:nvPr>
+        </p:nvSpPr>
+        <p:spPr/>
+        <p:txBody>
+          <a:bodyPr/>
+          <a:lstStyle/>
+          <a:p>
+            <a:fld id="{5C6BB475-B640-4DD3-A1AA-1CF10A44AA06}" type="slidenum">
+              <a:rPr lang="en-US" smtClean="0"/>
+              <a:pPr/>
+              <a:t>‹#›</a:t>
+            </a:fld>
+            <a:endParaRPr lang="en-US" dirty="0"/>
+          </a:p>
+        </p:txBody>
+      </p:sp>
+    </p:spTree>
+    <p:extLst>
+      <p:ext uri="{BB962C8B-B14F-4D97-AF65-F5344CB8AC3E}">
+        <p14:creationId xmlns:p14="http://schemas.microsoft.com/office/powerpoint/2010/main" val="2001935676"/>
+      </p:ext>
+    </p:extLst>
+  </p:cSld>
+  <p:clrMapOvr>
+    <a:masterClrMapping/>
+  </p:clrMapOvr>
+</p:sldLayout>
+</file>
+
+<file path=ppt/slideLayouts/slideLayout13.xml><?xml version="1.0" encoding="utf-8"?>
+<p:sldLayout xmlns:a="http://schemas.openxmlformats.org/drawingml/2006/main" xmlns:r="http://schemas.openxmlformats.org/officeDocument/2006/relationships" xmlns:p="http://schemas.openxmlformats.org/presentationml/2006/main" preserve="1">
+  <p:cSld name="Name Card">
+    <p:spTree>
+      <p:nvGrpSpPr>
+        <p:cNvPr id="1" name=""/>
+        <p:cNvGrpSpPr/>
+        <p:nvPr/>
+      </p:nvGrpSpPr>
+      <p:grpSpPr>
+        <a:xfrm>
+          <a:off x="0" y="0"/>
+          <a:ext cx="0" cy="0"/>
+          <a:chOff x="0" y="0"/>
+          <a:chExt cx="0" cy="0"/>
+        </a:xfrm>
+      </p:grpSpPr>
+      <p:sp>
+        <p:nvSpPr>
+          <p:cNvPr id="2" name="Title 1"/>
+          <p:cNvSpPr>
+            <a:spLocks noGrp="1"/>
+          </p:cNvSpPr>
+          <p:nvPr>
+            <p:ph type="title"/>
+          </p:nvPr>
+        </p:nvSpPr>
+        <p:spPr>
+          <a:xfrm>
+            <a:off x="1484313" y="3308581"/>
+            <a:ext cx="10018709" cy="1468800"/>
+          </a:xfrm>
+        </p:spPr>
+        <p:txBody>
+          <a:bodyPr anchor="b">
+            <a:normAutofit/>
+          </a:bodyPr>
+          <a:lstStyle>
+            <a:lvl1pPr algn="r">
+              <a:defRPr sz="3200" b="0" cap="none"/>
+            </a:lvl1pPr>
+          </a:lstStyle>
+          <a:p>
+            <a:r>
+              <a:rPr lang="en-US" smtClean="0"/>
+              <a:t>Click to edit Master title style</a:t>
+            </a:r>
+            <a:endParaRPr lang="en-US" dirty="0"/>
+          </a:p>
+        </p:txBody>
+      </p:sp>
+      <p:sp>
+        <p:nvSpPr>
+          <p:cNvPr id="3" name="Text Placeholder 2"/>
+          <p:cNvSpPr>
+            <a:spLocks noGrp="1"/>
+          </p:cNvSpPr>
+          <p:nvPr>
+            <p:ph type="body" idx="1"/>
+          </p:nvPr>
+        </p:nvSpPr>
+        <p:spPr>
+          <a:xfrm>
+            <a:off x="1484312" y="4777381"/>
+            <a:ext cx="10018710" cy="860400"/>
+          </a:xfrm>
+        </p:spPr>
+        <p:txBody>
+          <a:bodyPr anchor="t">
+            <a:normAutofit/>
+          </a:bodyPr>
+          <a:lstStyle>
+            <a:lvl1pPr marL="0" indent="0" algn="r">
+              <a:buNone/>
+              <a:defRPr sz="2000">
+                <a:solidFill>
+                  <a:schemeClr val="tx1"/>
+                </a:solidFill>
+              </a:defRPr>
+            </a:lvl1pPr>
+            <a:lvl2pPr marL="457200" indent="0">
+              <a:buNone/>
+              <a:defRPr sz="1800">
+                <a:solidFill>
+                  <a:schemeClr val="tx1">
+                    <a:tint val="75000"/>
+                  </a:schemeClr>
+                </a:solidFill>
+              </a:defRPr>
+            </a:lvl2pPr>
+            <a:lvl3pPr marL="914400" indent="0">
+              <a:buNone/>
+              <a:defRPr sz="1600">
+                <a:solidFill>
+                  <a:schemeClr val="tx1">
+                    <a:tint val="75000"/>
+                  </a:schemeClr>
+                </a:solidFill>
+              </a:defRPr>
+            </a:lvl3pPr>
+            <a:lvl4pPr marL="1371600" indent="0">
+              <a:buNone/>
+              <a:defRPr sz="1400">
+                <a:solidFill>
+                  <a:schemeClr val="tx1">
+                    <a:tint val="75000"/>
+                  </a:schemeClr>
+                </a:solidFill>
+              </a:defRPr>
+            </a:lvl4pPr>
+            <a:lvl5pPr marL="1828800" indent="0">
+              <a:buNone/>
+              <a:defRPr sz="1400">
+                <a:solidFill>
+                  <a:schemeClr val="tx1">
+                    <a:tint val="75000"/>
+                  </a:schemeClr>
+                </a:solidFill>
+              </a:defRPr>
+            </a:lvl5pPr>
+            <a:lvl6pPr marL="2286000" indent="0">
+              <a:buNone/>
+              <a:defRPr sz="1400">
+                <a:solidFill>
+                  <a:schemeClr val="tx1">
+                    <a:tint val="75000"/>
+                  </a:schemeClr>
+                </a:solidFill>
+              </a:defRPr>
+            </a:lvl6pPr>
+            <a:lvl7pPr marL="2743200" indent="0">
+              <a:buNone/>
+              <a:defRPr sz="1400">
+                <a:solidFill>
+                  <a:schemeClr val="tx1">
+                    <a:tint val="75000"/>
+                  </a:schemeClr>
+                </a:solidFill>
+              </a:defRPr>
+            </a:lvl7pPr>
+            <a:lvl8pPr marL="3200400" indent="0">
+              <a:buNone/>
+              <a:defRPr sz="1400">
+                <a:solidFill>
+                  <a:schemeClr val="tx1">
+                    <a:tint val="75000"/>
+                  </a:schemeClr>
+                </a:solidFill>
+              </a:defRPr>
+            </a:lvl8pPr>
+            <a:lvl9pPr marL="3657600" indent="0">
+              <a:buNone/>
+              <a:defRPr sz="1400">
+                <a:solidFill>
+                  <a:schemeClr val="tx1">
+                    <a:tint val="75000"/>
+                  </a:schemeClr>
+                </a:solidFill>
+              </a:defRPr>
+            </a:lvl9pPr>
+          </a:lstStyle>
+          <a:p>
+            <a:pPr lvl="0"/>
+            <a:r>
+              <a:rPr lang="en-US" smtClean="0"/>
+              <a:t>Click to edit Master text styles</a:t>
+            </a:r>
+          </a:p>
+        </p:txBody>
+      </p:sp>
+      <p:sp>
+        <p:nvSpPr>
+          <p:cNvPr id="4" name="Date Placeholder 3"/>
+          <p:cNvSpPr>
+            <a:spLocks noGrp="1"/>
+          </p:cNvSpPr>
+          <p:nvPr>
+            <p:ph type="dt" sz="half" idx="10"/>
+          </p:nvPr>
+        </p:nvSpPr>
+        <p:spPr/>
+        <p:txBody>
+          <a:bodyPr/>
+          <a:lstStyle/>
+          <a:p>
+            <a:fld id="{A47BC926-D3EC-4D9D-A99F-9E843187F3B0}" type="datetime1">
+              <a:rPr lang="en-US" smtClean="0"/>
+              <a:pPr/>
+              <a:t>11/16/2014</a:t>
+            </a:fld>
+            <a:endParaRPr lang="en-US" dirty="0"/>
+          </a:p>
+        </p:txBody>
+      </p:sp>
+      <p:sp>
+        <p:nvSpPr>
+          <p:cNvPr id="5" name="Footer Placeholder 4"/>
+          <p:cNvSpPr>
+            <a:spLocks noGrp="1"/>
+          </p:cNvSpPr>
+          <p:nvPr>
+            <p:ph type="ftr" sz="quarter" idx="11"/>
+          </p:nvPr>
+        </p:nvSpPr>
+        <p:spPr/>
+        <p:txBody>
+          <a:bodyPr/>
+          <a:lstStyle/>
+          <a:p>
+            <a:endParaRPr lang="en-US" dirty="0"/>
+          </a:p>
+        </p:txBody>
+      </p:sp>
+      <p:sp>
+        <p:nvSpPr>
+          <p:cNvPr id="6" name="Slide Number Placeholder 5"/>
+          <p:cNvSpPr>
+            <a:spLocks noGrp="1"/>
+          </p:cNvSpPr>
+          <p:nvPr>
+            <p:ph type="sldNum" sz="quarter" idx="12"/>
+          </p:nvPr>
+        </p:nvSpPr>
+        <p:spPr/>
+        <p:txBody>
+          <a:bodyPr/>
+          <a:lstStyle/>
+          <a:p>
+            <a:fld id="{5C6BB475-B640-4DD3-A1AA-1CF10A44AA06}" type="slidenum">
+              <a:rPr lang="en-US" smtClean="0"/>
+              <a:pPr/>
+              <a:t>‹#›</a:t>
+            </a:fld>
+            <a:endParaRPr lang="en-US" dirty="0"/>
+          </a:p>
+        </p:txBody>
+      </p:sp>
+    </p:spTree>
+    <p:extLst>
+      <p:ext uri="{BB962C8B-B14F-4D97-AF65-F5344CB8AC3E}">
+        <p14:creationId xmlns:p14="http://schemas.microsoft.com/office/powerpoint/2010/main" val="2336473045"/>
+      </p:ext>
+    </p:extLst>
+  </p:cSld>
+  <p:clrMapOvr>
+    <a:masterClrMapping/>
+  </p:clrMapOvr>
+</p:sldLayout>
+</file>
+
+<file path=ppt/slideLayouts/slideLayout14.xml><?xml version="1.0" encoding="utf-8"?>
+<p:sldLayout xmlns:a="http://schemas.openxmlformats.org/drawingml/2006/main" xmlns:r="http://schemas.openxmlformats.org/officeDocument/2006/relationships" xmlns:p="http://schemas.openxmlformats.org/presentationml/2006/main" preserve="1">
+  <p:cSld name="Quote Name Card">
+    <p:spTree>
+      <p:nvGrpSpPr>
+        <p:cNvPr id="1" name=""/>
+        <p:cNvGrpSpPr/>
+        <p:nvPr/>
+      </p:nvGrpSpPr>
+      <p:grpSpPr>
+        <a:xfrm>
+          <a:off x="0" y="0"/>
+          <a:ext cx="0" cy="0"/>
+          <a:chOff x="0" y="0"/>
+          <a:chExt cx="0" cy="0"/>
+        </a:xfrm>
+      </p:grpSpPr>
+      <p:sp>
+        <p:nvSpPr>
+          <p:cNvPr id="14" name="TextBox 13"/>
+          <p:cNvSpPr txBox="1"/>
+          <p:nvPr/>
+        </p:nvSpPr>
+        <p:spPr>
+          <a:xfrm>
+            <a:off x="1598612" y="863023"/>
+            <a:ext cx="609600" cy="584776"/>
+          </a:xfrm>
+          <a:prstGeom prst="rect">
+            <a:avLst/>
+          </a:prstGeom>
+        </p:spPr>
+        <p:txBody>
+          <a:bodyPr vert="horz" lIns="91440" tIns="45720" rIns="91440" bIns="45720" rtlCol="0" anchor="ctr">
+            <a:noAutofit/>
+          </a:bodyPr>
+          <a:lstStyle>
+            <a:lvl1pPr>
+              <a:spcBef>
+                <a:spcPct val="0"/>
+              </a:spcBef>
+              <a:buNone/>
+              <a:defRPr sz="3200" b="0" cap="all">
+                <a:ln w="3175" cmpd="sng">
+                  <a:noFill/>
+                </a:ln>
+                <a:effectLst>
+                  <a:glow rad="38100">
+                    <a:schemeClr val="bg1">
+                      <a:lumMod val="65000"/>
+                      <a:lumOff val="35000"/>
+                      <a:alpha val="40000"/>
+                    </a:schemeClr>
+                  </a:glow>
+                  <a:outerShdw blurRad="28575" dist="38100" dir="14040000" algn="tl" rotWithShape="0">
+                    <a:srgbClr val="000000">
+                      <a:alpha val="25000"/>
+                    </a:srgbClr>
+                  </a:outerShdw>
+                </a:effectLst>
+              </a:defRPr>
+            </a:lvl1pPr>
+            <a:lvl2pPr>
+              <a:defRPr>
+                <a:solidFill>
+                  <a:schemeClr val="tx2"/>
+                </a:solidFill>
+              </a:defRPr>
+            </a:lvl2pPr>
+            <a:lvl3pPr>
+              <a:defRPr>
+                <a:solidFill>
+                  <a:schemeClr val="tx2"/>
+                </a:solidFill>
+              </a:defRPr>
+            </a:lvl3pPr>
+            <a:lvl4pPr>
+              <a:defRPr>
+                <a:solidFill>
+                  <a:schemeClr val="tx2"/>
+                </a:solidFill>
+              </a:defRPr>
+            </a:lvl4pPr>
+            <a:lvl5pPr>
+              <a:defRPr>
+                <a:solidFill>
+                  <a:schemeClr val="tx2"/>
+                </a:solidFill>
+              </a:defRPr>
+            </a:lvl5pPr>
+            <a:lvl6pPr>
+              <a:defRPr>
+                <a:solidFill>
+                  <a:schemeClr val="tx2"/>
+                </a:solidFill>
+              </a:defRPr>
+            </a:lvl6pPr>
+            <a:lvl7pPr>
+              <a:defRPr>
+                <a:solidFill>
+                  <a:schemeClr val="tx2"/>
+                </a:solidFill>
+              </a:defRPr>
+            </a:lvl7pPr>
+            <a:lvl8pPr>
+              <a:defRPr>
+                <a:solidFill>
+                  <a:schemeClr val="tx2"/>
+                </a:solidFill>
+              </a:defRPr>
+            </a:lvl8pPr>
+            <a:lvl9pPr>
+              <a:defRPr>
+                <a:solidFill>
+                  <a:schemeClr val="tx2"/>
+                </a:solidFill>
+              </a:defRPr>
+            </a:lvl9pPr>
+          </a:lstStyle>
+          <a:p>
+            <a:pPr lvl="0"/>
+            <a:r>
+              <a:rPr lang="en-US" sz="8000" dirty="0">
+                <a:solidFill>
+                  <a:schemeClr val="tx1"/>
+                </a:solidFill>
+                <a:effectLst/>
+              </a:rPr>
+              <a:t>“</a:t>
+            </a:r>
+          </a:p>
+        </p:txBody>
+      </p:sp>
+      <p:sp>
+        <p:nvSpPr>
+          <p:cNvPr id="15" name="TextBox 14"/>
+          <p:cNvSpPr txBox="1"/>
+          <p:nvPr/>
+        </p:nvSpPr>
+        <p:spPr>
+          <a:xfrm>
+            <a:off x="10893425" y="2819399"/>
+            <a:ext cx="609600" cy="584776"/>
+          </a:xfrm>
+          <a:prstGeom prst="rect">
+            <a:avLst/>
+          </a:prstGeom>
+        </p:spPr>
+        <p:txBody>
+          <a:bodyPr vert="horz" lIns="91440" tIns="45720" rIns="91440" bIns="45720" rtlCol="0" anchor="ctr">
+            <a:noAutofit/>
+          </a:bodyPr>
+          <a:lstStyle>
+            <a:lvl1pPr>
+              <a:spcBef>
+                <a:spcPct val="0"/>
+              </a:spcBef>
+              <a:buNone/>
+              <a:defRPr sz="3200" b="0" cap="all">
+                <a:ln w="3175" cmpd="sng">
+                  <a:noFill/>
+                </a:ln>
+                <a:effectLst>
+                  <a:glow rad="38100">
+                    <a:schemeClr val="bg1">
+                      <a:lumMod val="65000"/>
+                      <a:lumOff val="35000"/>
+                      <a:alpha val="40000"/>
+                    </a:schemeClr>
+                  </a:glow>
+                  <a:outerShdw blurRad="28575" dist="38100" dir="14040000" algn="tl" rotWithShape="0">
+                    <a:srgbClr val="000000">
+                      <a:alpha val="25000"/>
+                    </a:srgbClr>
+                  </a:outerShdw>
+                </a:effectLst>
+              </a:defRPr>
+            </a:lvl1pPr>
+            <a:lvl2pPr>
+              <a:defRPr>
+                <a:solidFill>
+                  <a:schemeClr val="tx2"/>
+                </a:solidFill>
+              </a:defRPr>
+            </a:lvl2pPr>
+            <a:lvl3pPr>
+              <a:defRPr>
+                <a:solidFill>
+                  <a:schemeClr val="tx2"/>
+                </a:solidFill>
+              </a:defRPr>
+            </a:lvl3pPr>
+            <a:lvl4pPr>
+              <a:defRPr>
+                <a:solidFill>
+                  <a:schemeClr val="tx2"/>
+                </a:solidFill>
+              </a:defRPr>
+            </a:lvl4pPr>
+            <a:lvl5pPr>
+              <a:defRPr>
+                <a:solidFill>
+                  <a:schemeClr val="tx2"/>
+                </a:solidFill>
+              </a:defRPr>
+            </a:lvl5pPr>
+            <a:lvl6pPr>
+              <a:defRPr>
+                <a:solidFill>
+                  <a:schemeClr val="tx2"/>
+                </a:solidFill>
+              </a:defRPr>
+            </a:lvl6pPr>
+            <a:lvl7pPr>
+              <a:defRPr>
+                <a:solidFill>
+                  <a:schemeClr val="tx2"/>
+                </a:solidFill>
+              </a:defRPr>
+            </a:lvl7pPr>
+            <a:lvl8pPr>
+              <a:defRPr>
+                <a:solidFill>
+                  <a:schemeClr val="tx2"/>
+                </a:solidFill>
+              </a:defRPr>
+            </a:lvl8pPr>
+            <a:lvl9pPr>
+              <a:defRPr>
+                <a:solidFill>
+                  <a:schemeClr val="tx2"/>
+                </a:solidFill>
+              </a:defRPr>
+            </a:lvl9pPr>
+          </a:lstStyle>
+          <a:p>
+            <a:pPr lvl="0" algn="r"/>
+            <a:r>
+              <a:rPr lang="en-US" sz="8000" dirty="0">
+                <a:solidFill>
+                  <a:schemeClr val="tx1"/>
+                </a:solidFill>
+                <a:effectLst/>
+              </a:rPr>
+              <a:t>”</a:t>
+            </a:r>
+          </a:p>
+        </p:txBody>
+      </p:sp>
+      <p:sp>
+        <p:nvSpPr>
+          <p:cNvPr id="2" name="Title 1"/>
+          <p:cNvSpPr>
+            <a:spLocks noGrp="1"/>
+          </p:cNvSpPr>
+          <p:nvPr>
+            <p:ph type="title"/>
+          </p:nvPr>
+        </p:nvSpPr>
+        <p:spPr>
+          <a:xfrm>
+            <a:off x="2208212" y="685800"/>
+            <a:ext cx="8990012" cy="2743199"/>
+          </a:xfrm>
+        </p:spPr>
+        <p:txBody>
+          <a:bodyPr anchor="ctr">
+            <a:normAutofit/>
+          </a:bodyPr>
+          <a:lstStyle>
+            <a:lvl1pPr algn="ctr">
+              <a:defRPr sz="3200" b="0" cap="none">
+                <a:solidFill>
+                  <a:schemeClr val="tx1"/>
+                </a:solidFill>
+              </a:defRPr>
+            </a:lvl1pPr>
+          </a:lstStyle>
+          <a:p>
+            <a:r>
+              <a:rPr lang="en-US" smtClean="0"/>
+              <a:t>Click to edit Master title style</a:t>
+            </a:r>
+            <a:endParaRPr lang="en-US" dirty="0"/>
+          </a:p>
+        </p:txBody>
+      </p:sp>
+      <p:sp>
+        <p:nvSpPr>
+          <p:cNvPr id="10" name="Text Placeholder 9"/>
+          <p:cNvSpPr>
+            <a:spLocks noGrp="1"/>
+          </p:cNvSpPr>
+          <p:nvPr>
+            <p:ph type="body" sz="quarter" idx="13"/>
+          </p:nvPr>
+        </p:nvSpPr>
+        <p:spPr>
+          <a:xfrm>
+            <a:off x="1484313" y="3886200"/>
+            <a:ext cx="10018710" cy="889000"/>
+          </a:xfrm>
+        </p:spPr>
+        <p:txBody>
+          <a:bodyPr vert="horz" lIns="91440" tIns="45720" rIns="91440" bIns="45720" rtlCol="0" anchor="b">
+            <a:normAutofit/>
+          </a:bodyPr>
+          <a:lstStyle>
+            <a:lvl1pPr algn="r">
+              <a:buNone/>
+              <a:defRPr lang="en-US" sz="2400" b="0" cap="none" dirty="0">
+                <a:ln w="3175" cmpd="sng">
+                  <a:noFill/>
+                </a:ln>
+                <a:solidFill>
+                  <a:schemeClr val="tx1"/>
+                </a:solidFill>
+                <a:effectLst/>
+              </a:defRPr>
+            </a:lvl1pPr>
+          </a:lstStyle>
+          <a:p>
+            <a:pPr marL="0" lvl="0">
+              <a:spcBef>
+                <a:spcPct val="0"/>
+              </a:spcBef>
+              <a:buNone/>
+            </a:pPr>
+            <a:r>
+              <a:rPr lang="en-US" smtClean="0"/>
+              <a:t>Click to edit Master text styles</a:t>
+            </a:r>
+          </a:p>
+        </p:txBody>
+      </p:sp>
+      <p:sp>
+        <p:nvSpPr>
+          <p:cNvPr id="3" name="Text Placeholder 2"/>
+          <p:cNvSpPr>
+            <a:spLocks noGrp="1"/>
+          </p:cNvSpPr>
+          <p:nvPr>
+            <p:ph type="body" idx="1"/>
+          </p:nvPr>
+        </p:nvSpPr>
+        <p:spPr>
+          <a:xfrm>
+            <a:off x="1484312" y="4775200"/>
+            <a:ext cx="10018710" cy="1016000"/>
+          </a:xfrm>
+        </p:spPr>
+        <p:txBody>
+          <a:bodyPr anchor="t">
+            <a:normAutofit/>
+          </a:bodyPr>
+          <a:lstStyle>
+            <a:lvl1pPr marL="0" indent="0" algn="r">
+              <a:buNone/>
+              <a:defRPr sz="1800">
+                <a:solidFill>
+                  <a:schemeClr val="tx1"/>
+                </a:solidFill>
+              </a:defRPr>
+            </a:lvl1pPr>
+            <a:lvl2pPr marL="457200" indent="0">
+              <a:buNone/>
+              <a:defRPr sz="1800">
+                <a:solidFill>
+                  <a:schemeClr val="tx1">
+                    <a:tint val="75000"/>
+                  </a:schemeClr>
+                </a:solidFill>
+              </a:defRPr>
+            </a:lvl2pPr>
+            <a:lvl3pPr marL="914400" indent="0">
+              <a:buNone/>
+              <a:defRPr sz="1600">
+                <a:solidFill>
+                  <a:schemeClr val="tx1">
+                    <a:tint val="75000"/>
+                  </a:schemeClr>
+                </a:solidFill>
+              </a:defRPr>
+            </a:lvl3pPr>
+            <a:lvl4pPr marL="1371600" indent="0">
+              <a:buNone/>
+              <a:defRPr sz="1400">
+                <a:solidFill>
+                  <a:schemeClr val="tx1">
+                    <a:tint val="75000"/>
+                  </a:schemeClr>
+                </a:solidFill>
+              </a:defRPr>
+            </a:lvl4pPr>
+            <a:lvl5pPr marL="1828800" indent="0">
+              <a:buNone/>
+              <a:defRPr sz="1400">
+                <a:solidFill>
+                  <a:schemeClr val="tx1">
+                    <a:tint val="75000"/>
+                  </a:schemeClr>
+                </a:solidFill>
+              </a:defRPr>
+            </a:lvl5pPr>
+            <a:lvl6pPr marL="2286000" indent="0">
+              <a:buNone/>
+              <a:defRPr sz="1400">
+                <a:solidFill>
+                  <a:schemeClr val="tx1">
+                    <a:tint val="75000"/>
+                  </a:schemeClr>
+                </a:solidFill>
+              </a:defRPr>
+            </a:lvl6pPr>
+            <a:lvl7pPr marL="2743200" indent="0">
+              <a:buNone/>
+              <a:defRPr sz="1400">
+                <a:solidFill>
+                  <a:schemeClr val="tx1">
+                    <a:tint val="75000"/>
+                  </a:schemeClr>
+                </a:solidFill>
+              </a:defRPr>
+            </a:lvl7pPr>
+            <a:lvl8pPr marL="3200400" indent="0">
+              <a:buNone/>
+              <a:defRPr sz="1400">
+                <a:solidFill>
+                  <a:schemeClr val="tx1">
+                    <a:tint val="75000"/>
+                  </a:schemeClr>
+                </a:solidFill>
+              </a:defRPr>
+            </a:lvl8pPr>
+            <a:lvl9pPr marL="3657600" indent="0">
+              <a:buNone/>
+              <a:defRPr sz="1400">
+                <a:solidFill>
+                  <a:schemeClr val="tx1">
+                    <a:tint val="75000"/>
+                  </a:schemeClr>
+                </a:solidFill>
+              </a:defRPr>
+            </a:lvl9pPr>
+          </a:lstStyle>
+          <a:p>
+            <a:pPr lvl="0"/>
+            <a:r>
+              <a:rPr lang="en-US" smtClean="0"/>
+              <a:t>Click to edit Master text styles</a:t>
+            </a:r>
+          </a:p>
+        </p:txBody>
+      </p:sp>
+      <p:sp>
+        <p:nvSpPr>
+          <p:cNvPr id="4" name="Date Placeholder 3"/>
+          <p:cNvSpPr>
+            <a:spLocks noGrp="1"/>
+          </p:cNvSpPr>
+          <p:nvPr>
+            <p:ph type="dt" sz="half" idx="10"/>
+          </p:nvPr>
+        </p:nvSpPr>
+        <p:spPr/>
+        <p:txBody>
+          <a:bodyPr/>
+          <a:lstStyle/>
+          <a:p>
+            <a:fld id="{706D8B8A-C6A1-4E34-A79C-7660F8ED0256}" type="datetime1">
+              <a:rPr lang="en-US" smtClean="0"/>
+              <a:pPr/>
+              <a:t>11/16/2014</a:t>
+            </a:fld>
+            <a:endParaRPr lang="en-US" dirty="0"/>
+          </a:p>
+        </p:txBody>
+      </p:sp>
+      <p:sp>
+        <p:nvSpPr>
+          <p:cNvPr id="5" name="Footer Placeholder 4"/>
+          <p:cNvSpPr>
+            <a:spLocks noGrp="1"/>
+          </p:cNvSpPr>
+          <p:nvPr>
+            <p:ph type="ftr" sz="quarter" idx="11"/>
+          </p:nvPr>
+        </p:nvSpPr>
+        <p:spPr/>
+        <p:txBody>
+          <a:bodyPr/>
+          <a:lstStyle/>
+          <a:p>
+            <a:endParaRPr lang="en-US" dirty="0"/>
+          </a:p>
+        </p:txBody>
+      </p:sp>
+      <p:sp>
+        <p:nvSpPr>
+          <p:cNvPr id="6" name="Slide Number Placeholder 5"/>
+          <p:cNvSpPr>
+            <a:spLocks noGrp="1"/>
+          </p:cNvSpPr>
+          <p:nvPr>
+            <p:ph type="sldNum" sz="quarter" idx="12"/>
+          </p:nvPr>
+        </p:nvSpPr>
+        <p:spPr/>
+        <p:txBody>
+          <a:bodyPr/>
+          <a:lstStyle/>
+          <a:p>
+            <a:fld id="{5C6BB475-B640-4DD3-A1AA-1CF10A44AA06}" type="slidenum">
+              <a:rPr lang="en-US" smtClean="0"/>
+              <a:pPr/>
+              <a:t>‹#›</a:t>
+            </a:fld>
+            <a:endParaRPr lang="en-US" dirty="0"/>
+          </a:p>
+        </p:txBody>
+      </p:sp>
+    </p:spTree>
+    <p:extLst>
+      <p:ext uri="{BB962C8B-B14F-4D97-AF65-F5344CB8AC3E}">
+        <p14:creationId xmlns:p14="http://schemas.microsoft.com/office/powerpoint/2010/main" val="2369317818"/>
+      </p:ext>
+    </p:extLst>
+  </p:cSld>
+  <p:clrMapOvr>
+    <a:masterClrMapping/>
+  </p:clrMapOvr>
+</p:sldLayout>
+</file>
+
+<file path=ppt/slideLayouts/slideLayout15.xml><?xml version="1.0" encoding="utf-8"?>
+<p:sldLayout xmlns:a="http://schemas.openxmlformats.org/drawingml/2006/main" xmlns:r="http://schemas.openxmlformats.org/officeDocument/2006/relationships" xmlns:p="http://schemas.openxmlformats.org/presentationml/2006/main" preserve="1">
+  <p:cSld name="True or False">
+    <p:spTree>
+      <p:nvGrpSpPr>
+        <p:cNvPr id="1" name=""/>
+        <p:cNvGrpSpPr/>
+        <p:nvPr/>
+      </p:nvGrpSpPr>
+      <p:grpSpPr>
+        <a:xfrm>
+          <a:off x="0" y="0"/>
+          <a:ext cx="0" cy="0"/>
+          <a:chOff x="0" y="0"/>
+          <a:chExt cx="0" cy="0"/>
+        </a:xfrm>
+      </p:grpSpPr>
+      <p:sp>
+        <p:nvSpPr>
+          <p:cNvPr id="2" name="Title 1"/>
+          <p:cNvSpPr>
+            <a:spLocks noGrp="1"/>
+          </p:cNvSpPr>
+          <p:nvPr>
+            <p:ph type="title"/>
+          </p:nvPr>
+        </p:nvSpPr>
+        <p:spPr>
+          <a:xfrm>
+            <a:off x="1484313" y="685800"/>
+            <a:ext cx="10018712" cy="2727325"/>
+          </a:xfrm>
+        </p:spPr>
+        <p:txBody>
+          <a:bodyPr vert="horz" lIns="91440" tIns="45720" rIns="91440" bIns="45720" rtlCol="0" anchor="ctr">
+            <a:normAutofit/>
+          </a:bodyPr>
+          <a:lstStyle>
+            <a:lvl1pPr>
+              <a:defRPr lang="en-US" b="0" dirty="0"/>
+            </a:lvl1pPr>
+          </a:lstStyle>
+          <a:p>
+            <a:pPr marL="0" lvl="0"/>
+            <a:r>
+              <a:rPr lang="en-US" smtClean="0"/>
+              <a:t>Click to edit Master title style</a:t>
+            </a:r>
+            <a:endParaRPr lang="en-US" dirty="0"/>
+          </a:p>
+        </p:txBody>
+      </p:sp>
+      <p:sp>
+        <p:nvSpPr>
+          <p:cNvPr id="10" name="Text Placeholder 9"/>
+          <p:cNvSpPr>
+            <a:spLocks noGrp="1"/>
+          </p:cNvSpPr>
+          <p:nvPr>
+            <p:ph type="body" sz="quarter" idx="13"/>
+          </p:nvPr>
+        </p:nvSpPr>
+        <p:spPr>
+          <a:xfrm>
+            <a:off x="1484312" y="3505200"/>
+            <a:ext cx="10018713" cy="838200"/>
+          </a:xfrm>
+        </p:spPr>
+        <p:txBody>
+          <a:bodyPr vert="horz" lIns="91440" tIns="45720" rIns="91440" bIns="45720" rtlCol="0" anchor="b">
+            <a:normAutofit/>
+          </a:bodyPr>
+          <a:lstStyle>
+            <a:lvl1pPr>
+              <a:buNone/>
+              <a:defRPr lang="en-US" sz="2800" b="0" cap="none" dirty="0">
+                <a:ln w="3175" cmpd="sng">
+                  <a:noFill/>
+                </a:ln>
+                <a:solidFill>
+                  <a:schemeClr val="tx1"/>
+                </a:solidFill>
+                <a:effectLst/>
+              </a:defRPr>
+            </a:lvl1pPr>
+          </a:lstStyle>
+          <a:p>
+            <a:pPr marL="0" lvl="0">
+              <a:spcBef>
+                <a:spcPct val="0"/>
+              </a:spcBef>
+              <a:buNone/>
+            </a:pPr>
+            <a:r>
+              <a:rPr lang="en-US" smtClean="0"/>
+              <a:t>Click to edit Master text styles</a:t>
+            </a:r>
+          </a:p>
+        </p:txBody>
+      </p:sp>
+      <p:sp>
+        <p:nvSpPr>
+          <p:cNvPr id="3" name="Text Placeholder 2"/>
+          <p:cNvSpPr>
+            <a:spLocks noGrp="1"/>
+          </p:cNvSpPr>
+          <p:nvPr>
+            <p:ph type="body" idx="1"/>
+          </p:nvPr>
+        </p:nvSpPr>
+        <p:spPr>
+          <a:xfrm>
+            <a:off x="1484311" y="4343400"/>
+            <a:ext cx="10018713" cy="1447800"/>
+          </a:xfrm>
+        </p:spPr>
+        <p:txBody>
+          <a:bodyPr anchor="t">
+            <a:normAutofit/>
+          </a:bodyPr>
+          <a:lstStyle>
+            <a:lvl1pPr marL="0" indent="0" algn="l">
+              <a:buNone/>
+              <a:defRPr sz="1800">
+                <a:solidFill>
+                  <a:schemeClr val="tx1"/>
+                </a:solidFill>
+              </a:defRPr>
+            </a:lvl1pPr>
+            <a:lvl2pPr marL="457200" indent="0">
+              <a:buNone/>
+              <a:defRPr sz="1800">
+                <a:solidFill>
+                  <a:schemeClr val="tx1">
+                    <a:tint val="75000"/>
+                  </a:schemeClr>
+                </a:solidFill>
+              </a:defRPr>
+            </a:lvl2pPr>
+            <a:lvl3pPr marL="914400" indent="0">
+              <a:buNone/>
+              <a:defRPr sz="1600">
+                <a:solidFill>
+                  <a:schemeClr val="tx1">
+                    <a:tint val="75000"/>
+                  </a:schemeClr>
+                </a:solidFill>
+              </a:defRPr>
+            </a:lvl3pPr>
+            <a:lvl4pPr marL="1371600" indent="0">
+              <a:buNone/>
+              <a:defRPr sz="1400">
+                <a:solidFill>
+                  <a:schemeClr val="tx1">
+                    <a:tint val="75000"/>
+                  </a:schemeClr>
+                </a:solidFill>
+              </a:defRPr>
+            </a:lvl4pPr>
+            <a:lvl5pPr marL="1828800" indent="0">
+              <a:buNone/>
+              <a:defRPr sz="1400">
+                <a:solidFill>
+                  <a:schemeClr val="tx1">
+                    <a:tint val="75000"/>
+                  </a:schemeClr>
+                </a:solidFill>
+              </a:defRPr>
+            </a:lvl5pPr>
+            <a:lvl6pPr marL="2286000" indent="0">
+              <a:buNone/>
+              <a:defRPr sz="1400">
+                <a:solidFill>
+                  <a:schemeClr val="tx1">
+                    <a:tint val="75000"/>
+                  </a:schemeClr>
+                </a:solidFill>
+              </a:defRPr>
+            </a:lvl6pPr>
+            <a:lvl7pPr marL="2743200" indent="0">
+              <a:buNone/>
+              <a:defRPr sz="1400">
+                <a:solidFill>
+                  <a:schemeClr val="tx1">
+                    <a:tint val="75000"/>
+                  </a:schemeClr>
+                </a:solidFill>
+              </a:defRPr>
+            </a:lvl7pPr>
+            <a:lvl8pPr marL="3200400" indent="0">
+              <a:buNone/>
+              <a:defRPr sz="1400">
+                <a:solidFill>
+                  <a:schemeClr val="tx1">
+                    <a:tint val="75000"/>
+                  </a:schemeClr>
+                </a:solidFill>
+              </a:defRPr>
+            </a:lvl8pPr>
+            <a:lvl9pPr marL="3657600" indent="0">
+              <a:buNone/>
+              <a:defRPr sz="1400">
+                <a:solidFill>
+                  <a:schemeClr val="tx1">
+                    <a:tint val="75000"/>
+                  </a:schemeClr>
+                </a:solidFill>
+              </a:defRPr>
+            </a:lvl9pPr>
+          </a:lstStyle>
+          <a:p>
+            <a:pPr lvl="0"/>
+            <a:r>
+              <a:rPr lang="en-US" smtClean="0"/>
+              <a:t>Click to edit Master text styles</a:t>
+            </a:r>
+          </a:p>
+        </p:txBody>
+      </p:sp>
+      <p:sp>
+        <p:nvSpPr>
+          <p:cNvPr id="4" name="Date Placeholder 3"/>
+          <p:cNvSpPr>
+            <a:spLocks noGrp="1"/>
+          </p:cNvSpPr>
+          <p:nvPr>
+            <p:ph type="dt" sz="half" idx="10"/>
+          </p:nvPr>
+        </p:nvSpPr>
+        <p:spPr/>
+        <p:txBody>
+          <a:bodyPr/>
+          <a:lstStyle/>
+          <a:p>
+            <a:fld id="{F4BE39B4-CFBF-45CF-82E8-4594DA2BC016}" type="datetime1">
+              <a:rPr lang="en-US" smtClean="0"/>
+              <a:pPr/>
+              <a:t>11/16/2014</a:t>
+            </a:fld>
+            <a:endParaRPr lang="en-US" dirty="0"/>
+          </a:p>
+        </p:txBody>
+      </p:sp>
+      <p:sp>
+        <p:nvSpPr>
+          <p:cNvPr id="5" name="Footer Placeholder 4"/>
+          <p:cNvSpPr>
+            <a:spLocks noGrp="1"/>
+          </p:cNvSpPr>
+          <p:nvPr>
+            <p:ph type="ftr" sz="quarter" idx="11"/>
+          </p:nvPr>
+        </p:nvSpPr>
+        <p:spPr/>
+        <p:txBody>
+          <a:bodyPr/>
+          <a:lstStyle/>
+          <a:p>
+            <a:endParaRPr lang="en-US" dirty="0"/>
+          </a:p>
+        </p:txBody>
+      </p:sp>
+      <p:sp>
+        <p:nvSpPr>
+          <p:cNvPr id="6" name="Slide Number Placeholder 5"/>
+          <p:cNvSpPr>
+            <a:spLocks noGrp="1"/>
+          </p:cNvSpPr>
+          <p:nvPr>
+            <p:ph type="sldNum" sz="quarter" idx="12"/>
+          </p:nvPr>
+        </p:nvSpPr>
+        <p:spPr/>
+        <p:txBody>
+          <a:bodyPr/>
+          <a:lstStyle/>
+          <a:p>
+            <a:fld id="{5C6BB475-B640-4DD3-A1AA-1CF10A44AA06}" type="slidenum">
+              <a:rPr lang="en-US" smtClean="0"/>
+              <a:pPr/>
+              <a:t>‹#›</a:t>
+            </a:fld>
+            <a:endParaRPr lang="en-US" dirty="0"/>
+          </a:p>
+        </p:txBody>
+      </p:sp>
+    </p:spTree>
+    <p:extLst>
+      <p:ext uri="{BB962C8B-B14F-4D97-AF65-F5344CB8AC3E}">
+        <p14:creationId xmlns:p14="http://schemas.microsoft.com/office/powerpoint/2010/main" val="2398190957"/>
+      </p:ext>
+    </p:extLst>
+  </p:cSld>
+  <p:clrMapOvr>
+    <a:masterClrMapping/>
+  </p:clrMapOvr>
+</p:sldLayout>
+</file>
+
+<file path=ppt/slideLayouts/slideLayout16.xml><?xml version="1.0" encoding="utf-8"?>
 <p:sldLayout xmlns:a="http://schemas.openxmlformats.org/drawingml/2006/main" xmlns:r="http://schemas.openxmlformats.org/officeDocument/2006/relationships" xmlns:p="http://schemas.openxmlformats.org/presentationml/2006/main" type="vertTx" preserve="1">
   <p:cSld name="Title and Vertical Text">
     <p:spTree>
@@ -1297,31 +3863,35 @@
         <p:spPr/>
         <p:txBody>
           <a:bodyPr/>
+          <a:lstStyle>
+            <a:lvl1pPr algn="ctr">
+              <a:defRPr/>
+            </a:lvl1pPr>
+          </a:lstStyle>
+          <a:p>
+            <a:r>
+              <a:rPr lang="en-US" smtClean="0"/>
+              <a:t>Click to edit Master title style</a:t>
+            </a:r>
+            <a:endParaRPr lang="en-US" dirty="0"/>
+          </a:p>
+        </p:txBody>
+      </p:sp>
+      <p:sp>
+        <p:nvSpPr>
+          <p:cNvPr id="3" name="Vertical Text Placeholder 2"/>
+          <p:cNvSpPr>
+            <a:spLocks noGrp="1"/>
+          </p:cNvSpPr>
+          <p:nvPr>
+            <p:ph type="body" orient="vert" idx="1"/>
+          </p:nvPr>
+        </p:nvSpPr>
+        <p:spPr/>
+        <p:txBody>
+          <a:bodyPr vert="eaVert" anchor="t"/>
           <a:lstStyle/>
           <a:p>
-            <a:r>
-              <a:rPr lang="en-US" smtClean="0"/>
-              <a:t>Click to edit Master title style</a:t>
-            </a:r>
-            <a:endParaRPr lang="en-US"/>
-          </a:p>
-        </p:txBody>
-      </p:sp>
-      <p:sp>
-        <p:nvSpPr>
-          <p:cNvPr id="3" name="Vertical Text Placeholder 2"/>
-          <p:cNvSpPr>
-            <a:spLocks noGrp="1"/>
-          </p:cNvSpPr>
-          <p:nvPr>
-            <p:ph type="body" orient="vert" idx="1"/>
-          </p:nvPr>
-        </p:nvSpPr>
-        <p:spPr/>
-        <p:txBody>
-          <a:bodyPr vert="eaVert"/>
-          <a:lstStyle/>
-          <a:p>
             <a:pPr lvl="0"/>
             <a:r>
               <a:rPr lang="en-US" smtClean="0"/>
@@ -1355,7 +3925,7 @@
               <a:rPr lang="en-US" smtClean="0"/>
               <a:t>Fifth level</a:t>
             </a:r>
-            <a:endParaRPr lang="en-US"/>
+            <a:endParaRPr lang="en-US" dirty="0"/>
           </a:p>
         </p:txBody>
       </p:sp>
@@ -1374,11 +3944,12 @@
           <a:bodyPr/>
           <a:lstStyle/>
           <a:p>
-            <a:fld id="{31C6ABEE-1E13-4517-BD42-7EE02DD2C424}" type="datetimeFigureOut">
-              <a:rPr lang="en-US" smtClean="0"/>
+            <a:fld id="{DE0C5273-F1EA-4469-BB96-269557B0EFD7}" type="datetime1">
+              <a:rPr lang="en-US" smtClean="0"/>
+              <a:pPr/>
               <a:t>11/16/2014</a:t>
             </a:fld>
-            <a:endParaRPr lang="en-US"/>
+            <a:endParaRPr lang="en-US" dirty="0"/>
           </a:p>
         </p:txBody>
       </p:sp>
@@ -1397,7 +3968,7 @@
           <a:bodyPr/>
           <a:lstStyle/>
           <a:p>
-            <a:endParaRPr lang="en-US"/>
+            <a:endParaRPr lang="en-US" dirty="0"/>
           </a:p>
         </p:txBody>
       </p:sp>
@@ -1416,18 +3987,19 @@
           <a:bodyPr/>
           <a:lstStyle/>
           <a:p>
-            <a:fld id="{30F7FCDE-30A6-4F40-B6EA-AE51F264FCC3}" type="slidenum">
-              <a:rPr lang="en-US" smtClean="0"/>
+            <a:fld id="{5C6BB475-B640-4DD3-A1AA-1CF10A44AA06}" type="slidenum">
+              <a:rPr lang="en-US" smtClean="0"/>
+              <a:pPr/>
               <a:t>‹#›</a:t>
             </a:fld>
-            <a:endParaRPr lang="en-US"/>
+            <a:endParaRPr lang="en-US" dirty="0"/>
           </a:p>
         </p:txBody>
       </p:sp>
     </p:spTree>
     <p:extLst>
       <p:ext uri="{BB962C8B-B14F-4D97-AF65-F5344CB8AC3E}">
-        <p14:creationId xmlns:p14="http://schemas.microsoft.com/office/powerpoint/2010/main" val="3052412585"/>
+        <p14:creationId xmlns:p14="http://schemas.microsoft.com/office/powerpoint/2010/main" val="1414718119"/>
       </p:ext>
     </p:extLst>
   </p:cSld>
@@ -1437,7 +4009,7 @@
 </p:sldLayout>
 </file>
 
-<file path=ppt/slideLayouts/slideLayout11.xml><?xml version="1.0" encoding="utf-8"?>
+<file path=ppt/slideLayouts/slideLayout17.xml><?xml version="1.0" encoding="utf-8"?>
 <p:sldLayout xmlns:a="http://schemas.openxmlformats.org/drawingml/2006/main" xmlns:r="http://schemas.openxmlformats.org/officeDocument/2006/relationships" xmlns:p="http://schemas.openxmlformats.org/presentationml/2006/main" type="vertTitleAndTx" preserve="1">
   <p:cSld name="Vertical Title and Text">
     <p:spTree>
@@ -1466,8 +4038,8 @@
         </p:nvSpPr>
         <p:spPr>
           <a:xfrm>
-            <a:off x="8724900" y="365125"/>
-            <a:ext cx="2628900" cy="5811838"/>
+            <a:off x="9732655" y="685800"/>
+            <a:ext cx="1770369" cy="5105400"/>
           </a:xfrm>
         </p:spPr>
         <p:txBody>
@@ -1478,7 +4050,7 @@
               <a:rPr lang="en-US" smtClean="0"/>
               <a:t>Click to edit Master title style</a:t>
             </a:r>
-            <a:endParaRPr lang="en-US"/>
+            <a:endParaRPr lang="en-US" dirty="0"/>
           </a:p>
         </p:txBody>
       </p:sp>
@@ -1494,12 +4066,12 @@
         </p:nvSpPr>
         <p:spPr>
           <a:xfrm>
-            <a:off x="838200" y="365125"/>
-            <a:ext cx="7734300" cy="5811838"/>
+            <a:off x="1484312" y="685800"/>
+            <a:ext cx="8019742" cy="5105400"/>
           </a:xfrm>
         </p:spPr>
         <p:txBody>
-          <a:bodyPr vert="eaVert"/>
+          <a:bodyPr vert="eaVert" anchor="t"/>
           <a:lstStyle/>
           <a:p>
             <a:pPr lvl="0"/>
@@ -1535,7 +4107,7 @@
               <a:rPr lang="en-US" smtClean="0"/>
               <a:t>Fifth level</a:t>
             </a:r>
-            <a:endParaRPr lang="en-US"/>
+            <a:endParaRPr lang="en-US" dirty="0"/>
           </a:p>
         </p:txBody>
       </p:sp>
@@ -1554,11 +4126,12 @@
           <a:bodyPr/>
           <a:lstStyle/>
           <a:p>
-            <a:fld id="{31C6ABEE-1E13-4517-BD42-7EE02DD2C424}" type="datetimeFigureOut">
-              <a:rPr lang="en-US" smtClean="0"/>
+            <a:fld id="{A151EF98-F8EA-4C17-B600-10F3495D73A0}" type="datetime1">
+              <a:rPr lang="en-US" smtClean="0"/>
+              <a:pPr/>
               <a:t>11/16/2014</a:t>
             </a:fld>
-            <a:endParaRPr lang="en-US"/>
+            <a:endParaRPr lang="en-US" dirty="0"/>
           </a:p>
         </p:txBody>
       </p:sp>
@@ -1577,7 +4150,7 @@
           <a:bodyPr/>
           <a:lstStyle/>
           <a:p>
-            <a:endParaRPr lang="en-US"/>
+            <a:endParaRPr lang="en-US" dirty="0"/>
           </a:p>
         </p:txBody>
       </p:sp>
@@ -1596,18 +4169,19 @@
           <a:bodyPr/>
           <a:lstStyle/>
           <a:p>
-            <a:fld id="{30F7FCDE-30A6-4F40-B6EA-AE51F264FCC3}" type="slidenum">
-              <a:rPr lang="en-US" smtClean="0"/>
+            <a:fld id="{5C6BB475-B640-4DD3-A1AA-1CF10A44AA06}" type="slidenum">
+              <a:rPr lang="en-US" smtClean="0"/>
+              <a:pPr/>
               <a:t>‹#›</a:t>
             </a:fld>
-            <a:endParaRPr lang="en-US"/>
+            <a:endParaRPr lang="en-US" dirty="0"/>
           </a:p>
         </p:txBody>
       </p:sp>
     </p:spTree>
     <p:extLst>
       <p:ext uri="{BB962C8B-B14F-4D97-AF65-F5344CB8AC3E}">
-        <p14:creationId xmlns:p14="http://schemas.microsoft.com/office/powerpoint/2010/main" val="1891311249"/>
+        <p14:creationId xmlns:p14="http://schemas.microsoft.com/office/powerpoint/2010/main" val="1650288084"/>
       </p:ext>
     </p:extLst>
   </p:cSld>
@@ -1644,27 +4218,129 @@
             <p:ph type="title"/>
           </p:nvPr>
         </p:nvSpPr>
+        <p:spPr>
+          <a:xfrm>
+            <a:off x="1541989" y="420824"/>
+            <a:ext cx="10018713" cy="1057275"/>
+          </a:xfrm>
+        </p:spPr>
+        <p:txBody>
+          <a:bodyPr>
+            <a:normAutofit/>
+          </a:bodyPr>
+          <a:lstStyle>
+            <a:lvl1pPr>
+              <a:defRPr sz="4800"/>
+            </a:lvl1pPr>
+          </a:lstStyle>
+          <a:p>
+            <a:r>
+              <a:rPr lang="en-US" dirty="0" smtClean="0"/>
+              <a:t>Click to edit Master title style</a:t>
+            </a:r>
+            <a:endParaRPr lang="en-US" dirty="0"/>
+          </a:p>
+        </p:txBody>
+      </p:sp>
+      <p:sp>
+        <p:nvSpPr>
+          <p:cNvPr id="3" name="Content Placeholder 2"/>
+          <p:cNvSpPr>
+            <a:spLocks noGrp="1"/>
+          </p:cNvSpPr>
+          <p:nvPr>
+            <p:ph idx="1"/>
+          </p:nvPr>
+        </p:nvSpPr>
+        <p:spPr>
+          <a:xfrm>
+            <a:off x="1541989" y="1629636"/>
+            <a:ext cx="10018713" cy="4102101"/>
+          </a:xfrm>
+        </p:spPr>
+        <p:txBody>
+          <a:bodyPr anchor="ctr"/>
+          <a:lstStyle>
+            <a:lvl1pPr>
+              <a:defRPr sz="3200"/>
+            </a:lvl1pPr>
+            <a:lvl2pPr>
+              <a:defRPr sz="2600"/>
+            </a:lvl2pPr>
+            <a:lvl3pPr>
+              <a:defRPr sz="2000"/>
+            </a:lvl3pPr>
+          </a:lstStyle>
+          <a:p>
+            <a:pPr lvl="0"/>
+            <a:r>
+              <a:rPr lang="en-US" dirty="0" smtClean="0"/>
+              <a:t>Click to edit Master text styles</a:t>
+            </a:r>
+          </a:p>
+          <a:p>
+            <a:pPr lvl="1"/>
+            <a:r>
+              <a:rPr lang="en-US" dirty="0" smtClean="0"/>
+              <a:t>Second level</a:t>
+            </a:r>
+          </a:p>
+          <a:p>
+            <a:pPr lvl="2"/>
+            <a:r>
+              <a:rPr lang="en-US" dirty="0" smtClean="0"/>
+              <a:t>Third level</a:t>
+            </a:r>
+          </a:p>
+          <a:p>
+            <a:pPr lvl="3"/>
+            <a:r>
+              <a:rPr lang="en-US" dirty="0" smtClean="0"/>
+              <a:t>Fourth level</a:t>
+            </a:r>
+          </a:p>
+          <a:p>
+            <a:pPr lvl="4"/>
+            <a:r>
+              <a:rPr lang="en-US" dirty="0" smtClean="0"/>
+              <a:t>Fifth level</a:t>
+            </a:r>
+            <a:endParaRPr lang="en-US" dirty="0"/>
+          </a:p>
+        </p:txBody>
+      </p:sp>
+      <p:sp>
+        <p:nvSpPr>
+          <p:cNvPr id="4" name="Date Placeholder 3"/>
+          <p:cNvSpPr>
+            <a:spLocks noGrp="1"/>
+          </p:cNvSpPr>
+          <p:nvPr>
+            <p:ph type="dt" sz="half" idx="10"/>
+          </p:nvPr>
+        </p:nvSpPr>
         <p:spPr/>
         <p:txBody>
           <a:bodyPr/>
           <a:lstStyle/>
           <a:p>
-            <a:r>
-              <a:rPr lang="en-US" smtClean="0"/>
-              <a:t>Click to edit Master title style</a:t>
-            </a:r>
-            <a:endParaRPr lang="en-US"/>
-          </a:p>
-        </p:txBody>
-      </p:sp>
-      <p:sp>
-        <p:nvSpPr>
-          <p:cNvPr id="3" name="Content Placeholder 2"/>
-          <p:cNvSpPr>
-            <a:spLocks noGrp="1"/>
-          </p:cNvSpPr>
-          <p:nvPr>
-            <p:ph idx="1"/>
+            <a:fld id="{573D28D5-0840-4988-BF4D-6D4AA1076FF1}" type="datetime1">
+              <a:rPr lang="en-US" smtClean="0"/>
+              <a:pPr/>
+              <a:t>11/16/2014</a:t>
+            </a:fld>
+            <a:endParaRPr lang="en-US" dirty="0"/>
+          </a:p>
+        </p:txBody>
+      </p:sp>
+      <p:sp>
+        <p:nvSpPr>
+          <p:cNvPr id="5" name="Footer Placeholder 4"/>
+          <p:cNvSpPr>
+            <a:spLocks noGrp="1"/>
+          </p:cNvSpPr>
+          <p:nvPr>
+            <p:ph type="ftr" sz="quarter" idx="11"/>
           </p:nvPr>
         </p:nvSpPr>
         <p:spPr/>
@@ -1672,112 +4348,43 @@
           <a:bodyPr/>
           <a:lstStyle/>
           <a:p>
-            <a:pPr lvl="0"/>
-            <a:r>
-              <a:rPr lang="en-US" smtClean="0"/>
-              <a:t>Click to edit Master text styles</a:t>
-            </a:r>
-          </a:p>
-          <a:p>
-            <a:pPr lvl="1"/>
-            <a:r>
-              <a:rPr lang="en-US" smtClean="0"/>
-              <a:t>Second level</a:t>
-            </a:r>
-          </a:p>
-          <a:p>
-            <a:pPr lvl="2"/>
-            <a:r>
-              <a:rPr lang="en-US" smtClean="0"/>
-              <a:t>Third level</a:t>
-            </a:r>
-          </a:p>
-          <a:p>
-            <a:pPr lvl="3"/>
-            <a:r>
-              <a:rPr lang="en-US" smtClean="0"/>
-              <a:t>Fourth level</a:t>
-            </a:r>
-          </a:p>
-          <a:p>
-            <a:pPr lvl="4"/>
-            <a:r>
-              <a:rPr lang="en-US" smtClean="0"/>
-              <a:t>Fifth level</a:t>
-            </a:r>
-            <a:endParaRPr lang="en-US"/>
-          </a:p>
-        </p:txBody>
-      </p:sp>
-      <p:sp>
-        <p:nvSpPr>
-          <p:cNvPr id="4" name="Date Placeholder 3"/>
-          <p:cNvSpPr>
-            <a:spLocks noGrp="1"/>
-          </p:cNvSpPr>
-          <p:nvPr>
-            <p:ph type="dt" sz="half" idx="10"/>
-          </p:nvPr>
-        </p:nvSpPr>
-        <p:spPr/>
+            <a:endParaRPr lang="en-US" dirty="0"/>
+          </a:p>
+        </p:txBody>
+      </p:sp>
+      <p:sp>
+        <p:nvSpPr>
+          <p:cNvPr id="6" name="Slide Number Placeholder 5"/>
+          <p:cNvSpPr>
+            <a:spLocks noGrp="1"/>
+          </p:cNvSpPr>
+          <p:nvPr>
+            <p:ph type="sldNum" sz="quarter" idx="12"/>
+          </p:nvPr>
+        </p:nvSpPr>
+        <p:spPr>
+          <a:xfrm>
+            <a:off x="10951856" y="5867131"/>
+            <a:ext cx="551167" cy="365125"/>
+          </a:xfrm>
+        </p:spPr>
         <p:txBody>
           <a:bodyPr/>
           <a:lstStyle/>
           <a:p>
-            <a:fld id="{31C6ABEE-1E13-4517-BD42-7EE02DD2C424}" type="datetimeFigureOut">
-              <a:rPr lang="en-US" smtClean="0"/>
-              <a:t>11/16/2014</a:t>
-            </a:fld>
-            <a:endParaRPr lang="en-US"/>
-          </a:p>
-        </p:txBody>
-      </p:sp>
-      <p:sp>
-        <p:nvSpPr>
-          <p:cNvPr id="5" name="Footer Placeholder 4"/>
-          <p:cNvSpPr>
-            <a:spLocks noGrp="1"/>
-          </p:cNvSpPr>
-          <p:nvPr>
-            <p:ph type="ftr" sz="quarter" idx="11"/>
-          </p:nvPr>
-        </p:nvSpPr>
-        <p:spPr/>
-        <p:txBody>
-          <a:bodyPr/>
-          <a:lstStyle/>
-          <a:p>
-            <a:endParaRPr lang="en-US"/>
-          </a:p>
-        </p:txBody>
-      </p:sp>
-      <p:sp>
-        <p:nvSpPr>
-          <p:cNvPr id="6" name="Slide Number Placeholder 5"/>
-          <p:cNvSpPr>
-            <a:spLocks noGrp="1"/>
-          </p:cNvSpPr>
-          <p:nvPr>
-            <p:ph type="sldNum" sz="quarter" idx="12"/>
-          </p:nvPr>
-        </p:nvSpPr>
-        <p:spPr/>
-        <p:txBody>
-          <a:bodyPr/>
-          <a:lstStyle/>
-          <a:p>
-            <a:fld id="{30F7FCDE-30A6-4F40-B6EA-AE51F264FCC3}" type="slidenum">
-              <a:rPr lang="en-US" smtClean="0"/>
+            <a:fld id="{5C6BB475-B640-4DD3-A1AA-1CF10A44AA06}" type="slidenum">
+              <a:rPr lang="en-US" smtClean="0"/>
+              <a:pPr/>
               <a:t>‹#›</a:t>
             </a:fld>
-            <a:endParaRPr lang="en-US"/>
+            <a:endParaRPr lang="en-US" dirty="0"/>
           </a:p>
         </p:txBody>
       </p:sp>
     </p:spTree>
     <p:extLst>
       <p:ext uri="{BB962C8B-B14F-4D97-AF65-F5344CB8AC3E}">
-        <p14:creationId xmlns:p14="http://schemas.microsoft.com/office/powerpoint/2010/main" val="2323560190"/>
+        <p14:creationId xmlns:p14="http://schemas.microsoft.com/office/powerpoint/2010/main" val="2618596427"/>
       </p:ext>
     </p:extLst>
   </p:cSld>
@@ -1816,23 +4423,25 @@
         </p:nvSpPr>
         <p:spPr>
           <a:xfrm>
-            <a:off x="831850" y="1709738"/>
-            <a:ext cx="10515600" cy="2852737"/>
+            <a:off x="2572278" y="2421505"/>
+            <a:ext cx="8930747" cy="2110382"/>
           </a:xfrm>
         </p:spPr>
         <p:txBody>
-          <a:bodyPr anchor="b"/>
+          <a:bodyPr anchor="b">
+            <a:normAutofit/>
+          </a:bodyPr>
           <a:lstStyle>
-            <a:lvl1pPr>
-              <a:defRPr sz="6000"/>
+            <a:lvl1pPr algn="r">
+              <a:defRPr sz="6000" b="0" cap="none"/>
             </a:lvl1pPr>
           </a:lstStyle>
           <a:p>
             <a:r>
-              <a:rPr lang="en-US" smtClean="0"/>
+              <a:rPr lang="en-US" dirty="0" smtClean="0"/>
               <a:t>Click to edit Master title style</a:t>
             </a:r>
-            <a:endParaRPr lang="en-US"/>
+            <a:endParaRPr lang="en-US" dirty="0"/>
           </a:p>
         </p:txBody>
       </p:sp>
@@ -1848,108 +4457,108 @@
         </p:nvSpPr>
         <p:spPr>
           <a:xfrm>
-            <a:off x="831850" y="4589463"/>
-            <a:ext cx="10515600" cy="1500187"/>
+            <a:off x="2572278" y="4777381"/>
+            <a:ext cx="8930748" cy="860400"/>
           </a:xfrm>
         </p:spPr>
         <p:txBody>
-          <a:bodyPr/>
+          <a:bodyPr anchor="t">
+            <a:normAutofit/>
+          </a:bodyPr>
           <a:lstStyle>
-            <a:lvl1pPr marL="0" indent="0">
-              <a:buNone/>
-              <a:defRPr sz="2400">
+            <a:lvl1pPr marL="0" indent="0" algn="r">
+              <a:buNone/>
+              <a:defRPr sz="3200">
+                <a:solidFill>
+                  <a:schemeClr val="tx1"/>
+                </a:solidFill>
+              </a:defRPr>
+            </a:lvl1pPr>
+            <a:lvl2pPr marL="457200" indent="0">
+              <a:buNone/>
+              <a:defRPr sz="1800">
                 <a:solidFill>
                   <a:schemeClr val="tx1">
                     <a:tint val="75000"/>
                   </a:schemeClr>
                 </a:solidFill>
               </a:defRPr>
-            </a:lvl1pPr>
-            <a:lvl2pPr marL="457200" indent="0">
-              <a:buNone/>
-              <a:defRPr sz="2000">
+            </a:lvl2pPr>
+            <a:lvl3pPr marL="914400" indent="0">
+              <a:buNone/>
+              <a:defRPr sz="1600">
                 <a:solidFill>
                   <a:schemeClr val="tx1">
                     <a:tint val="75000"/>
                   </a:schemeClr>
                 </a:solidFill>
               </a:defRPr>
-            </a:lvl2pPr>
-            <a:lvl3pPr marL="914400" indent="0">
-              <a:buNone/>
-              <a:defRPr sz="1800">
+            </a:lvl3pPr>
+            <a:lvl4pPr marL="1371600" indent="0">
+              <a:buNone/>
+              <a:defRPr sz="1400">
                 <a:solidFill>
                   <a:schemeClr val="tx1">
                     <a:tint val="75000"/>
                   </a:schemeClr>
                 </a:solidFill>
               </a:defRPr>
-            </a:lvl3pPr>
-            <a:lvl4pPr marL="1371600" indent="0">
-              <a:buNone/>
-              <a:defRPr sz="1600">
+            </a:lvl4pPr>
+            <a:lvl5pPr marL="1828800" indent="0">
+              <a:buNone/>
+              <a:defRPr sz="1400">
                 <a:solidFill>
                   <a:schemeClr val="tx1">
                     <a:tint val="75000"/>
                   </a:schemeClr>
                 </a:solidFill>
               </a:defRPr>
-            </a:lvl4pPr>
-            <a:lvl5pPr marL="1828800" indent="0">
-              <a:buNone/>
-              <a:defRPr sz="1600">
+            </a:lvl5pPr>
+            <a:lvl6pPr marL="2286000" indent="0">
+              <a:buNone/>
+              <a:defRPr sz="1400">
                 <a:solidFill>
                   <a:schemeClr val="tx1">
                     <a:tint val="75000"/>
                   </a:schemeClr>
                 </a:solidFill>
               </a:defRPr>
-            </a:lvl5pPr>
-            <a:lvl6pPr marL="2286000" indent="0">
-              <a:buNone/>
-              <a:defRPr sz="1600">
+            </a:lvl6pPr>
+            <a:lvl7pPr marL="2743200" indent="0">
+              <a:buNone/>
+              <a:defRPr sz="1400">
                 <a:solidFill>
                   <a:schemeClr val="tx1">
                     <a:tint val="75000"/>
                   </a:schemeClr>
                 </a:solidFill>
               </a:defRPr>
-            </a:lvl6pPr>
-            <a:lvl7pPr marL="2743200" indent="0">
-              <a:buNone/>
-              <a:defRPr sz="1600">
+            </a:lvl7pPr>
+            <a:lvl8pPr marL="3200400" indent="0">
+              <a:buNone/>
+              <a:defRPr sz="1400">
                 <a:solidFill>
                   <a:schemeClr val="tx1">
                     <a:tint val="75000"/>
                   </a:schemeClr>
                 </a:solidFill>
               </a:defRPr>
-            </a:lvl7pPr>
-            <a:lvl8pPr marL="3200400" indent="0">
-              <a:buNone/>
-              <a:defRPr sz="1600">
+            </a:lvl8pPr>
+            <a:lvl9pPr marL="3657600" indent="0">
+              <a:buNone/>
+              <a:defRPr sz="1400">
                 <a:solidFill>
                   <a:schemeClr val="tx1">
                     <a:tint val="75000"/>
                   </a:schemeClr>
                 </a:solidFill>
               </a:defRPr>
-            </a:lvl8pPr>
-            <a:lvl9pPr marL="3657600" indent="0">
-              <a:buNone/>
-              <a:defRPr sz="1600">
-                <a:solidFill>
-                  <a:schemeClr val="tx1">
-                    <a:tint val="75000"/>
-                  </a:schemeClr>
-                </a:solidFill>
-              </a:defRPr>
             </a:lvl9pPr>
           </a:lstStyle>
           <a:p>
             <a:pPr lvl="0"/>
             <a:r>
-              <a:rPr lang="en-US" smtClean="0"/>
+              <a:rPr lang="en-US" dirty="0" smtClean="0"/>
               <a:t>Click to edit Master text styles</a:t>
             </a:r>
           </a:p>
@@ -1970,11 +4579,12 @@
           <a:bodyPr/>
           <a:lstStyle/>
           <a:p>
-            <a:fld id="{31C6ABEE-1E13-4517-BD42-7EE02DD2C424}" type="datetimeFigureOut">
-              <a:rPr lang="en-US" smtClean="0"/>
+            <a:fld id="{9F96B093-F3D2-4BE9-838E-E3D4B84B74A6}" type="datetime1">
+              <a:rPr lang="en-US" smtClean="0"/>
+              <a:pPr/>
               <a:t>11/16/2014</a:t>
             </a:fld>
-            <a:endParaRPr lang="en-US"/>
+            <a:endParaRPr lang="en-US" dirty="0"/>
           </a:p>
         </p:txBody>
       </p:sp>
@@ -1993,7 +4603,7 @@
           <a:bodyPr/>
           <a:lstStyle/>
           <a:p>
-            <a:endParaRPr lang="en-US"/>
+            <a:endParaRPr lang="en-US" dirty="0"/>
           </a:p>
         </p:txBody>
       </p:sp>
@@ -2012,18 +4622,19 @@
           <a:bodyPr/>
           <a:lstStyle/>
           <a:p>
-            <a:fld id="{30F7FCDE-30A6-4F40-B6EA-AE51F264FCC3}" type="slidenum">
-              <a:rPr lang="en-US" smtClean="0"/>
+            <a:fld id="{5C6BB475-B640-4DD3-A1AA-1CF10A44AA06}" type="slidenum">
+              <a:rPr lang="en-US" smtClean="0"/>
+              <a:pPr/>
               <a:t>‹#›</a:t>
             </a:fld>
-            <a:endParaRPr lang="en-US"/>
+            <a:endParaRPr lang="en-US" dirty="0"/>
           </a:p>
         </p:txBody>
       </p:sp>
     </p:spTree>
     <p:extLst>
       <p:ext uri="{BB962C8B-B14F-4D97-AF65-F5344CB8AC3E}">
-        <p14:creationId xmlns:p14="http://schemas.microsoft.com/office/powerpoint/2010/main" val="628206275"/>
+        <p14:creationId xmlns:p14="http://schemas.microsoft.com/office/powerpoint/2010/main" val="559461267"/>
       </p:ext>
     </p:extLst>
   </p:cSld>
@@ -2060,202 +4671,275 @@
             <p:ph type="title"/>
           </p:nvPr>
         </p:nvSpPr>
+        <p:spPr>
+          <a:xfrm>
+            <a:off x="1484311" y="685801"/>
+            <a:ext cx="10018713" cy="711199"/>
+          </a:xfrm>
+        </p:spPr>
+        <p:txBody>
+          <a:bodyPr>
+            <a:normAutofit/>
+          </a:bodyPr>
+          <a:lstStyle>
+            <a:lvl1pPr>
+              <a:defRPr sz="4800"/>
+            </a:lvl1pPr>
+          </a:lstStyle>
+          <a:p>
+            <a:r>
+              <a:rPr lang="en-US" dirty="0" smtClean="0"/>
+              <a:t>Click to edit Master title style</a:t>
+            </a:r>
+            <a:endParaRPr lang="en-US" dirty="0"/>
+          </a:p>
+        </p:txBody>
+      </p:sp>
+      <p:sp>
+        <p:nvSpPr>
+          <p:cNvPr id="3" name="Content Placeholder 2"/>
+          <p:cNvSpPr>
+            <a:spLocks noGrp="1"/>
+          </p:cNvSpPr>
+          <p:nvPr>
+            <p:ph sz="half" idx="1"/>
+          </p:nvPr>
+        </p:nvSpPr>
+        <p:spPr>
+          <a:xfrm>
+            <a:off x="1484312" y="1489075"/>
+            <a:ext cx="4895055" cy="4302125"/>
+          </a:xfrm>
+        </p:spPr>
+        <p:txBody>
+          <a:bodyPr>
+            <a:normAutofit/>
+          </a:bodyPr>
+          <a:lstStyle>
+            <a:lvl1pPr>
+              <a:defRPr sz="2800"/>
+            </a:lvl1pPr>
+            <a:lvl2pPr>
+              <a:defRPr sz="2400"/>
+            </a:lvl2pPr>
+            <a:lvl3pPr>
+              <a:defRPr sz="1400"/>
+            </a:lvl3pPr>
+            <a:lvl4pPr>
+              <a:defRPr sz="1200"/>
+            </a:lvl4pPr>
+            <a:lvl5pPr>
+              <a:defRPr sz="1200"/>
+            </a:lvl5pPr>
+            <a:lvl6pPr>
+              <a:defRPr sz="1200"/>
+            </a:lvl6pPr>
+            <a:lvl7pPr>
+              <a:defRPr sz="1200"/>
+            </a:lvl7pPr>
+            <a:lvl8pPr>
+              <a:defRPr sz="1200"/>
+            </a:lvl8pPr>
+            <a:lvl9pPr>
+              <a:defRPr sz="1200"/>
+            </a:lvl9pPr>
+          </a:lstStyle>
+          <a:p>
+            <a:pPr lvl="0"/>
+            <a:r>
+              <a:rPr lang="en-US" dirty="0" smtClean="0"/>
+              <a:t>Click to edit Master text styles</a:t>
+            </a:r>
+          </a:p>
+          <a:p>
+            <a:pPr lvl="1"/>
+            <a:r>
+              <a:rPr lang="en-US" dirty="0" smtClean="0"/>
+              <a:t>Second level</a:t>
+            </a:r>
+          </a:p>
+          <a:p>
+            <a:pPr lvl="2"/>
+            <a:r>
+              <a:rPr lang="en-US" dirty="0" smtClean="0"/>
+              <a:t>Third level</a:t>
+            </a:r>
+          </a:p>
+          <a:p>
+            <a:pPr lvl="3"/>
+            <a:r>
+              <a:rPr lang="en-US" dirty="0" smtClean="0"/>
+              <a:t>Fourth level</a:t>
+            </a:r>
+          </a:p>
+          <a:p>
+            <a:pPr lvl="4"/>
+            <a:r>
+              <a:rPr lang="en-US" dirty="0" smtClean="0"/>
+              <a:t>Fifth level</a:t>
+            </a:r>
+            <a:endParaRPr lang="en-US" dirty="0"/>
+          </a:p>
+        </p:txBody>
+      </p:sp>
+      <p:sp>
+        <p:nvSpPr>
+          <p:cNvPr id="4" name="Content Placeholder 3"/>
+          <p:cNvSpPr>
+            <a:spLocks noGrp="1"/>
+          </p:cNvSpPr>
+          <p:nvPr>
+            <p:ph sz="half" idx="2"/>
+          </p:nvPr>
+        </p:nvSpPr>
+        <p:spPr>
+          <a:xfrm>
+            <a:off x="6607967" y="1489075"/>
+            <a:ext cx="4895056" cy="4302125"/>
+          </a:xfrm>
+        </p:spPr>
+        <p:txBody>
+          <a:bodyPr>
+            <a:normAutofit/>
+          </a:bodyPr>
+          <a:lstStyle>
+            <a:lvl1pPr>
+              <a:defRPr sz="2800"/>
+            </a:lvl1pPr>
+            <a:lvl2pPr>
+              <a:defRPr sz="2400"/>
+            </a:lvl2pPr>
+            <a:lvl3pPr>
+              <a:defRPr sz="1400"/>
+            </a:lvl3pPr>
+            <a:lvl4pPr>
+              <a:defRPr sz="1200"/>
+            </a:lvl4pPr>
+            <a:lvl5pPr>
+              <a:defRPr sz="1200"/>
+            </a:lvl5pPr>
+            <a:lvl6pPr>
+              <a:defRPr sz="1200"/>
+            </a:lvl6pPr>
+            <a:lvl7pPr>
+              <a:defRPr sz="1200"/>
+            </a:lvl7pPr>
+            <a:lvl8pPr>
+              <a:defRPr sz="1200"/>
+            </a:lvl8pPr>
+            <a:lvl9pPr>
+              <a:defRPr sz="1200"/>
+            </a:lvl9pPr>
+          </a:lstStyle>
+          <a:p>
+            <a:pPr lvl="0"/>
+            <a:r>
+              <a:rPr lang="en-US" dirty="0" smtClean="0"/>
+              <a:t>Click to edit Master text styles</a:t>
+            </a:r>
+          </a:p>
+          <a:p>
+            <a:pPr lvl="1"/>
+            <a:r>
+              <a:rPr lang="en-US" dirty="0" smtClean="0"/>
+              <a:t>Second level</a:t>
+            </a:r>
+          </a:p>
+          <a:p>
+            <a:pPr lvl="2"/>
+            <a:r>
+              <a:rPr lang="en-US" dirty="0" smtClean="0"/>
+              <a:t>Third level</a:t>
+            </a:r>
+          </a:p>
+          <a:p>
+            <a:pPr lvl="3"/>
+            <a:r>
+              <a:rPr lang="en-US" dirty="0" smtClean="0"/>
+              <a:t>Fourth level</a:t>
+            </a:r>
+          </a:p>
+          <a:p>
+            <a:pPr lvl="4"/>
+            <a:r>
+              <a:rPr lang="en-US" dirty="0" smtClean="0"/>
+              <a:t>Fifth level</a:t>
+            </a:r>
+            <a:endParaRPr lang="en-US" dirty="0"/>
+          </a:p>
+        </p:txBody>
+      </p:sp>
+      <p:sp>
+        <p:nvSpPr>
+          <p:cNvPr id="5" name="Date Placeholder 4"/>
+          <p:cNvSpPr>
+            <a:spLocks noGrp="1"/>
+          </p:cNvSpPr>
+          <p:nvPr>
+            <p:ph type="dt" sz="half" idx="10"/>
+          </p:nvPr>
+        </p:nvSpPr>
         <p:spPr/>
         <p:txBody>
           <a:bodyPr/>
           <a:lstStyle/>
           <a:p>
-            <a:r>
-              <a:rPr lang="en-US" smtClean="0"/>
-              <a:t>Click to edit Master title style</a:t>
-            </a:r>
-            <a:endParaRPr lang="en-US"/>
-          </a:p>
-        </p:txBody>
-      </p:sp>
-      <p:sp>
-        <p:nvSpPr>
-          <p:cNvPr id="3" name="Content Placeholder 2"/>
-          <p:cNvSpPr>
-            <a:spLocks noGrp="1"/>
-          </p:cNvSpPr>
-          <p:nvPr>
-            <p:ph sz="half" idx="1"/>
-          </p:nvPr>
-        </p:nvSpPr>
-        <p:spPr>
-          <a:xfrm>
-            <a:off x="838200" y="1825625"/>
-            <a:ext cx="5181600" cy="4351338"/>
-          </a:xfrm>
-        </p:spPr>
+            <a:fld id="{BE18AAB6-E895-4CF5-8797-8DBFC83C491D}" type="datetime1">
+              <a:rPr lang="en-US" smtClean="0"/>
+              <a:pPr/>
+              <a:t>11/16/2014</a:t>
+            </a:fld>
+            <a:endParaRPr lang="en-US" dirty="0"/>
+          </a:p>
+        </p:txBody>
+      </p:sp>
+      <p:sp>
+        <p:nvSpPr>
+          <p:cNvPr id="6" name="Footer Placeholder 5"/>
+          <p:cNvSpPr>
+            <a:spLocks noGrp="1"/>
+          </p:cNvSpPr>
+          <p:nvPr>
+            <p:ph type="ftr" sz="quarter" idx="11"/>
+          </p:nvPr>
+        </p:nvSpPr>
+        <p:spPr/>
         <p:txBody>
           <a:bodyPr/>
           <a:lstStyle/>
           <a:p>
-            <a:pPr lvl="0"/>
-            <a:r>
-              <a:rPr lang="en-US" smtClean="0"/>
-              <a:t>Click to edit Master text styles</a:t>
-            </a:r>
-          </a:p>
-          <a:p>
-            <a:pPr lvl="1"/>
-            <a:r>
-              <a:rPr lang="en-US" smtClean="0"/>
-              <a:t>Second level</a:t>
-            </a:r>
-          </a:p>
-          <a:p>
-            <a:pPr lvl="2"/>
-            <a:r>
-              <a:rPr lang="en-US" smtClean="0"/>
-              <a:t>Third level</a:t>
-            </a:r>
-          </a:p>
-          <a:p>
-            <a:pPr lvl="3"/>
-            <a:r>
-              <a:rPr lang="en-US" smtClean="0"/>
-              <a:t>Fourth level</a:t>
-            </a:r>
-          </a:p>
-          <a:p>
-            <a:pPr lvl="4"/>
-            <a:r>
-              <a:rPr lang="en-US" smtClean="0"/>
-              <a:t>Fifth level</a:t>
-            </a:r>
-            <a:endParaRPr lang="en-US"/>
-          </a:p>
-        </p:txBody>
-      </p:sp>
-      <p:sp>
-        <p:nvSpPr>
-          <p:cNvPr id="4" name="Content Placeholder 3"/>
-          <p:cNvSpPr>
-            <a:spLocks noGrp="1"/>
-          </p:cNvSpPr>
-          <p:nvPr>
-            <p:ph sz="half" idx="2"/>
-          </p:nvPr>
-        </p:nvSpPr>
-        <p:spPr>
-          <a:xfrm>
-            <a:off x="6172200" y="1825625"/>
-            <a:ext cx="5181600" cy="4351338"/>
-          </a:xfrm>
-        </p:spPr>
+            <a:endParaRPr lang="en-US" dirty="0"/>
+          </a:p>
+        </p:txBody>
+      </p:sp>
+      <p:sp>
+        <p:nvSpPr>
+          <p:cNvPr id="7" name="Slide Number Placeholder 6"/>
+          <p:cNvSpPr>
+            <a:spLocks noGrp="1"/>
+          </p:cNvSpPr>
+          <p:nvPr>
+            <p:ph type="sldNum" sz="quarter" idx="12"/>
+          </p:nvPr>
+        </p:nvSpPr>
+        <p:spPr/>
         <p:txBody>
           <a:bodyPr/>
           <a:lstStyle/>
           <a:p>
-            <a:pPr lvl="0"/>
-            <a:r>
-              <a:rPr lang="en-US" smtClean="0"/>
-              <a:t>Click to edit Master text styles</a:t>
-            </a:r>
-          </a:p>
-          <a:p>
-            <a:pPr lvl="1"/>
-            <a:r>
-              <a:rPr lang="en-US" smtClean="0"/>
-              <a:t>Second level</a:t>
-            </a:r>
-          </a:p>
-          <a:p>
-            <a:pPr lvl="2"/>
-            <a:r>
-              <a:rPr lang="en-US" smtClean="0"/>
-              <a:t>Third level</a:t>
-            </a:r>
-          </a:p>
-          <a:p>
-            <a:pPr lvl="3"/>
-            <a:r>
-              <a:rPr lang="en-US" smtClean="0"/>
-              <a:t>Fourth level</a:t>
-            </a:r>
-          </a:p>
-          <a:p>
-            <a:pPr lvl="4"/>
-            <a:r>
-              <a:rPr lang="en-US" smtClean="0"/>
-              <a:t>Fifth level</a:t>
-            </a:r>
-            <a:endParaRPr lang="en-US"/>
-          </a:p>
-        </p:txBody>
-      </p:sp>
-      <p:sp>
-        <p:nvSpPr>
-          <p:cNvPr id="5" name="Date Placeholder 4"/>
-          <p:cNvSpPr>
-            <a:spLocks noGrp="1"/>
-          </p:cNvSpPr>
-          <p:nvPr>
-            <p:ph type="dt" sz="half" idx="10"/>
-          </p:nvPr>
-        </p:nvSpPr>
-        <p:spPr/>
-        <p:txBody>
-          <a:bodyPr/>
-          <a:lstStyle/>
-          <a:p>
-            <a:fld id="{31C6ABEE-1E13-4517-BD42-7EE02DD2C424}" type="datetimeFigureOut">
-              <a:rPr lang="en-US" smtClean="0"/>
-              <a:t>11/16/2014</a:t>
-            </a:fld>
-            <a:endParaRPr lang="en-US"/>
-          </a:p>
-        </p:txBody>
-      </p:sp>
-      <p:sp>
-        <p:nvSpPr>
-          <p:cNvPr id="6" name="Footer Placeholder 5"/>
-          <p:cNvSpPr>
-            <a:spLocks noGrp="1"/>
-          </p:cNvSpPr>
-          <p:nvPr>
-            <p:ph type="ftr" sz="quarter" idx="11"/>
-          </p:nvPr>
-        </p:nvSpPr>
-        <p:spPr/>
-        <p:txBody>
-          <a:bodyPr/>
-          <a:lstStyle/>
-          <a:p>
-            <a:endParaRPr lang="en-US"/>
-          </a:p>
-        </p:txBody>
-      </p:sp>
-      <p:sp>
-        <p:nvSpPr>
-          <p:cNvPr id="7" name="Slide Number Placeholder 6"/>
-          <p:cNvSpPr>
-            <a:spLocks noGrp="1"/>
-          </p:cNvSpPr>
-          <p:nvPr>
-            <p:ph type="sldNum" sz="quarter" idx="12"/>
-          </p:nvPr>
-        </p:nvSpPr>
-        <p:spPr/>
-        <p:txBody>
-          <a:bodyPr/>
-          <a:lstStyle/>
-          <a:p>
-            <a:fld id="{30F7FCDE-30A6-4F40-B6EA-AE51F264FCC3}" type="slidenum">
-              <a:rPr lang="en-US" smtClean="0"/>
+            <a:fld id="{5C6BB475-B640-4DD3-A1AA-1CF10A44AA06}" type="slidenum">
+              <a:rPr lang="en-US" smtClean="0"/>
+              <a:pPr/>
               <a:t>‹#›</a:t>
             </a:fld>
-            <a:endParaRPr lang="en-US"/>
+            <a:endParaRPr lang="en-US" dirty="0"/>
           </a:p>
         </p:txBody>
       </p:sp>
     </p:spTree>
     <p:extLst>
       <p:ext uri="{BB962C8B-B14F-4D97-AF65-F5344CB8AC3E}">
-        <p14:creationId xmlns:p14="http://schemas.microsoft.com/office/powerpoint/2010/main" val="2570133618"/>
+        <p14:creationId xmlns:p14="http://schemas.microsoft.com/office/powerpoint/2010/main" val="1394586081"/>
       </p:ext>
     </p:extLst>
   </p:cSld>
@@ -2292,46 +4976,53 @@
             <p:ph type="title"/>
           </p:nvPr>
         </p:nvSpPr>
+        <p:spPr/>
+        <p:txBody>
+          <a:bodyPr/>
+          <a:lstStyle>
+            <a:lvl1pPr>
+              <a:defRPr/>
+            </a:lvl1pPr>
+          </a:lstStyle>
+          <a:p>
+            <a:r>
+              <a:rPr lang="en-US" smtClean="0"/>
+              <a:t>Click to edit Master title style</a:t>
+            </a:r>
+            <a:endParaRPr lang="en-US" dirty="0"/>
+          </a:p>
+        </p:txBody>
+      </p:sp>
+      <p:sp>
+        <p:nvSpPr>
+          <p:cNvPr id="3" name="Text Placeholder 2"/>
+          <p:cNvSpPr>
+            <a:spLocks noGrp="1"/>
+          </p:cNvSpPr>
+          <p:nvPr>
+            <p:ph type="body" idx="1"/>
+          </p:nvPr>
+        </p:nvSpPr>
         <p:spPr>
           <a:xfrm>
-            <a:off x="839788" y="365125"/>
-            <a:ext cx="10515600" cy="1325563"/>
+            <a:off x="1772179" y="2658533"/>
+            <a:ext cx="4607188" cy="576262"/>
           </a:xfrm>
         </p:spPr>
         <p:txBody>
-          <a:bodyPr/>
-          <a:lstStyle/>
-          <a:p>
-            <a:r>
-              <a:rPr lang="en-US" smtClean="0"/>
-              <a:t>Click to edit Master title style</a:t>
-            </a:r>
-            <a:endParaRPr lang="en-US"/>
-          </a:p>
-        </p:txBody>
-      </p:sp>
-      <p:sp>
-        <p:nvSpPr>
-          <p:cNvPr id="3" name="Text Placeholder 2"/>
-          <p:cNvSpPr>
-            <a:spLocks noGrp="1"/>
-          </p:cNvSpPr>
-          <p:nvPr>
-            <p:ph type="body" idx="1"/>
-          </p:nvPr>
-        </p:nvSpPr>
-        <p:spPr>
-          <a:xfrm>
-            <a:off x="839788" y="1681163"/>
-            <a:ext cx="5157787" cy="823912"/>
-          </a:xfrm>
-        </p:spPr>
-        <p:txBody>
-          <a:bodyPr anchor="b"/>
+          <a:bodyPr anchor="b">
+            <a:noAutofit/>
+          </a:bodyPr>
           <a:lstStyle>
             <a:lvl1pPr marL="0" indent="0">
               <a:buNone/>
-              <a:defRPr sz="2400" b="1"/>
+              <a:defRPr sz="2800" b="0">
+                <a:solidFill>
+                  <a:schemeClr val="accent1">
+                    <a:lumMod val="75000"/>
+                  </a:schemeClr>
+                </a:solidFill>
+              </a:defRPr>
             </a:lvl1pPr>
             <a:lvl2pPr marL="457200" indent="0">
               <a:buNone/>
@@ -2387,13 +5078,43 @@
         </p:nvSpPr>
         <p:spPr>
           <a:xfrm>
-            <a:off x="839788" y="2505075"/>
-            <a:ext cx="5157787" cy="3684588"/>
+            <a:off x="1484311" y="3335337"/>
+            <a:ext cx="4895056" cy="2455862"/>
           </a:xfrm>
         </p:spPr>
         <p:txBody>
-          <a:bodyPr/>
-          <a:lstStyle/>
+          <a:bodyPr anchor="t">
+            <a:normAutofit/>
+          </a:bodyPr>
+          <a:lstStyle>
+            <a:lvl1pPr>
+              <a:defRPr sz="1800"/>
+            </a:lvl1pPr>
+            <a:lvl2pPr>
+              <a:defRPr sz="1600"/>
+            </a:lvl2pPr>
+            <a:lvl3pPr>
+              <a:defRPr sz="1400"/>
+            </a:lvl3pPr>
+            <a:lvl4pPr>
+              <a:defRPr sz="1200"/>
+            </a:lvl4pPr>
+            <a:lvl5pPr>
+              <a:defRPr sz="1200"/>
+            </a:lvl5pPr>
+            <a:lvl6pPr>
+              <a:defRPr sz="1200"/>
+            </a:lvl6pPr>
+            <a:lvl7pPr>
+              <a:defRPr sz="1200"/>
+            </a:lvl7pPr>
+            <a:lvl8pPr>
+              <a:defRPr sz="1200"/>
+            </a:lvl8pPr>
+            <a:lvl9pPr>
+              <a:defRPr sz="1200"/>
+            </a:lvl9pPr>
+          </a:lstStyle>
           <a:p>
             <a:pPr lvl="0"/>
             <a:r>
@@ -2428,7 +5149,7 @@
               <a:rPr lang="en-US" smtClean="0"/>
               <a:t>Fifth level</a:t>
             </a:r>
-            <a:endParaRPr lang="en-US"/>
+            <a:endParaRPr lang="en-US" dirty="0"/>
           </a:p>
         </p:txBody>
       </p:sp>
@@ -2444,16 +5165,24 @@
         </p:nvSpPr>
         <p:spPr>
           <a:xfrm>
-            <a:off x="6172200" y="1681163"/>
-            <a:ext cx="5183188" cy="823912"/>
+            <a:off x="6880487" y="2667000"/>
+            <a:ext cx="4622537" cy="576262"/>
           </a:xfrm>
         </p:spPr>
         <p:txBody>
-          <a:bodyPr anchor="b"/>
+          <a:bodyPr anchor="b">
+            <a:noAutofit/>
+          </a:bodyPr>
           <a:lstStyle>
             <a:lvl1pPr marL="0" indent="0">
               <a:buNone/>
-              <a:defRPr sz="2400" b="1"/>
+              <a:defRPr sz="2800" b="0">
+                <a:solidFill>
+                  <a:schemeClr val="accent1">
+                    <a:lumMod val="75000"/>
+                  </a:schemeClr>
+                </a:solidFill>
+              </a:defRPr>
             </a:lvl1pPr>
             <a:lvl2pPr marL="457200" indent="0">
               <a:buNone/>
@@ -2509,59 +5238,113 @@
         </p:nvSpPr>
         <p:spPr>
           <a:xfrm>
-            <a:off x="6172200" y="2505075"/>
-            <a:ext cx="5183188" cy="3684588"/>
+            <a:off x="6607967" y="3335337"/>
+            <a:ext cx="4895056" cy="2455862"/>
           </a:xfrm>
         </p:spPr>
         <p:txBody>
+          <a:bodyPr anchor="t">
+            <a:normAutofit/>
+          </a:bodyPr>
+          <a:lstStyle>
+            <a:lvl1pPr>
+              <a:defRPr sz="1800"/>
+            </a:lvl1pPr>
+            <a:lvl2pPr>
+              <a:defRPr sz="1600"/>
+            </a:lvl2pPr>
+            <a:lvl3pPr>
+              <a:defRPr sz="1400"/>
+            </a:lvl3pPr>
+            <a:lvl4pPr>
+              <a:defRPr sz="1200"/>
+            </a:lvl4pPr>
+            <a:lvl5pPr>
+              <a:defRPr sz="1200"/>
+            </a:lvl5pPr>
+            <a:lvl6pPr>
+              <a:defRPr sz="1200"/>
+            </a:lvl6pPr>
+            <a:lvl7pPr>
+              <a:defRPr sz="1200"/>
+            </a:lvl7pPr>
+            <a:lvl8pPr>
+              <a:defRPr sz="1200"/>
+            </a:lvl8pPr>
+            <a:lvl9pPr>
+              <a:defRPr sz="1200"/>
+            </a:lvl9pPr>
+          </a:lstStyle>
+          <a:p>
+            <a:pPr lvl="0"/>
+            <a:r>
+              <a:rPr lang="en-US" smtClean="0"/>
+              <a:t>Click to edit Master text styles</a:t>
+            </a:r>
+          </a:p>
+          <a:p>
+            <a:pPr lvl="1"/>
+            <a:r>
+              <a:rPr lang="en-US" smtClean="0"/>
+              <a:t>Second level</a:t>
+            </a:r>
+          </a:p>
+          <a:p>
+            <a:pPr lvl="2"/>
+            <a:r>
+              <a:rPr lang="en-US" smtClean="0"/>
+              <a:t>Third level</a:t>
+            </a:r>
+          </a:p>
+          <a:p>
+            <a:pPr lvl="3"/>
+            <a:r>
+              <a:rPr lang="en-US" smtClean="0"/>
+              <a:t>Fourth level</a:t>
+            </a:r>
+          </a:p>
+          <a:p>
+            <a:pPr lvl="4"/>
+            <a:r>
+              <a:rPr lang="en-US" smtClean="0"/>
+              <a:t>Fifth level</a:t>
+            </a:r>
+            <a:endParaRPr lang="en-US" dirty="0"/>
+          </a:p>
+        </p:txBody>
+      </p:sp>
+      <p:sp>
+        <p:nvSpPr>
+          <p:cNvPr id="7" name="Date Placeholder 6"/>
+          <p:cNvSpPr>
+            <a:spLocks noGrp="1"/>
+          </p:cNvSpPr>
+          <p:nvPr>
+            <p:ph type="dt" sz="half" idx="10"/>
+          </p:nvPr>
+        </p:nvSpPr>
+        <p:spPr/>
+        <p:txBody>
           <a:bodyPr/>
           <a:lstStyle/>
           <a:p>
-            <a:pPr lvl="0"/>
-            <a:r>
-              <a:rPr lang="en-US" smtClean="0"/>
-              <a:t>Click to edit Master text styles</a:t>
-            </a:r>
-          </a:p>
-          <a:p>
-            <a:pPr lvl="1"/>
-            <a:r>
-              <a:rPr lang="en-US" smtClean="0"/>
-              <a:t>Second level</a:t>
-            </a:r>
-          </a:p>
-          <a:p>
-            <a:pPr lvl="2"/>
-            <a:r>
-              <a:rPr lang="en-US" smtClean="0"/>
-              <a:t>Third level</a:t>
-            </a:r>
-          </a:p>
-          <a:p>
-            <a:pPr lvl="3"/>
-            <a:r>
-              <a:rPr lang="en-US" smtClean="0"/>
-              <a:t>Fourth level</a:t>
-            </a:r>
-          </a:p>
-          <a:p>
-            <a:pPr lvl="4"/>
-            <a:r>
-              <a:rPr lang="en-US" smtClean="0"/>
-              <a:t>Fifth level</a:t>
-            </a:r>
-            <a:endParaRPr lang="en-US"/>
-          </a:p>
-        </p:txBody>
-      </p:sp>
-      <p:sp>
-        <p:nvSpPr>
-          <p:cNvPr id="7" name="Date Placeholder 6"/>
-          <p:cNvSpPr>
-            <a:spLocks noGrp="1"/>
-          </p:cNvSpPr>
-          <p:nvPr>
-            <p:ph type="dt" sz="half" idx="10"/>
+            <a:fld id="{72210C82-80B6-439C-A993-8C06E994D74A}" type="datetime1">
+              <a:rPr lang="en-US" smtClean="0"/>
+              <a:pPr/>
+              <a:t>11/16/2014</a:t>
+            </a:fld>
+            <a:endParaRPr lang="en-US" dirty="0"/>
+          </a:p>
+        </p:txBody>
+      </p:sp>
+      <p:sp>
+        <p:nvSpPr>
+          <p:cNvPr id="8" name="Footer Placeholder 7"/>
+          <p:cNvSpPr>
+            <a:spLocks noGrp="1"/>
+          </p:cNvSpPr>
+          <p:nvPr>
+            <p:ph type="ftr" sz="quarter" idx="11"/>
           </p:nvPr>
         </p:nvSpPr>
         <p:spPr/>
@@ -2569,22 +5352,18 @@
           <a:bodyPr/>
           <a:lstStyle/>
           <a:p>
-            <a:fld id="{31C6ABEE-1E13-4517-BD42-7EE02DD2C424}" type="datetimeFigureOut">
-              <a:rPr lang="en-US" smtClean="0"/>
-              <a:t>11/16/2014</a:t>
-            </a:fld>
-            <a:endParaRPr lang="en-US"/>
-          </a:p>
-        </p:txBody>
-      </p:sp>
-      <p:sp>
-        <p:nvSpPr>
-          <p:cNvPr id="8" name="Footer Placeholder 7"/>
-          <p:cNvSpPr>
-            <a:spLocks noGrp="1"/>
-          </p:cNvSpPr>
-          <p:nvPr>
-            <p:ph type="ftr" sz="quarter" idx="11"/>
+            <a:endParaRPr lang="en-US" dirty="0"/>
+          </a:p>
+        </p:txBody>
+      </p:sp>
+      <p:sp>
+        <p:nvSpPr>
+          <p:cNvPr id="9" name="Slide Number Placeholder 8"/>
+          <p:cNvSpPr>
+            <a:spLocks noGrp="1"/>
+          </p:cNvSpPr>
+          <p:nvPr>
+            <p:ph type="sldNum" sz="quarter" idx="12"/>
           </p:nvPr>
         </p:nvSpPr>
         <p:spPr/>
@@ -2592,37 +5371,19 @@
           <a:bodyPr/>
           <a:lstStyle/>
           <a:p>
-            <a:endParaRPr lang="en-US"/>
-          </a:p>
-        </p:txBody>
-      </p:sp>
-      <p:sp>
-        <p:nvSpPr>
-          <p:cNvPr id="9" name="Slide Number Placeholder 8"/>
-          <p:cNvSpPr>
-            <a:spLocks noGrp="1"/>
-          </p:cNvSpPr>
-          <p:nvPr>
-            <p:ph type="sldNum" sz="quarter" idx="12"/>
-          </p:nvPr>
-        </p:nvSpPr>
-        <p:spPr/>
-        <p:txBody>
-          <a:bodyPr/>
-          <a:lstStyle/>
-          <a:p>
-            <a:fld id="{30F7FCDE-30A6-4F40-B6EA-AE51F264FCC3}" type="slidenum">
-              <a:rPr lang="en-US" smtClean="0"/>
+            <a:fld id="{5C6BB475-B640-4DD3-A1AA-1CF10A44AA06}" type="slidenum">
+              <a:rPr lang="en-US" smtClean="0"/>
+              <a:pPr/>
               <a:t>‹#›</a:t>
             </a:fld>
-            <a:endParaRPr lang="en-US"/>
+            <a:endParaRPr lang="en-US" dirty="0"/>
           </a:p>
         </p:txBody>
       </p:sp>
     </p:spTree>
     <p:extLst>
       <p:ext uri="{BB962C8B-B14F-4D97-AF65-F5344CB8AC3E}">
-        <p14:creationId xmlns:p14="http://schemas.microsoft.com/office/powerpoint/2010/main" val="2166441229"/>
+        <p14:creationId xmlns:p14="http://schemas.microsoft.com/office/powerpoint/2010/main" val="2295292164"/>
       </p:ext>
     </p:extLst>
   </p:cSld>
@@ -2668,7 +5429,7 @@
               <a:rPr lang="en-US" smtClean="0"/>
               <a:t>Click to edit Master title style</a:t>
             </a:r>
-            <a:endParaRPr lang="en-US"/>
+            <a:endParaRPr lang="en-US" dirty="0"/>
           </a:p>
         </p:txBody>
       </p:sp>
@@ -2687,11 +5448,12 @@
           <a:bodyPr/>
           <a:lstStyle/>
           <a:p>
-            <a:fld id="{31C6ABEE-1E13-4517-BD42-7EE02DD2C424}" type="datetimeFigureOut">
-              <a:rPr lang="en-US" smtClean="0"/>
+            <a:fld id="{24A3ABEB-97E0-4DED-AEF3-FAB70F021CC7}" type="datetime1">
+              <a:rPr lang="en-US" smtClean="0"/>
+              <a:pPr/>
               <a:t>11/16/2014</a:t>
             </a:fld>
-            <a:endParaRPr lang="en-US"/>
+            <a:endParaRPr lang="en-US" dirty="0"/>
           </a:p>
         </p:txBody>
       </p:sp>
@@ -2710,7 +5472,7 @@
           <a:bodyPr/>
           <a:lstStyle/>
           <a:p>
-            <a:endParaRPr lang="en-US"/>
+            <a:endParaRPr lang="en-US" dirty="0"/>
           </a:p>
         </p:txBody>
       </p:sp>
@@ -2729,18 +5491,19 @@
           <a:bodyPr/>
           <a:lstStyle/>
           <a:p>
-            <a:fld id="{30F7FCDE-30A6-4F40-B6EA-AE51F264FCC3}" type="slidenum">
-              <a:rPr lang="en-US" smtClean="0"/>
+            <a:fld id="{5C6BB475-B640-4DD3-A1AA-1CF10A44AA06}" type="slidenum">
+              <a:rPr lang="en-US" smtClean="0"/>
+              <a:pPr/>
               <a:t>‹#›</a:t>
             </a:fld>
-            <a:endParaRPr lang="en-US"/>
+            <a:endParaRPr lang="en-US" dirty="0"/>
           </a:p>
         </p:txBody>
       </p:sp>
     </p:spTree>
     <p:extLst>
       <p:ext uri="{BB962C8B-B14F-4D97-AF65-F5344CB8AC3E}">
-        <p14:creationId xmlns:p14="http://schemas.microsoft.com/office/powerpoint/2010/main" val="954194160"/>
+        <p14:creationId xmlns:p14="http://schemas.microsoft.com/office/powerpoint/2010/main" val="1735399666"/>
       </p:ext>
     </p:extLst>
   </p:cSld>
@@ -2782,11 +5545,12 @@
           <a:bodyPr/>
           <a:lstStyle/>
           <a:p>
-            <a:fld id="{31C6ABEE-1E13-4517-BD42-7EE02DD2C424}" type="datetimeFigureOut">
-              <a:rPr lang="en-US" smtClean="0"/>
+            <a:fld id="{FFC76860-5976-4A44-8E7A-96795D52A085}" type="datetime1">
+              <a:rPr lang="en-US" smtClean="0"/>
+              <a:pPr/>
               <a:t>11/16/2014</a:t>
             </a:fld>
-            <a:endParaRPr lang="en-US"/>
+            <a:endParaRPr lang="en-US" dirty="0"/>
           </a:p>
         </p:txBody>
       </p:sp>
@@ -2805,7 +5569,7 @@
           <a:bodyPr/>
           <a:lstStyle/>
           <a:p>
-            <a:endParaRPr lang="en-US"/>
+            <a:endParaRPr lang="en-US" dirty="0"/>
           </a:p>
         </p:txBody>
       </p:sp>
@@ -2824,18 +5588,19 @@
           <a:bodyPr/>
           <a:lstStyle/>
           <a:p>
-            <a:fld id="{30F7FCDE-30A6-4F40-B6EA-AE51F264FCC3}" type="slidenum">
-              <a:rPr lang="en-US" smtClean="0"/>
+            <a:fld id="{5C6BB475-B640-4DD3-A1AA-1CF10A44AA06}" type="slidenum">
+              <a:rPr lang="en-US" smtClean="0"/>
+              <a:pPr/>
               <a:t>‹#›</a:t>
             </a:fld>
-            <a:endParaRPr lang="en-US"/>
+            <a:endParaRPr lang="en-US" dirty="0"/>
           </a:p>
         </p:txBody>
       </p:sp>
     </p:spTree>
     <p:extLst>
       <p:ext uri="{BB962C8B-B14F-4D97-AF65-F5344CB8AC3E}">
-        <p14:creationId xmlns:p14="http://schemas.microsoft.com/office/powerpoint/2010/main" val="1975759969"/>
+        <p14:creationId xmlns:p14="http://schemas.microsoft.com/office/powerpoint/2010/main" val="3927313231"/>
       </p:ext>
     </p:extLst>
   </p:cSld>
@@ -2874,165 +5639,171 @@
         </p:nvSpPr>
         <p:spPr>
           <a:xfrm>
-            <a:off x="839788" y="457200"/>
-            <a:ext cx="3932237" cy="1600200"/>
+            <a:off x="1484312" y="1600200"/>
+            <a:ext cx="3549121" cy="1371600"/>
           </a:xfrm>
         </p:spPr>
         <p:txBody>
-          <a:bodyPr anchor="b"/>
+          <a:bodyPr anchor="b">
+            <a:normAutofit/>
+          </a:bodyPr>
+          <a:lstStyle>
+            <a:lvl1pPr algn="ctr">
+              <a:defRPr sz="2400" b="0"/>
+            </a:lvl1pPr>
+          </a:lstStyle>
+          <a:p>
+            <a:r>
+              <a:rPr lang="en-US" smtClean="0"/>
+              <a:t>Click to edit Master title style</a:t>
+            </a:r>
+            <a:endParaRPr lang="en-US" dirty="0"/>
+          </a:p>
+        </p:txBody>
+      </p:sp>
+      <p:sp>
+        <p:nvSpPr>
+          <p:cNvPr id="3" name="Content Placeholder 2"/>
+          <p:cNvSpPr>
+            <a:spLocks noGrp="1"/>
+          </p:cNvSpPr>
+          <p:nvPr>
+            <p:ph idx="1"/>
+          </p:nvPr>
+        </p:nvSpPr>
+        <p:spPr>
+          <a:xfrm>
+            <a:off x="5262033" y="685799"/>
+            <a:ext cx="6240990" cy="5105401"/>
+          </a:xfrm>
+        </p:spPr>
+        <p:txBody>
+          <a:bodyPr anchor="ctr">
+            <a:normAutofit/>
+          </a:bodyPr>
           <a:lstStyle>
             <a:lvl1pPr>
-              <a:defRPr sz="3200"/>
+              <a:defRPr sz="2000"/>
             </a:lvl1pPr>
+            <a:lvl2pPr>
+              <a:defRPr sz="1800"/>
+            </a:lvl2pPr>
+            <a:lvl3pPr>
+              <a:defRPr sz="1600"/>
+            </a:lvl3pPr>
+            <a:lvl4pPr>
+              <a:defRPr sz="1400"/>
+            </a:lvl4pPr>
+            <a:lvl5pPr>
+              <a:defRPr sz="1400"/>
+            </a:lvl5pPr>
+            <a:lvl6pPr>
+              <a:defRPr sz="1400"/>
+            </a:lvl6pPr>
+            <a:lvl7pPr>
+              <a:defRPr sz="1400"/>
+            </a:lvl7pPr>
+            <a:lvl8pPr>
+              <a:defRPr sz="1400"/>
+            </a:lvl8pPr>
+            <a:lvl9pPr>
+              <a:defRPr sz="1400"/>
+            </a:lvl9pPr>
           </a:lstStyle>
           <a:p>
-            <a:r>
-              <a:rPr lang="en-US" smtClean="0"/>
-              <a:t>Click to edit Master title style</a:t>
-            </a:r>
-            <a:endParaRPr lang="en-US"/>
-          </a:p>
-        </p:txBody>
-      </p:sp>
-      <p:sp>
-        <p:nvSpPr>
-          <p:cNvPr id="3" name="Content Placeholder 2"/>
-          <p:cNvSpPr>
-            <a:spLocks noGrp="1"/>
-          </p:cNvSpPr>
-          <p:nvPr>
-            <p:ph idx="1"/>
+            <a:pPr lvl="0"/>
+            <a:r>
+              <a:rPr lang="en-US" smtClean="0"/>
+              <a:t>Click to edit Master text styles</a:t>
+            </a:r>
+          </a:p>
+          <a:p>
+            <a:pPr lvl="1"/>
+            <a:r>
+              <a:rPr lang="en-US" smtClean="0"/>
+              <a:t>Second level</a:t>
+            </a:r>
+          </a:p>
+          <a:p>
+            <a:pPr lvl="2"/>
+            <a:r>
+              <a:rPr lang="en-US" smtClean="0"/>
+              <a:t>Third level</a:t>
+            </a:r>
+          </a:p>
+          <a:p>
+            <a:pPr lvl="3"/>
+            <a:r>
+              <a:rPr lang="en-US" smtClean="0"/>
+              <a:t>Fourth level</a:t>
+            </a:r>
+          </a:p>
+          <a:p>
+            <a:pPr lvl="4"/>
+            <a:r>
+              <a:rPr lang="en-US" smtClean="0"/>
+              <a:t>Fifth level</a:t>
+            </a:r>
+            <a:endParaRPr lang="en-US" dirty="0"/>
+          </a:p>
+        </p:txBody>
+      </p:sp>
+      <p:sp>
+        <p:nvSpPr>
+          <p:cNvPr id="4" name="Text Placeholder 3"/>
+          <p:cNvSpPr>
+            <a:spLocks noGrp="1"/>
+          </p:cNvSpPr>
+          <p:nvPr>
+            <p:ph type="body" sz="half" idx="2"/>
           </p:nvPr>
         </p:nvSpPr>
         <p:spPr>
           <a:xfrm>
-            <a:off x="5183188" y="987425"/>
-            <a:ext cx="6172200" cy="4873625"/>
+            <a:off x="1484312" y="2971800"/>
+            <a:ext cx="3549121" cy="1828800"/>
           </a:xfrm>
         </p:spPr>
         <p:txBody>
-          <a:bodyPr/>
+          <a:bodyPr>
+            <a:normAutofit/>
+          </a:bodyPr>
           <a:lstStyle>
-            <a:lvl1pPr>
-              <a:defRPr sz="3200"/>
-            </a:lvl1pPr>
-            <a:lvl2pPr>
-              <a:defRPr sz="2800"/>
-            </a:lvl2pPr>
-            <a:lvl3pPr>
-              <a:defRPr sz="2400"/>
-            </a:lvl3pPr>
-            <a:lvl4pPr>
-              <a:defRPr sz="2000"/>
-            </a:lvl4pPr>
-            <a:lvl5pPr>
-              <a:defRPr sz="2000"/>
-            </a:lvl5pPr>
-            <a:lvl6pPr>
-              <a:defRPr sz="2000"/>
-            </a:lvl6pPr>
-            <a:lvl7pPr>
-              <a:defRPr sz="2000"/>
-            </a:lvl7pPr>
-            <a:lvl8pPr>
-              <a:defRPr sz="2000"/>
-            </a:lvl8pPr>
-            <a:lvl9pPr>
-              <a:defRPr sz="2000"/>
-            </a:lvl9pPr>
-          </a:lstStyle>
-          <a:p>
-            <a:pPr lvl="0"/>
-            <a:r>
-              <a:rPr lang="en-US" smtClean="0"/>
-              <a:t>Click to edit Master text styles</a:t>
-            </a:r>
-          </a:p>
-          <a:p>
-            <a:pPr lvl="1"/>
-            <a:r>
-              <a:rPr lang="en-US" smtClean="0"/>
-              <a:t>Second level</a:t>
-            </a:r>
-          </a:p>
-          <a:p>
-            <a:pPr lvl="2"/>
-            <a:r>
-              <a:rPr lang="en-US" smtClean="0"/>
-              <a:t>Third level</a:t>
-            </a:r>
-          </a:p>
-          <a:p>
-            <a:pPr lvl="3"/>
-            <a:r>
-              <a:rPr lang="en-US" smtClean="0"/>
-              <a:t>Fourth level</a:t>
-            </a:r>
-          </a:p>
-          <a:p>
-            <a:pPr lvl="4"/>
-            <a:r>
-              <a:rPr lang="en-US" smtClean="0"/>
-              <a:t>Fifth level</a:t>
-            </a:r>
-            <a:endParaRPr lang="en-US"/>
-          </a:p>
-        </p:txBody>
-      </p:sp>
-      <p:sp>
-        <p:nvSpPr>
-          <p:cNvPr id="4" name="Text Placeholder 3"/>
-          <p:cNvSpPr>
-            <a:spLocks noGrp="1"/>
-          </p:cNvSpPr>
-          <p:nvPr>
-            <p:ph type="body" sz="half" idx="2"/>
-          </p:nvPr>
-        </p:nvSpPr>
-        <p:spPr>
-          <a:xfrm>
-            <a:off x="839788" y="2057400"/>
-            <a:ext cx="3932237" cy="3811588"/>
-          </a:xfrm>
-        </p:spPr>
-        <p:txBody>
-          <a:bodyPr/>
-          <a:lstStyle>
-            <a:lvl1pPr marL="0" indent="0">
+            <a:lvl1pPr marL="0" indent="0" algn="ctr">
               <a:buNone/>
               <a:defRPr sz="1600"/>
             </a:lvl1pPr>
             <a:lvl2pPr marL="457200" indent="0">
               <a:buNone/>
-              <a:defRPr sz="1400"/>
+              <a:defRPr sz="1200"/>
             </a:lvl2pPr>
             <a:lvl3pPr marL="914400" indent="0">
               <a:buNone/>
-              <a:defRPr sz="1200"/>
+              <a:defRPr sz="1000"/>
             </a:lvl3pPr>
             <a:lvl4pPr marL="1371600" indent="0">
               <a:buNone/>
-              <a:defRPr sz="1000"/>
+              <a:defRPr sz="900"/>
             </a:lvl4pPr>
             <a:lvl5pPr marL="1828800" indent="0">
               <a:buNone/>
-              <a:defRPr sz="1000"/>
+              <a:defRPr sz="900"/>
             </a:lvl5pPr>
             <a:lvl6pPr marL="2286000" indent="0">
               <a:buNone/>
-              <a:defRPr sz="1000"/>
+              <a:defRPr sz="900"/>
             </a:lvl6pPr>
             <a:lvl7pPr marL="2743200" indent="0">
               <a:buNone/>
-              <a:defRPr sz="1000"/>
+              <a:defRPr sz="900"/>
             </a:lvl7pPr>
             <a:lvl8pPr marL="3200400" indent="0">
               <a:buNone/>
-              <a:defRPr sz="1000"/>
+              <a:defRPr sz="900"/>
             </a:lvl8pPr>
             <a:lvl9pPr marL="3657600" indent="0">
               <a:buNone/>
-              <a:defRPr sz="1000"/>
+              <a:defRPr sz="900"/>
             </a:lvl9pPr>
           </a:lstStyle>
           <a:p>
@@ -3059,11 +5830,12 @@
           <a:bodyPr/>
           <a:lstStyle/>
           <a:p>
-            <a:fld id="{31C6ABEE-1E13-4517-BD42-7EE02DD2C424}" type="datetimeFigureOut">
-              <a:rPr lang="en-US" smtClean="0"/>
+            <a:fld id="{D041843B-E1B4-43C8-9F5C-31408ABDC424}" type="datetime1">
+              <a:rPr lang="en-US" smtClean="0"/>
+              <a:pPr/>
               <a:t>11/16/2014</a:t>
             </a:fld>
-            <a:endParaRPr lang="en-US"/>
+            <a:endParaRPr lang="en-US" dirty="0"/>
           </a:p>
         </p:txBody>
       </p:sp>
@@ -3082,7 +5854,7 @@
           <a:bodyPr/>
           <a:lstStyle/>
           <a:p>
-            <a:endParaRPr lang="en-US"/>
+            <a:endParaRPr lang="en-US" dirty="0"/>
           </a:p>
         </p:txBody>
       </p:sp>
@@ -3101,18 +5873,19 @@
           <a:bodyPr/>
           <a:lstStyle/>
           <a:p>
-            <a:fld id="{30F7FCDE-30A6-4F40-B6EA-AE51F264FCC3}" type="slidenum">
-              <a:rPr lang="en-US" smtClean="0"/>
+            <a:fld id="{5C6BB475-B640-4DD3-A1AA-1CF10A44AA06}" type="slidenum">
+              <a:rPr lang="en-US" smtClean="0"/>
+              <a:pPr/>
               <a:t>‹#›</a:t>
             </a:fld>
-            <a:endParaRPr lang="en-US"/>
+            <a:endParaRPr lang="en-US" dirty="0"/>
           </a:p>
         </p:txBody>
       </p:sp>
     </p:spTree>
     <p:extLst>
       <p:ext uri="{BB962C8B-B14F-4D97-AF65-F5344CB8AC3E}">
-        <p14:creationId xmlns:p14="http://schemas.microsoft.com/office/powerpoint/2010/main" val="983525884"/>
+        <p14:creationId xmlns:p14="http://schemas.microsoft.com/office/powerpoint/2010/main" val="1948502171"/>
       </p:ext>
     </p:extLst>
   </p:cSld>
@@ -3151,15 +5924,17 @@
         </p:nvSpPr>
         <p:spPr>
           <a:xfrm>
-            <a:off x="839788" y="457200"/>
-            <a:ext cx="3932237" cy="1600200"/>
+            <a:off x="1482724" y="1752599"/>
+            <a:ext cx="5426158" cy="1371600"/>
           </a:xfrm>
         </p:spPr>
         <p:txBody>
-          <a:bodyPr anchor="b"/>
+          <a:bodyPr anchor="b">
+            <a:normAutofit/>
+          </a:bodyPr>
           <a:lstStyle>
-            <a:lvl1pPr>
-              <a:defRPr sz="3200"/>
+            <a:lvl1pPr algn="ctr">
+              <a:defRPr sz="2800" b="0"/>
             </a:lvl1pPr>
           </a:lstStyle>
           <a:p>
@@ -3167,15 +5942,15 @@
               <a:rPr lang="en-US" smtClean="0"/>
               <a:t>Click to edit Master title style</a:t>
             </a:r>
-            <a:endParaRPr lang="en-US"/>
-          </a:p>
-        </p:txBody>
-      </p:sp>
-      <p:sp>
-        <p:nvSpPr>
-          <p:cNvPr id="3" name="Picture Placeholder 2"/>
-          <p:cNvSpPr>
-            <a:spLocks noGrp="1"/>
+            <a:endParaRPr lang="en-US" dirty="0"/>
+          </a:p>
+        </p:txBody>
+      </p:sp>
+      <p:sp>
+        <p:nvSpPr>
+          <p:cNvPr id="14" name="Picture Placeholder 2"/>
+          <p:cNvSpPr>
+            <a:spLocks noGrp="1" noChangeAspect="1"/>
           </p:cNvSpPr>
           <p:nvPr>
             <p:ph type="pic" idx="1"/>
@@ -3183,112 +5958,148 @@
         </p:nvSpPr>
         <p:spPr>
           <a:xfrm>
-            <a:off x="5183188" y="987425"/>
-            <a:ext cx="6172200" cy="4873625"/>
+            <a:off x="7594682" y="914400"/>
+            <a:ext cx="3280974" cy="4572000"/>
           </a:xfrm>
+          <a:prstGeom prst="roundRect">
+            <a:avLst>
+              <a:gd name="adj" fmla="val 4280"/>
+            </a:avLst>
+          </a:prstGeom>
+          <a:ln w="38100">
+            <a:gradFill flip="none" rotWithShape="1">
+              <a:gsLst>
+                <a:gs pos="0">
+                  <a:schemeClr val="bg2"/>
+                </a:gs>
+                <a:gs pos="100000">
+                  <a:schemeClr val="bg2">
+                    <a:lumMod val="75000"/>
+                  </a:schemeClr>
+                </a:gs>
+              </a:gsLst>
+              <a:lin ang="5400000" scaled="0"/>
+              <a:tileRect/>
+            </a:gradFill>
+          </a:ln>
+          <a:effectLst>
+            <a:innerShdw blurRad="57150" dist="38100" dir="14460000">
+              <a:srgbClr val="000000">
+                <a:alpha val="70000"/>
+              </a:srgbClr>
+            </a:innerShdw>
+          </a:effectLst>
         </p:spPr>
         <p:txBody>
-          <a:bodyPr/>
+          <a:bodyPr anchor="t">
+            <a:normAutofit/>
+          </a:bodyPr>
           <a:lstStyle>
-            <a:lvl1pPr marL="0" indent="0">
-              <a:buNone/>
-              <a:defRPr sz="3200"/>
-            </a:lvl1pPr>
-            <a:lvl2pPr marL="457200" indent="0">
-              <a:buNone/>
-              <a:defRPr sz="2800"/>
-            </a:lvl2pPr>
-            <a:lvl3pPr marL="914400" indent="0">
-              <a:buNone/>
-              <a:defRPr sz="2400"/>
-            </a:lvl3pPr>
-            <a:lvl4pPr marL="1371600" indent="0">
-              <a:buNone/>
-              <a:defRPr sz="2000"/>
-            </a:lvl4pPr>
-            <a:lvl5pPr marL="1828800" indent="0">
-              <a:buNone/>
-              <a:defRPr sz="2000"/>
-            </a:lvl5pPr>
-            <a:lvl6pPr marL="2286000" indent="0">
-              <a:buNone/>
-              <a:defRPr sz="2000"/>
-            </a:lvl6pPr>
-            <a:lvl7pPr marL="2743200" indent="0">
-              <a:buNone/>
-              <a:defRPr sz="2000"/>
-            </a:lvl7pPr>
-            <a:lvl8pPr marL="3200400" indent="0">
-              <a:buNone/>
-              <a:defRPr sz="2000"/>
-            </a:lvl8pPr>
-            <a:lvl9pPr marL="3657600" indent="0">
-              <a:buNone/>
-              <a:defRPr sz="2000"/>
-            </a:lvl9pPr>
-          </a:lstStyle>
-          <a:p>
-            <a:endParaRPr lang="en-US"/>
-          </a:p>
-        </p:txBody>
-      </p:sp>
-      <p:sp>
-        <p:nvSpPr>
-          <p:cNvPr id="4" name="Text Placeholder 3"/>
-          <p:cNvSpPr>
-            <a:spLocks noGrp="1"/>
-          </p:cNvSpPr>
-          <p:nvPr>
-            <p:ph type="body" sz="half" idx="2"/>
-          </p:nvPr>
-        </p:nvSpPr>
-        <p:spPr>
-          <a:xfrm>
-            <a:off x="839788" y="2057400"/>
-            <a:ext cx="3932237" cy="3811588"/>
-          </a:xfrm>
-        </p:spPr>
-        <p:txBody>
-          <a:bodyPr/>
-          <a:lstStyle>
-            <a:lvl1pPr marL="0" indent="0">
+            <a:lvl1pPr marL="0" indent="0" algn="ctr">
               <a:buNone/>
               <a:defRPr sz="1600"/>
             </a:lvl1pPr>
             <a:lvl2pPr marL="457200" indent="0">
               <a:buNone/>
-              <a:defRPr sz="1400"/>
+              <a:defRPr sz="1600"/>
             </a:lvl2pPr>
             <a:lvl3pPr marL="914400" indent="0">
               <a:buNone/>
-              <a:defRPr sz="1200"/>
+              <a:defRPr sz="1600"/>
             </a:lvl3pPr>
             <a:lvl4pPr marL="1371600" indent="0">
               <a:buNone/>
-              <a:defRPr sz="1000"/>
+              <a:defRPr sz="1600"/>
             </a:lvl4pPr>
             <a:lvl5pPr marL="1828800" indent="0">
               <a:buNone/>
-              <a:defRPr sz="1000"/>
+              <a:defRPr sz="1600"/>
             </a:lvl5pPr>
             <a:lvl6pPr marL="2286000" indent="0">
               <a:buNone/>
-              <a:defRPr sz="1000"/>
+              <a:defRPr sz="1600"/>
             </a:lvl6pPr>
             <a:lvl7pPr marL="2743200" indent="0">
               <a:buNone/>
-              <a:defRPr sz="1000"/>
+              <a:defRPr sz="1600"/>
             </a:lvl7pPr>
             <a:lvl8pPr marL="3200400" indent="0">
               <a:buNone/>
-              <a:defRPr sz="1000"/>
+              <a:defRPr sz="1600"/>
             </a:lvl8pPr>
             <a:lvl9pPr marL="3657600" indent="0">
               <a:buNone/>
-              <a:defRPr sz="1000"/>
+              <a:defRPr sz="1600"/>
             </a:lvl9pPr>
           </a:lstStyle>
           <a:p>
+            <a:r>
+              <a:rPr lang="en-US" dirty="0" smtClean="0"/>
+              <a:t>Click icon to add picture</a:t>
+            </a:r>
+            <a:endParaRPr lang="en-US" dirty="0"/>
+          </a:p>
+        </p:txBody>
+      </p:sp>
+      <p:sp>
+        <p:nvSpPr>
+          <p:cNvPr id="4" name="Text Placeholder 3"/>
+          <p:cNvSpPr>
+            <a:spLocks noGrp="1"/>
+          </p:cNvSpPr>
+          <p:nvPr>
+            <p:ph type="body" sz="half" idx="2"/>
+          </p:nvPr>
+        </p:nvSpPr>
+        <p:spPr>
+          <a:xfrm>
+            <a:off x="1482724" y="3124199"/>
+            <a:ext cx="5426158" cy="1828800"/>
+          </a:xfrm>
+        </p:spPr>
+        <p:txBody>
+          <a:bodyPr>
+            <a:normAutofit/>
+          </a:bodyPr>
+          <a:lstStyle>
+            <a:lvl1pPr marL="0" indent="0" algn="ctr">
+              <a:buNone/>
+              <a:defRPr sz="1800"/>
+            </a:lvl1pPr>
+            <a:lvl2pPr marL="457200" indent="0">
+              <a:buNone/>
+              <a:defRPr sz="1200"/>
+            </a:lvl2pPr>
+            <a:lvl3pPr marL="914400" indent="0">
+              <a:buNone/>
+              <a:defRPr sz="1000"/>
+            </a:lvl3pPr>
+            <a:lvl4pPr marL="1371600" indent="0">
+              <a:buNone/>
+              <a:defRPr sz="900"/>
+            </a:lvl4pPr>
+            <a:lvl5pPr marL="1828800" indent="0">
+              <a:buNone/>
+              <a:defRPr sz="900"/>
+            </a:lvl5pPr>
+            <a:lvl6pPr marL="2286000" indent="0">
+              <a:buNone/>
+              <a:defRPr sz="900"/>
+            </a:lvl6pPr>
+            <a:lvl7pPr marL="2743200" indent="0">
+              <a:buNone/>
+              <a:defRPr sz="900"/>
+            </a:lvl7pPr>
+            <a:lvl8pPr marL="3200400" indent="0">
+              <a:buNone/>
+              <a:defRPr sz="900"/>
+            </a:lvl8pPr>
+            <a:lvl9pPr marL="3657600" indent="0">
+              <a:buNone/>
+              <a:defRPr sz="900"/>
+            </a:lvl9pPr>
+          </a:lstStyle>
+          <a:p>
             <a:pPr lvl="0"/>
             <a:r>
               <a:rPr lang="en-US" smtClean="0"/>
@@ -3312,11 +6123,12 @@
           <a:bodyPr/>
           <a:lstStyle/>
           <a:p>
-            <a:fld id="{31C6ABEE-1E13-4517-BD42-7EE02DD2C424}" type="datetimeFigureOut">
-              <a:rPr lang="en-US" smtClean="0"/>
+            <a:fld id="{731A8D32-FC45-449B-9B90-E5553677A65C}" type="datetime1">
+              <a:rPr lang="en-US" smtClean="0"/>
+              <a:pPr/>
               <a:t>11/16/2014</a:t>
             </a:fld>
-            <a:endParaRPr lang="en-US"/>
+            <a:endParaRPr lang="en-US" dirty="0"/>
           </a:p>
         </p:txBody>
       </p:sp>
@@ -3335,7 +6147,7 @@
           <a:bodyPr/>
           <a:lstStyle/>
           <a:p>
-            <a:endParaRPr lang="en-US"/>
+            <a:endParaRPr lang="en-US" dirty="0"/>
           </a:p>
         </p:txBody>
       </p:sp>
@@ -3354,18 +6166,19 @@
           <a:bodyPr/>
           <a:lstStyle/>
           <a:p>
-            <a:fld id="{30F7FCDE-30A6-4F40-B6EA-AE51F264FCC3}" type="slidenum">
-              <a:rPr lang="en-US" smtClean="0"/>
+            <a:fld id="{5C6BB475-B640-4DD3-A1AA-1CF10A44AA06}" type="slidenum">
+              <a:rPr lang="en-US" smtClean="0"/>
+              <a:pPr/>
               <a:t>‹#›</a:t>
             </a:fld>
-            <a:endParaRPr lang="en-US"/>
+            <a:endParaRPr lang="en-US" dirty="0"/>
           </a:p>
         </p:txBody>
       </p:sp>
     </p:spTree>
     <p:extLst>
       <p:ext uri="{BB962C8B-B14F-4D97-AF65-F5344CB8AC3E}">
-        <p14:creationId xmlns:p14="http://schemas.microsoft.com/office/powerpoint/2010/main" val="2432144248"/>
+        <p14:creationId xmlns:p14="http://schemas.microsoft.com/office/powerpoint/2010/main" val="2435377897"/>
       </p:ext>
     </p:extLst>
   </p:cSld>
@@ -3379,8 +6192,8 @@
 <p:sldMaster xmlns:a="http://schemas.openxmlformats.org/drawingml/2006/main" xmlns:r="http://schemas.openxmlformats.org/officeDocument/2006/relationships" xmlns:p="http://schemas.openxmlformats.org/presentationml/2006/main">
   <p:cSld>
     <p:bg>
-      <p:bgRef idx="1001">
-        <a:schemeClr val="bg1"/>
+      <p:bgRef idx="1003">
+        <a:schemeClr val="bg2"/>
       </p:bgRef>
     </p:bg>
     <p:spTree>
@@ -3397,6 +6210,322 @@
           <a:chExt cx="0" cy="0"/>
         </a:xfrm>
       </p:grpSpPr>
+      <p:grpSp>
+        <p:nvGrpSpPr>
+          <p:cNvPr id="7" name="Group 6"/>
+          <p:cNvGrpSpPr/>
+          <p:nvPr/>
+        </p:nvGrpSpPr>
+        <p:grpSpPr>
+          <a:xfrm>
+            <a:off x="150812" y="0"/>
+            <a:ext cx="2436813" cy="6858001"/>
+            <a:chOff x="1320800" y="0"/>
+            <a:chExt cx="2436813" cy="6858001"/>
+          </a:xfrm>
+        </p:grpSpPr>
+        <p:sp>
+          <p:nvSpPr>
+            <p:cNvPr id="8" name="Freeform 6"/>
+            <p:cNvSpPr/>
+            <p:nvPr/>
+          </p:nvSpPr>
+          <p:spPr bwMode="auto">
+            <a:xfrm>
+              <a:off x="1627188" y="0"/>
+              <a:ext cx="1122363" cy="5329238"/>
+            </a:xfrm>
+            <a:custGeom>
+              <a:avLst/>
+              <a:gdLst/>
+              <a:ahLst/>
+              <a:cxnLst/>
+              <a:rect l="0" t="0" r="r" b="b"/>
+              <a:pathLst>
+                <a:path w="707" h="3357">
+                  <a:moveTo>
+                    <a:pt x="0" y="3330"/>
+                  </a:moveTo>
+                  <a:lnTo>
+                    <a:pt x="156" y="3357"/>
+                  </a:lnTo>
+                  <a:lnTo>
+                    <a:pt x="707" y="0"/>
+                  </a:lnTo>
+                  <a:lnTo>
+                    <a:pt x="547" y="0"/>
+                  </a:lnTo>
+                  <a:lnTo>
+                    <a:pt x="0" y="3330"/>
+                  </a:lnTo>
+                  <a:close/>
+                </a:path>
+              </a:pathLst>
+            </a:custGeom>
+            <a:solidFill>
+              <a:schemeClr val="accent1"/>
+            </a:solidFill>
+            <a:ln>
+              <a:noFill/>
+            </a:ln>
+          </p:spPr>
+        </p:sp>
+        <p:sp>
+          <p:nvSpPr>
+            <p:cNvPr id="9" name="Freeform 7"/>
+            <p:cNvSpPr/>
+            <p:nvPr/>
+          </p:nvSpPr>
+          <p:spPr bwMode="auto">
+            <a:xfrm>
+              <a:off x="1320800" y="0"/>
+              <a:ext cx="1117600" cy="5276850"/>
+            </a:xfrm>
+            <a:custGeom>
+              <a:avLst/>
+              <a:gdLst/>
+              <a:ahLst/>
+              <a:cxnLst/>
+              <a:rect l="0" t="0" r="r" b="b"/>
+              <a:pathLst>
+                <a:path w="704" h="3324">
+                  <a:moveTo>
+                    <a:pt x="704" y="0"/>
+                  </a:moveTo>
+                  <a:lnTo>
+                    <a:pt x="545" y="0"/>
+                  </a:lnTo>
+                  <a:lnTo>
+                    <a:pt x="0" y="3300"/>
+                  </a:lnTo>
+                  <a:lnTo>
+                    <a:pt x="157" y="3324"/>
+                  </a:lnTo>
+                  <a:lnTo>
+                    <a:pt x="704" y="0"/>
+                  </a:lnTo>
+                  <a:close/>
+                </a:path>
+              </a:pathLst>
+            </a:custGeom>
+            <a:solidFill>
+              <a:schemeClr val="tx1">
+                <a:lumMod val="65000"/>
+                <a:lumOff val="35000"/>
+              </a:schemeClr>
+            </a:solidFill>
+            <a:ln>
+              <a:noFill/>
+            </a:ln>
+          </p:spPr>
+        </p:sp>
+        <p:sp>
+          <p:nvSpPr>
+            <p:cNvPr id="10" name="Freeform 8"/>
+            <p:cNvSpPr/>
+            <p:nvPr/>
+          </p:nvSpPr>
+          <p:spPr bwMode="auto">
+            <a:xfrm>
+              <a:off x="1320800" y="5238750"/>
+              <a:ext cx="1228725" cy="1619250"/>
+            </a:xfrm>
+            <a:custGeom>
+              <a:avLst/>
+              <a:gdLst/>
+              <a:ahLst/>
+              <a:cxnLst/>
+              <a:rect l="0" t="0" r="r" b="b"/>
+              <a:pathLst>
+                <a:path w="774" h="1020">
+                  <a:moveTo>
+                    <a:pt x="0" y="0"/>
+                  </a:moveTo>
+                  <a:lnTo>
+                    <a:pt x="740" y="1020"/>
+                  </a:lnTo>
+                  <a:lnTo>
+                    <a:pt x="774" y="1020"/>
+                  </a:lnTo>
+                  <a:lnTo>
+                    <a:pt x="0" y="0"/>
+                  </a:lnTo>
+                  <a:close/>
+                </a:path>
+              </a:pathLst>
+            </a:custGeom>
+            <a:solidFill>
+              <a:schemeClr val="tx1">
+                <a:lumMod val="85000"/>
+                <a:lumOff val="15000"/>
+              </a:schemeClr>
+            </a:solidFill>
+            <a:ln>
+              <a:noFill/>
+            </a:ln>
+          </p:spPr>
+        </p:sp>
+        <p:sp>
+          <p:nvSpPr>
+            <p:cNvPr id="11" name="Freeform 9"/>
+            <p:cNvSpPr/>
+            <p:nvPr/>
+          </p:nvSpPr>
+          <p:spPr bwMode="auto">
+            <a:xfrm>
+              <a:off x="1627188" y="5291138"/>
+              <a:ext cx="1495425" cy="1566863"/>
+            </a:xfrm>
+            <a:custGeom>
+              <a:avLst/>
+              <a:gdLst/>
+              <a:ahLst/>
+              <a:cxnLst/>
+              <a:rect l="0" t="0" r="r" b="b"/>
+              <a:pathLst>
+                <a:path w="942" h="987">
+                  <a:moveTo>
+                    <a:pt x="0" y="0"/>
+                  </a:moveTo>
+                  <a:lnTo>
+                    <a:pt x="909" y="987"/>
+                  </a:lnTo>
+                  <a:lnTo>
+                    <a:pt x="942" y="987"/>
+                  </a:lnTo>
+                  <a:lnTo>
+                    <a:pt x="0" y="0"/>
+                  </a:lnTo>
+                  <a:close/>
+                </a:path>
+              </a:pathLst>
+            </a:custGeom>
+            <a:solidFill>
+              <a:schemeClr val="accent1">
+                <a:lumMod val="50000"/>
+              </a:schemeClr>
+            </a:solidFill>
+            <a:ln>
+              <a:noFill/>
+            </a:ln>
+          </p:spPr>
+        </p:sp>
+        <p:sp>
+          <p:nvSpPr>
+            <p:cNvPr id="12" name="Freeform 10"/>
+            <p:cNvSpPr/>
+            <p:nvPr/>
+          </p:nvSpPr>
+          <p:spPr bwMode="auto">
+            <a:xfrm>
+              <a:off x="1627188" y="5286375"/>
+              <a:ext cx="2130425" cy="1571625"/>
+            </a:xfrm>
+            <a:custGeom>
+              <a:avLst/>
+              <a:gdLst/>
+              <a:ahLst/>
+              <a:cxnLst/>
+              <a:rect l="0" t="0" r="r" b="b"/>
+              <a:pathLst>
+                <a:path w="1342" h="990">
+                  <a:moveTo>
+                    <a:pt x="0" y="3"/>
+                  </a:moveTo>
+                  <a:lnTo>
+                    <a:pt x="942" y="990"/>
+                  </a:lnTo>
+                  <a:lnTo>
+                    <a:pt x="1342" y="990"/>
+                  </a:lnTo>
+                  <a:lnTo>
+                    <a:pt x="156" y="27"/>
+                  </a:lnTo>
+                  <a:lnTo>
+                    <a:pt x="0" y="0"/>
+                  </a:lnTo>
+                  <a:lnTo>
+                    <a:pt x="0" y="3"/>
+                  </a:lnTo>
+                  <a:close/>
+                </a:path>
+              </a:pathLst>
+            </a:custGeom>
+            <a:solidFill>
+              <a:schemeClr val="accent1">
+                <a:lumMod val="75000"/>
+              </a:schemeClr>
+            </a:solidFill>
+            <a:ln>
+              <a:noFill/>
+            </a:ln>
+          </p:spPr>
+        </p:sp>
+        <p:sp>
+          <p:nvSpPr>
+            <p:cNvPr id="13" name="Freeform 11"/>
+            <p:cNvSpPr/>
+            <p:nvPr/>
+          </p:nvSpPr>
+          <p:spPr bwMode="auto">
+            <a:xfrm>
+              <a:off x="1320800" y="5238750"/>
+              <a:ext cx="1695450" cy="1619250"/>
+            </a:xfrm>
+            <a:custGeom>
+              <a:avLst/>
+              <a:gdLst/>
+              <a:ahLst/>
+              <a:cxnLst/>
+              <a:rect l="0" t="0" r="r" b="b"/>
+              <a:pathLst>
+                <a:path w="1068" h="1020">
+                  <a:moveTo>
+                    <a:pt x="1068" y="1020"/>
+                  </a:moveTo>
+                  <a:lnTo>
+                    <a:pt x="184" y="60"/>
+                  </a:lnTo>
+                  <a:lnTo>
+                    <a:pt x="154" y="27"/>
+                  </a:lnTo>
+                  <a:lnTo>
+                    <a:pt x="157" y="27"/>
+                  </a:lnTo>
+                  <a:lnTo>
+                    <a:pt x="157" y="24"/>
+                  </a:lnTo>
+                  <a:lnTo>
+                    <a:pt x="154" y="24"/>
+                  </a:lnTo>
+                  <a:lnTo>
+                    <a:pt x="0" y="0"/>
+                  </a:lnTo>
+                  <a:lnTo>
+                    <a:pt x="0" y="0"/>
+                  </a:lnTo>
+                  <a:lnTo>
+                    <a:pt x="774" y="1020"/>
+                  </a:lnTo>
+                  <a:lnTo>
+                    <a:pt x="1068" y="1020"/>
+                  </a:lnTo>
+                  <a:close/>
+                </a:path>
+              </a:pathLst>
+            </a:custGeom>
+            <a:solidFill>
+              <a:schemeClr val="tx1">
+                <a:lumMod val="75000"/>
+                <a:lumOff val="25000"/>
+              </a:schemeClr>
+            </a:solidFill>
+            <a:ln>
+              <a:noFill/>
+            </a:ln>
+          </p:spPr>
+        </p:sp>
+      </p:grpSp>
       <p:sp>
         <p:nvSpPr>
           <p:cNvPr id="2" name="Title Placeholder 1"/>
@@ -3409,8 +6538,42 @@
         </p:nvSpPr>
         <p:spPr>
           <a:xfrm>
-            <a:off x="838200" y="365125"/>
-            <a:ext cx="10515600" cy="1325563"/>
+            <a:off x="1484311" y="685800"/>
+            <a:ext cx="10018713" cy="1752599"/>
+          </a:xfrm>
+          <a:prstGeom prst="rect">
+            <a:avLst/>
+          </a:prstGeom>
+          <a:effectLst/>
+        </p:spPr>
+        <p:txBody>
+          <a:bodyPr vert="horz" lIns="91440" tIns="45720" rIns="91440" bIns="45720" rtlCol="0" anchor="ctr">
+            <a:normAutofit/>
+          </a:bodyPr>
+          <a:lstStyle/>
+          <a:p>
+            <a:r>
+              <a:rPr lang="en-US" smtClean="0"/>
+              <a:t>Click to edit Master title style</a:t>
+            </a:r>
+            <a:endParaRPr lang="en-US" dirty="0"/>
+          </a:p>
+        </p:txBody>
+      </p:sp>
+      <p:sp>
+        <p:nvSpPr>
+          <p:cNvPr id="3" name="Text Placeholder 2"/>
+          <p:cNvSpPr>
+            <a:spLocks noGrp="1"/>
+          </p:cNvSpPr>
+          <p:nvPr>
+            <p:ph type="body" idx="1"/>
+          </p:nvPr>
+        </p:nvSpPr>
+        <p:spPr>
+          <a:xfrm>
+            <a:off x="1484310" y="2666999"/>
+            <a:ext cx="10018713" cy="3124201"/>
           </a:xfrm>
           <a:prstGeom prst="rect">
             <a:avLst/>
@@ -3422,90 +6585,99 @@
           </a:bodyPr>
           <a:lstStyle/>
           <a:p>
-            <a:r>
-              <a:rPr lang="en-US" smtClean="0"/>
-              <a:t>Click to edit Master title style</a:t>
-            </a:r>
-            <a:endParaRPr lang="en-US"/>
-          </a:p>
-        </p:txBody>
-      </p:sp>
-      <p:sp>
-        <p:nvSpPr>
-          <p:cNvPr id="3" name="Text Placeholder 2"/>
-          <p:cNvSpPr>
-            <a:spLocks noGrp="1"/>
-          </p:cNvSpPr>
-          <p:nvPr>
-            <p:ph type="body" idx="1"/>
+            <a:pPr lvl="0"/>
+            <a:r>
+              <a:rPr lang="en-US" smtClean="0"/>
+              <a:t>Click to edit Master text styles</a:t>
+            </a:r>
+          </a:p>
+          <a:p>
+            <a:pPr lvl="1"/>
+            <a:r>
+              <a:rPr lang="en-US" smtClean="0"/>
+              <a:t>Second level</a:t>
+            </a:r>
+          </a:p>
+          <a:p>
+            <a:pPr lvl="2"/>
+            <a:r>
+              <a:rPr lang="en-US" smtClean="0"/>
+              <a:t>Third level</a:t>
+            </a:r>
+          </a:p>
+          <a:p>
+            <a:pPr lvl="3"/>
+            <a:r>
+              <a:rPr lang="en-US" smtClean="0"/>
+              <a:t>Fourth level</a:t>
+            </a:r>
+          </a:p>
+          <a:p>
+            <a:pPr lvl="4"/>
+            <a:r>
+              <a:rPr lang="en-US" smtClean="0"/>
+              <a:t>Fifth level</a:t>
+            </a:r>
+            <a:endParaRPr lang="en-US" dirty="0"/>
+          </a:p>
+        </p:txBody>
+      </p:sp>
+      <p:sp>
+        <p:nvSpPr>
+          <p:cNvPr id="4" name="Date Placeholder 3"/>
+          <p:cNvSpPr>
+            <a:spLocks noGrp="1"/>
+          </p:cNvSpPr>
+          <p:nvPr>
+            <p:ph type="dt" sz="half" idx="2"/>
           </p:nvPr>
         </p:nvSpPr>
         <p:spPr>
           <a:xfrm>
-            <a:off x="838200" y="1825625"/>
-            <a:ext cx="10515600" cy="4351338"/>
+            <a:off x="9732656" y="5883275"/>
+            <a:ext cx="1143000" cy="365125"/>
           </a:xfrm>
           <a:prstGeom prst="rect">
             <a:avLst/>
           </a:prstGeom>
         </p:spPr>
         <p:txBody>
-          <a:bodyPr vert="horz" lIns="91440" tIns="45720" rIns="91440" bIns="45720" rtlCol="0">
-            <a:normAutofit/>
-          </a:bodyPr>
-          <a:lstStyle/>
-          <a:p>
-            <a:pPr lvl="0"/>
-            <a:r>
-              <a:rPr lang="en-US" smtClean="0"/>
-              <a:t>Click to edit Master text styles</a:t>
-            </a:r>
-          </a:p>
-          <a:p>
-            <a:pPr lvl="1"/>
-            <a:r>
-              <a:rPr lang="en-US" smtClean="0"/>
-              <a:t>Second level</a:t>
-            </a:r>
-          </a:p>
-          <a:p>
-            <a:pPr lvl="2"/>
-            <a:r>
-              <a:rPr lang="en-US" smtClean="0"/>
-              <a:t>Third level</a:t>
-            </a:r>
-          </a:p>
-          <a:p>
-            <a:pPr lvl="3"/>
-            <a:r>
-              <a:rPr lang="en-US" smtClean="0"/>
-              <a:t>Fourth level</a:t>
-            </a:r>
-          </a:p>
-          <a:p>
-            <a:pPr lvl="4"/>
-            <a:r>
-              <a:rPr lang="en-US" smtClean="0"/>
-              <a:t>Fifth level</a:t>
-            </a:r>
-            <a:endParaRPr lang="en-US"/>
-          </a:p>
-        </p:txBody>
-      </p:sp>
-      <p:sp>
-        <p:nvSpPr>
-          <p:cNvPr id="4" name="Date Placeholder 3"/>
-          <p:cNvSpPr>
-            <a:spLocks noGrp="1"/>
-          </p:cNvSpPr>
-          <p:nvPr>
-            <p:ph type="dt" sz="half" idx="2"/>
+          <a:bodyPr vert="horz" lIns="91440" tIns="45720" rIns="91440" bIns="45720" rtlCol="0" anchor="ctr"/>
+          <a:lstStyle>
+            <a:lvl1pPr algn="r">
+              <a:defRPr sz="1000" b="0" i="0">
+                <a:solidFill>
+                  <a:schemeClr val="tx1"/>
+                </a:solidFill>
+                <a:effectLst/>
+                <a:latin typeface="+mn-lt"/>
+              </a:defRPr>
+            </a:lvl1pPr>
+          </a:lstStyle>
+          <a:p>
+            <a:fld id="{5E17704D-19AD-47EC-889C-2F8A90D9F71A}" type="datetime1">
+              <a:rPr lang="en-US" smtClean="0"/>
+              <a:pPr/>
+              <a:t>11/16/2014</a:t>
+            </a:fld>
+            <a:endParaRPr lang="en-US" dirty="0"/>
+          </a:p>
+        </p:txBody>
+      </p:sp>
+      <p:sp>
+        <p:nvSpPr>
+          <p:cNvPr id="5" name="Footer Placeholder 4"/>
+          <p:cNvSpPr>
+            <a:spLocks noGrp="1"/>
+          </p:cNvSpPr>
+          <p:nvPr>
+            <p:ph type="ftr" sz="quarter" idx="3"/>
           </p:nvPr>
         </p:nvSpPr>
         <p:spPr>
           <a:xfrm>
-            <a:off x="838200" y="6356350"/>
-            <a:ext cx="2743200" cy="365125"/>
+            <a:off x="2572279" y="5883275"/>
+            <a:ext cx="7084177" cy="365125"/>
           </a:xfrm>
           <a:prstGeom prst="rect">
             <a:avLst/>
@@ -3515,38 +6687,34 @@
           <a:bodyPr vert="horz" lIns="91440" tIns="45720" rIns="91440" bIns="45720" rtlCol="0" anchor="ctr"/>
           <a:lstStyle>
             <a:lvl1pPr algn="l">
-              <a:defRPr sz="1200">
-                <a:solidFill>
-                  <a:schemeClr val="tx1">
-                    <a:tint val="75000"/>
-                  </a:schemeClr>
-                </a:solidFill>
+              <a:defRPr sz="1000" b="0" i="0">
+                <a:solidFill>
+                  <a:schemeClr val="tx1"/>
+                </a:solidFill>
+                <a:effectLst/>
+                <a:latin typeface="+mn-lt"/>
               </a:defRPr>
             </a:lvl1pPr>
           </a:lstStyle>
           <a:p>
-            <a:fld id="{31C6ABEE-1E13-4517-BD42-7EE02DD2C424}" type="datetimeFigureOut">
-              <a:rPr lang="en-US" smtClean="0"/>
-              <a:t>11/16/2014</a:t>
-            </a:fld>
-            <a:endParaRPr lang="en-US"/>
-          </a:p>
-        </p:txBody>
-      </p:sp>
-      <p:sp>
-        <p:nvSpPr>
-          <p:cNvPr id="5" name="Footer Placeholder 4"/>
-          <p:cNvSpPr>
-            <a:spLocks noGrp="1"/>
-          </p:cNvSpPr>
-          <p:nvPr>
-            <p:ph type="ftr" sz="quarter" idx="3"/>
+            <a:endParaRPr lang="en-US" dirty="0"/>
+          </a:p>
+        </p:txBody>
+      </p:sp>
+      <p:sp>
+        <p:nvSpPr>
+          <p:cNvPr id="6" name="Slide Number Placeholder 5"/>
+          <p:cNvSpPr>
+            <a:spLocks noGrp="1"/>
+          </p:cNvSpPr>
+          <p:nvPr>
+            <p:ph type="sldNum" sz="quarter" idx="4"/>
           </p:nvPr>
         </p:nvSpPr>
         <p:spPr>
           <a:xfrm>
-            <a:off x="4038600" y="6356350"/>
-            <a:ext cx="4114800" cy="365125"/>
+            <a:off x="10951856" y="5883275"/>
+            <a:ext cx="551167" cy="365125"/>
           </a:xfrm>
           <a:prstGeom prst="rect">
             <a:avLst/>
@@ -3555,261 +6723,352 @@
         <p:txBody>
           <a:bodyPr vert="horz" lIns="91440" tIns="45720" rIns="91440" bIns="45720" rtlCol="0" anchor="ctr"/>
           <a:lstStyle>
-            <a:lvl1pPr algn="ctr">
-              <a:defRPr sz="1200">
-                <a:solidFill>
-                  <a:schemeClr val="tx1">
-                    <a:tint val="75000"/>
-                  </a:schemeClr>
-                </a:solidFill>
+            <a:lvl1pPr algn="r">
+              <a:defRPr sz="1000" b="0" i="0">
+                <a:solidFill>
+                  <a:schemeClr val="tx1"/>
+                </a:solidFill>
+                <a:effectLst/>
+                <a:latin typeface="+mn-lt"/>
               </a:defRPr>
             </a:lvl1pPr>
           </a:lstStyle>
           <a:p>
-            <a:endParaRPr lang="en-US"/>
-          </a:p>
-        </p:txBody>
-      </p:sp>
-      <p:sp>
-        <p:nvSpPr>
-          <p:cNvPr id="6" name="Slide Number Placeholder 5"/>
-          <p:cNvSpPr>
-            <a:spLocks noGrp="1"/>
-          </p:cNvSpPr>
-          <p:nvPr>
-            <p:ph type="sldNum" sz="quarter" idx="4"/>
-          </p:nvPr>
-        </p:nvSpPr>
-        <p:spPr>
-          <a:xfrm>
-            <a:off x="8610600" y="6356350"/>
-            <a:ext cx="2743200" cy="365125"/>
-          </a:xfrm>
-          <a:prstGeom prst="rect">
-            <a:avLst/>
-          </a:prstGeom>
-        </p:spPr>
-        <p:txBody>
-          <a:bodyPr vert="horz" lIns="91440" tIns="45720" rIns="91440" bIns="45720" rtlCol="0" anchor="ctr"/>
-          <a:lstStyle>
-            <a:lvl1pPr algn="r">
-              <a:defRPr sz="1200">
-                <a:solidFill>
-                  <a:schemeClr val="tx1">
-                    <a:tint val="75000"/>
-                  </a:schemeClr>
-                </a:solidFill>
-              </a:defRPr>
-            </a:lvl1pPr>
-          </a:lstStyle>
-          <a:p>
-            <a:fld id="{30F7FCDE-30A6-4F40-B6EA-AE51F264FCC3}" type="slidenum">
-              <a:rPr lang="en-US" smtClean="0"/>
+            <a:fld id="{5C6BB475-B640-4DD3-A1AA-1CF10A44AA06}" type="slidenum">
+              <a:rPr lang="en-US" smtClean="0"/>
+              <a:pPr/>
               <a:t>‹#›</a:t>
             </a:fld>
-            <a:endParaRPr lang="en-US"/>
+            <a:endParaRPr lang="en-US" dirty="0"/>
           </a:p>
         </p:txBody>
       </p:sp>
     </p:spTree>
     <p:extLst>
       <p:ext uri="{BB962C8B-B14F-4D97-AF65-F5344CB8AC3E}">
-        <p14:creationId xmlns:p14="http://schemas.microsoft.com/office/powerpoint/2010/main" val="591689478"/>
+        <p14:creationId xmlns:p14="http://schemas.microsoft.com/office/powerpoint/2010/main" val="3056637581"/>
       </p:ext>
     </p:extLst>
   </p:cSld>
   <p:clrMap bg1="lt1" tx1="dk1" bg2="lt2" tx2="dk2" accent1="accent1" accent2="accent2" accent3="accent3" accent4="accent4" accent5="accent5" accent6="accent6" hlink="hlink" folHlink="folHlink"/>
   <p:sldLayoutIdLst>
-    <p:sldLayoutId id="2147483649" r:id="rId1"/>
-    <p:sldLayoutId id="2147483650" r:id="rId2"/>
-    <p:sldLayoutId id="2147483651" r:id="rId3"/>
-    <p:sldLayoutId id="2147483652" r:id="rId4"/>
-    <p:sldLayoutId id="2147483653" r:id="rId5"/>
-    <p:sldLayoutId id="2147483654" r:id="rId6"/>
-    <p:sldLayoutId id="2147483655" r:id="rId7"/>
-    <p:sldLayoutId id="2147483656" r:id="rId8"/>
-    <p:sldLayoutId id="2147483657" r:id="rId9"/>
-    <p:sldLayoutId id="2147483658" r:id="rId10"/>
-    <p:sldLayoutId id="2147483659" r:id="rId11"/>
+    <p:sldLayoutId id="2147483679" r:id="rId1"/>
+    <p:sldLayoutId id="2147483680" r:id="rId2"/>
+    <p:sldLayoutId id="2147483681" r:id="rId3"/>
+    <p:sldLayoutId id="2147483682" r:id="rId4"/>
+    <p:sldLayoutId id="2147483683" r:id="rId5"/>
+    <p:sldLayoutId id="2147483684" r:id="rId6"/>
+    <p:sldLayoutId id="2147483685" r:id="rId7"/>
+    <p:sldLayoutId id="2147483686" r:id="rId8"/>
+    <p:sldLayoutId id="2147483687" r:id="rId9"/>
+    <p:sldLayoutId id="2147483688" r:id="rId10"/>
+    <p:sldLayoutId id="2147483689" r:id="rId11"/>
+    <p:sldLayoutId id="2147483690" r:id="rId12"/>
+    <p:sldLayoutId id="2147483691" r:id="rId13"/>
+    <p:sldLayoutId id="2147483692" r:id="rId14"/>
+    <p:sldLayoutId id="2147483693" r:id="rId15"/>
+    <p:sldLayoutId id="2147483694" r:id="rId16"/>
+    <p:sldLayoutId id="2147483695" r:id="rId17"/>
   </p:sldLayoutIdLst>
+  <p:hf hdr="0" ftr="0" dt="0"/>
   <p:txStyles>
     <p:titleStyle>
-      <a:lvl1pPr algn="l" defTabSz="914400" rtl="0" eaLnBrk="1" latinLnBrk="0" hangingPunct="1">
-        <a:lnSpc>
-          <a:spcPct val="90000"/>
-        </a:lnSpc>
+      <a:lvl1pPr algn="ctr" defTabSz="457200" rtl="0" eaLnBrk="1" latinLnBrk="0" hangingPunct="1">
         <a:spcBef>
           <a:spcPct val="0"/>
         </a:spcBef>
         <a:buNone/>
-        <a:defRPr sz="4400" kern="1200">
+        <a:defRPr sz="4000" kern="1200" cap="none">
+          <a:ln w="3175" cmpd="sng">
+            <a:noFill/>
+          </a:ln>
           <a:solidFill>
             <a:schemeClr val="tx1"/>
           </a:solidFill>
+          <a:effectLst/>
           <a:latin typeface="+mj-lt"/>
           <a:ea typeface="+mj-ea"/>
           <a:cs typeface="+mj-cs"/>
         </a:defRPr>
       </a:lvl1pPr>
+      <a:lvl2pPr eaLnBrk="1" hangingPunct="1">
+        <a:defRPr>
+          <a:solidFill>
+            <a:schemeClr val="tx2"/>
+          </a:solidFill>
+        </a:defRPr>
+      </a:lvl2pPr>
+      <a:lvl3pPr eaLnBrk="1" hangingPunct="1">
+        <a:defRPr>
+          <a:solidFill>
+            <a:schemeClr val="tx2"/>
+          </a:solidFill>
+        </a:defRPr>
+      </a:lvl3pPr>
+      <a:lvl4pPr eaLnBrk="1" hangingPunct="1">
+        <a:defRPr>
+          <a:solidFill>
+            <a:schemeClr val="tx2"/>
+          </a:solidFill>
+        </a:defRPr>
+      </a:lvl4pPr>
+      <a:lvl5pPr eaLnBrk="1" hangingPunct="1">
+        <a:defRPr>
+          <a:solidFill>
+            <a:schemeClr val="tx2"/>
+          </a:solidFill>
+        </a:defRPr>
+      </a:lvl5pPr>
+      <a:lvl6pPr eaLnBrk="1" hangingPunct="1">
+        <a:defRPr>
+          <a:solidFill>
+            <a:schemeClr val="tx2"/>
+          </a:solidFill>
+        </a:defRPr>
+      </a:lvl6pPr>
+      <a:lvl7pPr eaLnBrk="1" hangingPunct="1">
+        <a:defRPr>
+          <a:solidFill>
+            <a:schemeClr val="tx2"/>
+          </a:solidFill>
+        </a:defRPr>
+      </a:lvl7pPr>
+      <a:lvl8pPr eaLnBrk="1" hangingPunct="1">
+        <a:defRPr>
+          <a:solidFill>
+            <a:schemeClr val="tx2"/>
+          </a:solidFill>
+        </a:defRPr>
+      </a:lvl8pPr>
+      <a:lvl9pPr eaLnBrk="1" hangingPunct="1">
+        <a:defRPr>
+          <a:solidFill>
+            <a:schemeClr val="tx2"/>
+          </a:solidFill>
+        </a:defRPr>
+      </a:lvl9pPr>
     </p:titleStyle>
     <p:bodyStyle>
-      <a:lvl1pPr marL="228600" indent="-228600" algn="l" defTabSz="914400" rtl="0" eaLnBrk="1" latinLnBrk="0" hangingPunct="1">
-        <a:lnSpc>
-          <a:spcPct val="90000"/>
-        </a:lnSpc>
+      <a:lvl1pPr marL="285750" indent="-285750" algn="l" defTabSz="457200" rtl="0" eaLnBrk="1" latinLnBrk="0" hangingPunct="1">
         <a:spcBef>
-          <a:spcPts val="1000"/>
+          <a:spcPct val="20000"/>
         </a:spcBef>
-        <a:buFont typeface="Arial" panose="020B0604020202020204" pitchFamily="34" charset="0"/>
+        <a:spcAft>
+          <a:spcPts val="600"/>
+        </a:spcAft>
+        <a:buClr>
+          <a:schemeClr val="accent1">
+            <a:lumMod val="75000"/>
+          </a:schemeClr>
+        </a:buClr>
+        <a:buSzPct val="145000"/>
+        <a:buFont typeface="Arial"/>
         <a:buChar char="•"/>
-        <a:defRPr sz="2800" kern="1200">
+        <a:defRPr sz="2400" kern="1200" cap="none">
           <a:solidFill>
             <a:schemeClr val="tx1"/>
           </a:solidFill>
+          <a:effectLst/>
           <a:latin typeface="+mn-lt"/>
           <a:ea typeface="+mn-ea"/>
           <a:cs typeface="+mn-cs"/>
         </a:defRPr>
       </a:lvl1pPr>
-      <a:lvl2pPr marL="685800" indent="-228600" algn="l" defTabSz="914400" rtl="0" eaLnBrk="1" latinLnBrk="0" hangingPunct="1">
-        <a:lnSpc>
-          <a:spcPct val="90000"/>
-        </a:lnSpc>
+      <a:lvl2pPr marL="742950" indent="-285750" algn="l" defTabSz="457200" rtl="0" eaLnBrk="1" latinLnBrk="0" hangingPunct="1">
         <a:spcBef>
-          <a:spcPts val="500"/>
+          <a:spcPct val="20000"/>
         </a:spcBef>
-        <a:buFont typeface="Arial" panose="020B0604020202020204" pitchFamily="34" charset="0"/>
+        <a:spcAft>
+          <a:spcPts val="600"/>
+        </a:spcAft>
+        <a:buClr>
+          <a:schemeClr val="accent1">
+            <a:lumMod val="75000"/>
+          </a:schemeClr>
+        </a:buClr>
+        <a:buSzPct val="145000"/>
+        <a:buFont typeface="Arial"/>
         <a:buChar char="•"/>
-        <a:defRPr sz="2400" kern="1200">
+        <a:defRPr sz="2000" kern="1200" cap="none">
           <a:solidFill>
             <a:schemeClr val="tx1"/>
           </a:solidFill>
+          <a:effectLst/>
           <a:latin typeface="+mn-lt"/>
           <a:ea typeface="+mn-ea"/>
           <a:cs typeface="+mn-cs"/>
         </a:defRPr>
       </a:lvl2pPr>
-      <a:lvl3pPr marL="1143000" indent="-228600" algn="l" defTabSz="914400" rtl="0" eaLnBrk="1" latinLnBrk="0" hangingPunct="1">
-        <a:lnSpc>
-          <a:spcPct val="90000"/>
-        </a:lnSpc>
+      <a:lvl3pPr marL="1200150" indent="-285750" algn="l" defTabSz="457200" rtl="0" eaLnBrk="1" latinLnBrk="0" hangingPunct="1">
         <a:spcBef>
-          <a:spcPts val="500"/>
+          <a:spcPct val="20000"/>
         </a:spcBef>
-        <a:buFont typeface="Arial" panose="020B0604020202020204" pitchFamily="34" charset="0"/>
+        <a:spcAft>
+          <a:spcPts val="600"/>
+        </a:spcAft>
+        <a:buClr>
+          <a:schemeClr val="accent1">
+            <a:lumMod val="75000"/>
+          </a:schemeClr>
+        </a:buClr>
+        <a:buSzPct val="145000"/>
+        <a:buFont typeface="Arial"/>
         <a:buChar char="•"/>
-        <a:defRPr sz="2000" kern="1200">
+        <a:defRPr sz="1800" kern="1200" cap="none">
           <a:solidFill>
             <a:schemeClr val="tx1"/>
           </a:solidFill>
+          <a:effectLst/>
           <a:latin typeface="+mn-lt"/>
           <a:ea typeface="+mn-ea"/>
           <a:cs typeface="+mn-cs"/>
         </a:defRPr>
       </a:lvl3pPr>
-      <a:lvl4pPr marL="1600200" indent="-228600" algn="l" defTabSz="914400" rtl="0" eaLnBrk="1" latinLnBrk="0" hangingPunct="1">
-        <a:lnSpc>
-          <a:spcPct val="90000"/>
-        </a:lnSpc>
+      <a:lvl4pPr marL="1543050" indent="-171450" algn="l" defTabSz="457200" rtl="0" eaLnBrk="1" latinLnBrk="0" hangingPunct="1">
         <a:spcBef>
-          <a:spcPts val="500"/>
+          <a:spcPct val="20000"/>
         </a:spcBef>
-        <a:buFont typeface="Arial" panose="020B0604020202020204" pitchFamily="34" charset="0"/>
+        <a:spcAft>
+          <a:spcPts val="600"/>
+        </a:spcAft>
+        <a:buClr>
+          <a:schemeClr val="accent1">
+            <a:lumMod val="75000"/>
+          </a:schemeClr>
+        </a:buClr>
+        <a:buSzPct val="145000"/>
+        <a:buFont typeface="Arial"/>
         <a:buChar char="•"/>
-        <a:defRPr sz="1800" kern="1200">
+        <a:defRPr sz="1600" kern="1200" cap="none">
           <a:solidFill>
             <a:schemeClr val="tx1"/>
           </a:solidFill>
+          <a:effectLst/>
           <a:latin typeface="+mn-lt"/>
           <a:ea typeface="+mn-ea"/>
           <a:cs typeface="+mn-cs"/>
         </a:defRPr>
       </a:lvl4pPr>
-      <a:lvl5pPr marL="2057400" indent="-228600" algn="l" defTabSz="914400" rtl="0" eaLnBrk="1" latinLnBrk="0" hangingPunct="1">
-        <a:lnSpc>
-          <a:spcPct val="90000"/>
-        </a:lnSpc>
+      <a:lvl5pPr marL="2000250" indent="-171450" algn="l" defTabSz="457200" rtl="0" eaLnBrk="1" latinLnBrk="0" hangingPunct="1">
         <a:spcBef>
-          <a:spcPts val="500"/>
+          <a:spcPct val="20000"/>
         </a:spcBef>
-        <a:buFont typeface="Arial" panose="020B0604020202020204" pitchFamily="34" charset="0"/>
+        <a:spcAft>
+          <a:spcPts val="600"/>
+        </a:spcAft>
+        <a:buClr>
+          <a:schemeClr val="accent1">
+            <a:lumMod val="75000"/>
+          </a:schemeClr>
+        </a:buClr>
+        <a:buSzPct val="145000"/>
+        <a:buFont typeface="Arial"/>
         <a:buChar char="•"/>
-        <a:defRPr sz="1800" kern="1200">
+        <a:defRPr sz="1400" kern="1200" cap="none">
           <a:solidFill>
             <a:schemeClr val="tx1"/>
           </a:solidFill>
+          <a:effectLst/>
           <a:latin typeface="+mn-lt"/>
           <a:ea typeface="+mn-ea"/>
           <a:cs typeface="+mn-cs"/>
         </a:defRPr>
       </a:lvl5pPr>
-      <a:lvl6pPr marL="2514600" indent="-228600" algn="l" defTabSz="914400" rtl="0" eaLnBrk="1" latinLnBrk="0" hangingPunct="1">
-        <a:lnSpc>
-          <a:spcPct val="90000"/>
-        </a:lnSpc>
+      <a:lvl6pPr marL="2514600" indent="-228600" algn="l" defTabSz="457200" rtl="0" eaLnBrk="1" latinLnBrk="0" hangingPunct="1">
         <a:spcBef>
-          <a:spcPts val="500"/>
+          <a:spcPct val="20000"/>
         </a:spcBef>
-        <a:buFont typeface="Arial" panose="020B0604020202020204" pitchFamily="34" charset="0"/>
+        <a:spcAft>
+          <a:spcPts val="600"/>
+        </a:spcAft>
+        <a:buClr>
+          <a:schemeClr val="accent1">
+            <a:lumMod val="75000"/>
+          </a:schemeClr>
+        </a:buClr>
+        <a:buSzPct val="145000"/>
+        <a:buFont typeface="Arial"/>
         <a:buChar char="•"/>
-        <a:defRPr sz="1800" kern="1200">
+        <a:defRPr sz="1400" kern="1200" cap="none">
           <a:solidFill>
             <a:schemeClr val="tx1"/>
           </a:solidFill>
+          <a:effectLst/>
           <a:latin typeface="+mn-lt"/>
           <a:ea typeface="+mn-ea"/>
           <a:cs typeface="+mn-cs"/>
         </a:defRPr>
       </a:lvl6pPr>
-      <a:lvl7pPr marL="2971800" indent="-228600" algn="l" defTabSz="914400" rtl="0" eaLnBrk="1" latinLnBrk="0" hangingPunct="1">
-        <a:lnSpc>
-          <a:spcPct val="90000"/>
-        </a:lnSpc>
+      <a:lvl7pPr marL="2971800" indent="-228600" algn="l" defTabSz="457200" rtl="0" eaLnBrk="1" latinLnBrk="0" hangingPunct="1">
         <a:spcBef>
-          <a:spcPts val="500"/>
+          <a:spcPct val="20000"/>
         </a:spcBef>
-        <a:buFont typeface="Arial" panose="020B0604020202020204" pitchFamily="34" charset="0"/>
+        <a:spcAft>
+          <a:spcPts val="600"/>
+        </a:spcAft>
+        <a:buClr>
+          <a:schemeClr val="accent1">
+            <a:lumMod val="75000"/>
+          </a:schemeClr>
+        </a:buClr>
+        <a:buSzPct val="145000"/>
+        <a:buFont typeface="Arial"/>
         <a:buChar char="•"/>
-        <a:defRPr sz="1800" kern="1200">
+        <a:defRPr sz="1400" kern="1200" cap="none">
           <a:solidFill>
             <a:schemeClr val="tx1"/>
           </a:solidFill>
+          <a:effectLst/>
           <a:latin typeface="+mn-lt"/>
           <a:ea typeface="+mn-ea"/>
           <a:cs typeface="+mn-cs"/>
         </a:defRPr>
       </a:lvl7pPr>
-      <a:lvl8pPr marL="3429000" indent="-228600" algn="l" defTabSz="914400" rtl="0" eaLnBrk="1" latinLnBrk="0" hangingPunct="1">
-        <a:lnSpc>
-          <a:spcPct val="90000"/>
-        </a:lnSpc>
+      <a:lvl8pPr marL="3429000" indent="-228600" algn="l" defTabSz="457200" rtl="0" eaLnBrk="1" latinLnBrk="0" hangingPunct="1">
         <a:spcBef>
-          <a:spcPts val="500"/>
+          <a:spcPct val="20000"/>
         </a:spcBef>
-        <a:buFont typeface="Arial" panose="020B0604020202020204" pitchFamily="34" charset="0"/>
+        <a:spcAft>
+          <a:spcPts val="600"/>
+        </a:spcAft>
+        <a:buClr>
+          <a:schemeClr val="accent1">
+            <a:lumMod val="75000"/>
+          </a:schemeClr>
+        </a:buClr>
+        <a:buSzPct val="145000"/>
+        <a:buFont typeface="Arial"/>
         <a:buChar char="•"/>
-        <a:defRPr sz="1800" kern="1200">
+        <a:defRPr sz="1400" kern="1200" cap="none">
           <a:solidFill>
             <a:schemeClr val="tx1"/>
           </a:solidFill>
+          <a:effectLst/>
           <a:latin typeface="+mn-lt"/>
           <a:ea typeface="+mn-ea"/>
           <a:cs typeface="+mn-cs"/>
         </a:defRPr>
       </a:lvl8pPr>
-      <a:lvl9pPr marL="3886200" indent="-228600" algn="l" defTabSz="914400" rtl="0" eaLnBrk="1" latinLnBrk="0" hangingPunct="1">
-        <a:lnSpc>
-          <a:spcPct val="90000"/>
-        </a:lnSpc>
+      <a:lvl9pPr marL="3886200" indent="-228600" algn="l" defTabSz="457200" rtl="0" eaLnBrk="1" latinLnBrk="0" hangingPunct="1">
         <a:spcBef>
-          <a:spcPts val="500"/>
+          <a:spcPct val="20000"/>
         </a:spcBef>
-        <a:buFont typeface="Arial" panose="020B0604020202020204" pitchFamily="34" charset="0"/>
+        <a:spcAft>
+          <a:spcPts val="600"/>
+        </a:spcAft>
+        <a:buClr>
+          <a:schemeClr val="accent1">
+            <a:lumMod val="75000"/>
+          </a:schemeClr>
+        </a:buClr>
+        <a:buSzPct val="145000"/>
+        <a:buFont typeface="Arial"/>
         <a:buChar char="•"/>
-        <a:defRPr sz="1800" kern="1200">
+        <a:defRPr sz="1400" kern="1200" cap="none">
           <a:solidFill>
             <a:schemeClr val="tx1"/>
           </a:solidFill>
+          <a:effectLst/>
           <a:latin typeface="+mn-lt"/>
           <a:ea typeface="+mn-ea"/>
           <a:cs typeface="+mn-cs"/>
@@ -3820,7 +7079,7 @@
       <a:defPPr>
         <a:defRPr lang="en-US"/>
       </a:defPPr>
-      <a:lvl1pPr marL="0" algn="l" defTabSz="914400" rtl="0" eaLnBrk="1" latinLnBrk="0" hangingPunct="1">
+      <a:lvl1pPr marL="0" algn="l" defTabSz="457200" rtl="0" eaLnBrk="1" latinLnBrk="0" hangingPunct="1">
         <a:defRPr sz="1800" kern="1200">
           <a:solidFill>
             <a:schemeClr val="tx1"/>
@@ -3830,7 +7089,7 @@
           <a:cs typeface="+mn-cs"/>
         </a:defRPr>
       </a:lvl1pPr>
-      <a:lvl2pPr marL="457200" algn="l" defTabSz="914400" rtl="0" eaLnBrk="1" latinLnBrk="0" hangingPunct="1">
+      <a:lvl2pPr marL="457200" algn="l" defTabSz="457200" rtl="0" eaLnBrk="1" latinLnBrk="0" hangingPunct="1">
         <a:defRPr sz="1800" kern="1200">
           <a:solidFill>
             <a:schemeClr val="tx1"/>
@@ -3840,7 +7099,7 @@
           <a:cs typeface="+mn-cs"/>
         </a:defRPr>
       </a:lvl2pPr>
-      <a:lvl3pPr marL="914400" algn="l" defTabSz="914400" rtl="0" eaLnBrk="1" latinLnBrk="0" hangingPunct="1">
+      <a:lvl3pPr marL="914400" algn="l" defTabSz="457200" rtl="0" eaLnBrk="1" latinLnBrk="0" hangingPunct="1">
         <a:defRPr sz="1800" kern="1200">
           <a:solidFill>
             <a:schemeClr val="tx1"/>
@@ -3850,7 +7109,7 @@
           <a:cs typeface="+mn-cs"/>
         </a:defRPr>
       </a:lvl3pPr>
-      <a:lvl4pPr marL="1371600" algn="l" defTabSz="914400" rtl="0" eaLnBrk="1" latinLnBrk="0" hangingPunct="1">
+      <a:lvl4pPr marL="1371600" algn="l" defTabSz="457200" rtl="0" eaLnBrk="1" latinLnBrk="0" hangingPunct="1">
         <a:defRPr sz="1800" kern="1200">
           <a:solidFill>
             <a:schemeClr val="tx1"/>
@@ -3860,7 +7119,7 @@
           <a:cs typeface="+mn-cs"/>
         </a:defRPr>
       </a:lvl4pPr>
-      <a:lvl5pPr marL="1828800" algn="l" defTabSz="914400" rtl="0" eaLnBrk="1" latinLnBrk="0" hangingPunct="1">
+      <a:lvl5pPr marL="1828800" algn="l" defTabSz="457200" rtl="0" eaLnBrk="1" latinLnBrk="0" hangingPunct="1">
         <a:defRPr sz="1800" kern="1200">
           <a:solidFill>
             <a:schemeClr val="tx1"/>
@@ -3870,7 +7129,7 @@
           <a:cs typeface="+mn-cs"/>
         </a:defRPr>
       </a:lvl5pPr>
-      <a:lvl6pPr marL="2286000" algn="l" defTabSz="914400" rtl="0" eaLnBrk="1" latinLnBrk="0" hangingPunct="1">
+      <a:lvl6pPr marL="2286000" algn="l" defTabSz="457200" rtl="0" eaLnBrk="1" latinLnBrk="0" hangingPunct="1">
         <a:defRPr sz="1800" kern="1200">
           <a:solidFill>
             <a:schemeClr val="tx1"/>
@@ -3880,7 +7139,7 @@
           <a:cs typeface="+mn-cs"/>
         </a:defRPr>
       </a:lvl6pPr>
-      <a:lvl7pPr marL="2743200" algn="l" defTabSz="914400" rtl="0" eaLnBrk="1" latinLnBrk="0" hangingPunct="1">
+      <a:lvl7pPr marL="2743200" algn="l" defTabSz="457200" rtl="0" eaLnBrk="1" latinLnBrk="0" hangingPunct="1">
         <a:defRPr sz="1800" kern="1200">
           <a:solidFill>
             <a:schemeClr val="tx1"/>
@@ -3890,7 +7149,7 @@
           <a:cs typeface="+mn-cs"/>
         </a:defRPr>
       </a:lvl7pPr>
-      <a:lvl8pPr marL="3200400" algn="l" defTabSz="914400" rtl="0" eaLnBrk="1" latinLnBrk="0" hangingPunct="1">
+      <a:lvl8pPr marL="3200400" algn="l" defTabSz="457200" rtl="0" eaLnBrk="1" latinLnBrk="0" hangingPunct="1">
         <a:defRPr sz="1800" kern="1200">
           <a:solidFill>
             <a:schemeClr val="tx1"/>
@@ -3900,7 +7159,7 @@
           <a:cs typeface="+mn-cs"/>
         </a:defRPr>
       </a:lvl8pPr>
-      <a:lvl9pPr marL="3657600" algn="l" defTabSz="914400" rtl="0" eaLnBrk="1" latinLnBrk="0" hangingPunct="1">
+      <a:lvl9pPr marL="3657600" algn="l" defTabSz="457200" rtl="0" eaLnBrk="1" latinLnBrk="0" hangingPunct="1">
         <a:defRPr sz="1800" kern="1200">
           <a:solidFill>
             <a:schemeClr val="tx1"/>
@@ -3944,44 +7203,135 @@
         </p:nvSpPr>
         <p:spPr/>
         <p:txBody>
+          <a:bodyPr>
+            <a:normAutofit/>
+          </a:bodyPr>
+          <a:lstStyle/>
+          <a:p>
+            <a:r>
+              <a:rPr lang="en-US" dirty="0"/>
+              <a:t>Project PAM </a:t>
+            </a:r>
+            <a:r>
+              <a:rPr lang="en-US" dirty="0" smtClean="0"/>
+              <a:t/>
+            </a:r>
+            <a:br>
+              <a:rPr lang="en-US" dirty="0" smtClean="0"/>
+            </a:br>
+            <a:r>
+              <a:rPr lang="en-US" sz="4000" dirty="0" smtClean="0"/>
+              <a:t>Ref: SP14-75-3DPR</a:t>
+            </a:r>
+            <a:r>
+              <a:rPr lang="en-US" dirty="0" smtClean="0"/>
+              <a:t> </a:t>
+            </a:r>
+            <a:endParaRPr lang="en-US" dirty="0"/>
+          </a:p>
+        </p:txBody>
+      </p:sp>
+      <p:sp>
+        <p:nvSpPr>
+          <p:cNvPr id="3" name="Subtitle 2"/>
+          <p:cNvSpPr>
+            <a:spLocks noGrp="1"/>
+          </p:cNvSpPr>
+          <p:nvPr>
+            <p:ph type="subTitle" idx="1"/>
+          </p:nvPr>
+        </p:nvSpPr>
+        <p:spPr/>
+        <p:txBody>
+          <a:bodyPr>
+            <a:normAutofit/>
+          </a:bodyPr>
+          <a:lstStyle/>
+          <a:p>
+            <a:r>
+              <a:rPr lang="en-US" dirty="0"/>
+              <a:t>Daniel Olsen (</a:t>
+            </a:r>
+            <a:r>
+              <a:rPr lang="en-US" dirty="0" smtClean="0"/>
+              <a:t>CE), Nicholas </a:t>
+            </a:r>
+            <a:r>
+              <a:rPr lang="en-US" dirty="0"/>
+              <a:t>Lowman (CE</a:t>
+            </a:r>
+            <a:r>
+              <a:rPr lang="en-US" dirty="0" smtClean="0"/>
+              <a:t>) </a:t>
+            </a:r>
+            <a:endParaRPr lang="en-US" dirty="0"/>
+          </a:p>
+          <a:p>
+            <a:r>
+              <a:rPr lang="en-US" dirty="0" smtClean="0"/>
+              <a:t>Casey </a:t>
+            </a:r>
+            <a:r>
+              <a:rPr lang="en-US" dirty="0"/>
+              <a:t>Spencer (</a:t>
+            </a:r>
+            <a:r>
+              <a:rPr lang="en-US" dirty="0" smtClean="0"/>
+              <a:t>EE), Chance </a:t>
+            </a:r>
+            <a:r>
+              <a:rPr lang="en-US" dirty="0"/>
+              <a:t>Baker (</a:t>
+            </a:r>
+            <a:r>
+              <a:rPr lang="en-US" dirty="0" smtClean="0"/>
+              <a:t>EE) </a:t>
+            </a:r>
+          </a:p>
+          <a:p>
+            <a:r>
+              <a:rPr lang="en-US" dirty="0" smtClean="0"/>
+              <a:t>Jeffrey </a:t>
+            </a:r>
+            <a:r>
+              <a:rPr lang="en-US" dirty="0"/>
+              <a:t>Burdick (ME)- </a:t>
+            </a:r>
+            <a:r>
+              <a:rPr lang="en-US" dirty="0" smtClean="0"/>
+              <a:t>PM, Nathanial Tyler (ME) </a:t>
+            </a:r>
+            <a:endParaRPr lang="en-US" dirty="0"/>
+          </a:p>
+        </p:txBody>
+      </p:sp>
+      <p:sp>
+        <p:nvSpPr>
+          <p:cNvPr id="4" name="Slide Number Placeholder 3"/>
+          <p:cNvSpPr>
+            <a:spLocks noGrp="1"/>
+          </p:cNvSpPr>
+          <p:nvPr>
+            <p:ph type="sldNum" sz="quarter" idx="12"/>
+          </p:nvPr>
+        </p:nvSpPr>
+        <p:spPr/>
+        <p:txBody>
           <a:bodyPr/>
           <a:lstStyle/>
           <a:p>
-            <a:r>
-              <a:rPr lang="en-US" dirty="0" smtClean="0"/>
-              <a:t>Nate’s Presentation</a:t>
-            </a:r>
-            <a:endParaRPr lang="en-US" dirty="0"/>
-          </a:p>
-        </p:txBody>
-      </p:sp>
-      <p:sp>
-        <p:nvSpPr>
-          <p:cNvPr id="3" name="Subtitle 2"/>
-          <p:cNvSpPr>
-            <a:spLocks noGrp="1"/>
-          </p:cNvSpPr>
-          <p:nvPr>
-            <p:ph type="subTitle" idx="1"/>
-          </p:nvPr>
-        </p:nvSpPr>
-        <p:spPr/>
-        <p:txBody>
-          <a:bodyPr/>
-          <a:lstStyle/>
-          <a:p>
-            <a:r>
-              <a:rPr lang="en-US" dirty="0" smtClean="0"/>
-              <a:t>Senior Design 495B</a:t>
-            </a:r>
-            <a:endParaRPr lang="en-US" dirty="0"/>
+            <a:fld id="{5C6BB475-B640-4DD3-A1AA-1CF10A44AA06}" type="slidenum">
+              <a:rPr lang="en-US" smtClean="0"/>
+              <a:t>1</a:t>
+            </a:fld>
+            <a:endParaRPr lang="en-US"/>
           </a:p>
         </p:txBody>
       </p:sp>
     </p:spTree>
     <p:extLst>
       <p:ext uri="{BB962C8B-B14F-4D97-AF65-F5344CB8AC3E}">
-        <p14:creationId xmlns:p14="http://schemas.microsoft.com/office/powerpoint/2010/main" val="302789638"/>
+        <p14:creationId xmlns:p14="http://schemas.microsoft.com/office/powerpoint/2010/main" val="1267734708"/>
       </p:ext>
     </p:extLst>
   </p:cSld>
@@ -4027,66 +7377,129 @@
         </p:nvSpPr>
         <p:spPr/>
         <p:txBody>
+          <a:bodyPr/>
+          <a:lstStyle/>
+          <a:p>
+            <a:r>
+              <a:rPr lang="en-US" dirty="0"/>
+              <a:t>Nate </a:t>
+            </a:r>
+            <a:r>
+              <a:rPr lang="en-US" dirty="0" smtClean="0"/>
+              <a:t>– Technical drawing/Title Block</a:t>
+            </a:r>
+            <a:endParaRPr lang="en-US" dirty="0"/>
+          </a:p>
+        </p:txBody>
+      </p:sp>
+      <p:sp>
+        <p:nvSpPr>
+          <p:cNvPr id="3" name="Content Placeholder 2"/>
+          <p:cNvSpPr>
+            <a:spLocks noGrp="1"/>
+          </p:cNvSpPr>
+          <p:nvPr>
+            <p:ph idx="1"/>
+          </p:nvPr>
+        </p:nvSpPr>
+        <p:spPr>
+          <a:xfrm>
+            <a:off x="1541989" y="1629637"/>
+            <a:ext cx="10018713" cy="1321382"/>
+          </a:xfrm>
+        </p:spPr>
+        <p:txBody>
           <a:bodyPr>
-            <a:normAutofit/>
+            <a:normAutofit fontScale="85000" lnSpcReduction="20000"/>
           </a:bodyPr>
           <a:lstStyle/>
           <a:p>
             <a:r>
               <a:rPr lang="en-US" dirty="0" smtClean="0"/>
-              <a:t>Nate – Slide 1 – Technical drawing</a:t>
-            </a:r>
-            <a:endParaRPr lang="en-US" dirty="0"/>
-          </a:p>
-        </p:txBody>
-      </p:sp>
-      <p:sp>
-        <p:nvSpPr>
-          <p:cNvPr id="3" name="Content Placeholder 2"/>
-          <p:cNvSpPr>
-            <a:spLocks noGrp="1"/>
-          </p:cNvSpPr>
-          <p:nvPr>
-            <p:ph idx="1"/>
-          </p:nvPr>
-        </p:nvSpPr>
+              <a:t>The Coupler was GD&amp;T according to ISO standards. </a:t>
+            </a:r>
+          </a:p>
+          <a:p>
+            <a:r>
+              <a:rPr lang="en-US" dirty="0"/>
+              <a:t>A Title Block was created for the Open Source Hardware </a:t>
+            </a:r>
+            <a:r>
+              <a:rPr lang="en-US" dirty="0" smtClean="0"/>
+              <a:t>Community</a:t>
+            </a:r>
+          </a:p>
+          <a:p>
+            <a:pPr marL="0" indent="0">
+              <a:buNone/>
+            </a:pPr>
+            <a:endParaRPr lang="en-US" dirty="0"/>
+          </a:p>
+        </p:txBody>
+      </p:sp>
+      <p:sp>
+        <p:nvSpPr>
+          <p:cNvPr id="4" name="Slide Number Placeholder 3"/>
+          <p:cNvSpPr>
+            <a:spLocks noGrp="1"/>
+          </p:cNvSpPr>
+          <p:nvPr>
+            <p:ph type="sldNum" sz="quarter" idx="12"/>
+          </p:nvPr>
+        </p:nvSpPr>
+        <p:spPr/>
+        <p:txBody>
+          <a:bodyPr/>
+          <a:lstStyle/>
+          <a:p>
+            <a:fld id="{5C6BB475-B640-4DD3-A1AA-1CF10A44AA06}" type="slidenum">
+              <a:rPr lang="en-US" smtClean="0"/>
+              <a:pPr/>
+              <a:t>2</a:t>
+            </a:fld>
+            <a:endParaRPr lang="en-US" dirty="0"/>
+          </a:p>
+        </p:txBody>
+      </p:sp>
+      <p:pic>
+        <p:nvPicPr>
+          <p:cNvPr id="5" name="Picture 4"/>
+          <p:cNvPicPr>
+            <a:picLocks noChangeAspect="1"/>
+          </p:cNvPicPr>
+          <p:nvPr/>
+        </p:nvPicPr>
+        <p:blipFill rotWithShape="1">
+          <a:blip r:embed="rId3" cstate="print">
+            <a:extLst>
+              <a:ext uri="{28A0092B-C50C-407E-A947-70E740481C1C}">
+                <a14:useLocalDpi xmlns:a14="http://schemas.microsoft.com/office/drawing/2010/main" val="0"/>
+              </a:ext>
+            </a:extLst>
+          </a:blip>
+          <a:srcRect l="50250" t="77424" r="1936" b="3030"/>
+          <a:stretch/>
+        </p:blipFill>
         <p:spPr>
           <a:xfrm>
-            <a:off x="838200" y="1565564"/>
-            <a:ext cx="10515600" cy="4611399"/>
+            <a:off x="1690254" y="2770660"/>
+            <a:ext cx="10130285" cy="2923505"/>
           </a:xfrm>
+          <a:prstGeom prst="rect">
+            <a:avLst/>
+          </a:prstGeom>
         </p:spPr>
-        <p:txBody>
-          <a:bodyPr>
-            <a:normAutofit/>
-          </a:bodyPr>
-          <a:lstStyle/>
-          <a:p>
-            <a:r>
-              <a:rPr lang="en-US" dirty="0" smtClean="0"/>
-              <a:t>The Coupler was GD&amp;T according to ISO standards.</a:t>
-            </a:r>
-            <a:endParaRPr lang="en-US" dirty="0" smtClean="0"/>
-          </a:p>
-        </p:txBody>
-      </p:sp>
+      </p:pic>
     </p:spTree>
     <p:extLst>
       <p:ext uri="{BB962C8B-B14F-4D97-AF65-F5344CB8AC3E}">
-        <p14:creationId xmlns:p14="http://schemas.microsoft.com/office/powerpoint/2010/main" val="3679064612"/>
+        <p14:creationId xmlns:p14="http://schemas.microsoft.com/office/powerpoint/2010/main" val="1928914632"/>
       </p:ext>
     </p:extLst>
   </p:cSld>
   <p:clrMapOvr>
     <a:masterClrMapping/>
   </p:clrMapOvr>
-  <p:timing>
-    <p:tnLst>
-      <p:par>
-        <p:cTn id="1" dur="indefinite" restart="never" nodeType="tmRoot"/>
-      </p:par>
-    </p:tnLst>
-  </p:timing>
 </p:sld>
 </file>
 
@@ -4119,70 +7532,148 @@
         </p:nvSpPr>
         <p:spPr/>
         <p:txBody>
-          <a:bodyPr/>
-          <a:lstStyle/>
-          <a:p>
-            <a:r>
-              <a:rPr lang="en-US" dirty="0" smtClean="0"/>
-              <a:t>Nate – Slide 2 – Title Block</a:t>
-            </a:r>
-            <a:endParaRPr lang="en-US" dirty="0"/>
-          </a:p>
-        </p:txBody>
-      </p:sp>
-      <p:sp>
-        <p:nvSpPr>
-          <p:cNvPr id="3" name="Content Placeholder 2"/>
-          <p:cNvSpPr>
-            <a:spLocks noGrp="1"/>
-          </p:cNvSpPr>
-          <p:nvPr>
-            <p:ph idx="1"/>
-          </p:nvPr>
-        </p:nvSpPr>
-        <p:spPr>
-          <a:xfrm>
-            <a:off x="838200" y="1409700"/>
-            <a:ext cx="10515600" cy="4767263"/>
-          </a:xfrm>
-        </p:spPr>
-        <p:txBody>
           <a:bodyPr>
             <a:normAutofit/>
           </a:bodyPr>
           <a:lstStyle/>
           <a:p>
             <a:r>
+              <a:rPr lang="en-US" dirty="0"/>
+              <a:t>Nate </a:t>
+            </a:r>
+            <a:r>
               <a:rPr lang="en-US" dirty="0" smtClean="0"/>
-              <a:t>A Title Block was created for the Open Source Hardware Community</a:t>
-            </a:r>
-            <a:endParaRPr lang="en-US" dirty="0" smtClean="0"/>
+              <a:t>– Vat </a:t>
+            </a:r>
+            <a:r>
+              <a:rPr lang="en-US" dirty="0"/>
+              <a:t>Simulation </a:t>
+            </a:r>
+          </a:p>
+        </p:txBody>
+      </p:sp>
+      <p:sp>
+        <p:nvSpPr>
+          <p:cNvPr id="3" name="Content Placeholder 2"/>
+          <p:cNvSpPr>
+            <a:spLocks noGrp="1"/>
+          </p:cNvSpPr>
+          <p:nvPr>
+            <p:ph idx="1"/>
+          </p:nvPr>
+        </p:nvSpPr>
+        <p:spPr>
+          <a:xfrm>
+            <a:off x="1541989" y="1629636"/>
+            <a:ext cx="10018713" cy="1085855"/>
+          </a:xfrm>
+        </p:spPr>
+        <p:txBody>
+          <a:bodyPr/>
+          <a:lstStyle/>
+          <a:p>
+            <a:r>
+              <a:rPr lang="en-US" dirty="0"/>
+              <a:t>FEA Simulation (fixtures, bonds, forces) – experienced bonding </a:t>
+            </a:r>
+            <a:r>
+              <a:rPr lang="en-US" dirty="0" smtClean="0"/>
+              <a:t>issues</a:t>
+            </a:r>
+            <a:endParaRPr lang="en-US" dirty="0"/>
+          </a:p>
+        </p:txBody>
+      </p:sp>
+      <p:sp>
+        <p:nvSpPr>
+          <p:cNvPr id="4" name="Slide Number Placeholder 3"/>
+          <p:cNvSpPr>
+            <a:spLocks noGrp="1"/>
+          </p:cNvSpPr>
+          <p:nvPr>
+            <p:ph type="sldNum" sz="quarter" idx="12"/>
+          </p:nvPr>
+        </p:nvSpPr>
+        <p:spPr/>
+        <p:txBody>
+          <a:bodyPr/>
+          <a:lstStyle/>
+          <a:p>
+            <a:fld id="{5C6BB475-B640-4DD3-A1AA-1CF10A44AA06}" type="slidenum">
+              <a:rPr lang="en-US" smtClean="0"/>
+              <a:pPr/>
+              <a:t>3</a:t>
+            </a:fld>
+            <a:endParaRPr lang="en-US" dirty="0"/>
           </a:p>
         </p:txBody>
       </p:sp>
       <p:pic>
         <p:nvPicPr>
-          <p:cNvPr id="4" name="Picture 3"/>
+          <p:cNvPr id="18" name="Picture 17"/>
           <p:cNvPicPr>
             <a:picLocks noChangeAspect="1"/>
           </p:cNvPicPr>
           <p:nvPr/>
         </p:nvPicPr>
-        <p:blipFill rotWithShape="1">
-          <a:blip r:embed="rId3" cstate="print">
-            <a:extLst>
-              <a:ext uri="{28A0092B-C50C-407E-A947-70E740481C1C}">
-                <a14:useLocalDpi xmlns:a14="http://schemas.microsoft.com/office/drawing/2010/main" val="0"/>
-              </a:ext>
-            </a:extLst>
-          </a:blip>
-          <a:srcRect l="50250" t="77424" r="1936" b="3030"/>
-          <a:stretch/>
+        <p:blipFill>
+          <a:blip r:embed="rId3"/>
+          <a:stretch>
+            <a:fillRect/>
+          </a:stretch>
         </p:blipFill>
         <p:spPr>
           <a:xfrm>
-            <a:off x="605132" y="1923185"/>
-            <a:ext cx="10981735" cy="3169226"/>
+            <a:off x="1541989" y="2715491"/>
+            <a:ext cx="4299043" cy="3846121"/>
+          </a:xfrm>
+          <a:prstGeom prst="rect">
+            <a:avLst/>
+          </a:prstGeom>
+        </p:spPr>
+      </p:pic>
+      <p:pic>
+        <p:nvPicPr>
+          <p:cNvPr id="19" name="Picture 18"/>
+          <p:cNvPicPr>
+            <a:picLocks noChangeAspect="1"/>
+          </p:cNvPicPr>
+          <p:nvPr/>
+        </p:nvPicPr>
+        <p:blipFill>
+          <a:blip r:embed="rId4"/>
+          <a:stretch>
+            <a:fillRect/>
+          </a:stretch>
+        </p:blipFill>
+        <p:spPr>
+          <a:xfrm>
+            <a:off x="5841032" y="2715490"/>
+            <a:ext cx="826916" cy="3846121"/>
+          </a:xfrm>
+          <a:prstGeom prst="rect">
+            <a:avLst/>
+          </a:prstGeom>
+        </p:spPr>
+      </p:pic>
+      <p:pic>
+        <p:nvPicPr>
+          <p:cNvPr id="20" name="Picture 19"/>
+          <p:cNvPicPr>
+            <a:picLocks noChangeAspect="1"/>
+          </p:cNvPicPr>
+          <p:nvPr/>
+        </p:nvPicPr>
+        <p:blipFill>
+          <a:blip r:embed="rId5"/>
+          <a:stretch>
+            <a:fillRect/>
+          </a:stretch>
+        </p:blipFill>
+        <p:spPr>
+          <a:xfrm>
+            <a:off x="6660182" y="2715491"/>
+            <a:ext cx="3825294" cy="3846121"/>
           </a:xfrm>
           <a:prstGeom prst="rect">
             <a:avLst/>
@@ -4192,117 +7683,273 @@
     </p:spTree>
     <p:extLst>
       <p:ext uri="{BB962C8B-B14F-4D97-AF65-F5344CB8AC3E}">
-        <p14:creationId xmlns:p14="http://schemas.microsoft.com/office/powerpoint/2010/main" val="1714437818"/>
+        <p14:creationId xmlns:p14="http://schemas.microsoft.com/office/powerpoint/2010/main" val="3996813323"/>
       </p:ext>
     </p:extLst>
   </p:cSld>
   <p:clrMapOvr>
     <a:masterClrMapping/>
   </p:clrMapOvr>
-  <p:timing>
-    <p:tnLst>
-      <p:par>
-        <p:cTn id="1" dur="indefinite" restart="never" nodeType="tmRoot"/>
-      </p:par>
-    </p:tnLst>
-  </p:timing>
-</p:sld>
-</file>
-
-<file path=ppt/slides/slide4.xml><?xml version="1.0" encoding="utf-8"?>
-<p:sld xmlns:a="http://schemas.openxmlformats.org/drawingml/2006/main" xmlns:r="http://schemas.openxmlformats.org/officeDocument/2006/relationships" xmlns:p="http://schemas.openxmlformats.org/presentationml/2006/main">
-  <p:cSld>
-    <p:spTree>
-      <p:nvGrpSpPr>
-        <p:cNvPr id="1" name=""/>
-        <p:cNvGrpSpPr/>
-        <p:nvPr/>
-      </p:nvGrpSpPr>
-      <p:grpSpPr>
-        <a:xfrm>
-          <a:off x="0" y="0"/>
-          <a:ext cx="0" cy="0"/>
-          <a:chOff x="0" y="0"/>
-          <a:chExt cx="0" cy="0"/>
-        </a:xfrm>
-      </p:grpSpPr>
-      <p:sp>
-        <p:nvSpPr>
-          <p:cNvPr id="2" name="Title 1"/>
-          <p:cNvSpPr>
-            <a:spLocks noGrp="1"/>
-          </p:cNvSpPr>
-          <p:nvPr>
-            <p:ph type="title"/>
-          </p:nvPr>
-        </p:nvSpPr>
-        <p:spPr/>
-        <p:txBody>
-          <a:bodyPr/>
-          <a:lstStyle/>
-          <a:p>
-            <a:r>
-              <a:rPr lang="en-US" dirty="0" smtClean="0"/>
-              <a:t>Nate – Slide 3 – Vat Simulation </a:t>
-            </a:r>
-            <a:endParaRPr lang="en-US" dirty="0"/>
-          </a:p>
-        </p:txBody>
-      </p:sp>
-      <p:sp>
-        <p:nvSpPr>
-          <p:cNvPr id="3" name="Content Placeholder 2"/>
-          <p:cNvSpPr>
-            <a:spLocks noGrp="1"/>
-          </p:cNvSpPr>
-          <p:nvPr>
-            <p:ph idx="1"/>
-          </p:nvPr>
-        </p:nvSpPr>
-        <p:spPr>
-          <a:xfrm>
-            <a:off x="838199" y="1409700"/>
-            <a:ext cx="10924310" cy="4767263"/>
-          </a:xfrm>
-        </p:spPr>
-        <p:txBody>
-          <a:bodyPr>
-            <a:normAutofit/>
-          </a:bodyPr>
-          <a:lstStyle/>
-          <a:p>
-            <a:r>
-              <a:rPr lang="en-US" dirty="0" smtClean="0"/>
-              <a:t>FEA Simulation (fixtures, bonds, forces) – experienced bonding issues</a:t>
-            </a:r>
-          </a:p>
-          <a:p>
-            <a:pPr lvl="2"/>
-            <a:endParaRPr lang="en-US" dirty="0" smtClean="0"/>
-          </a:p>
-        </p:txBody>
-      </p:sp>
-    </p:spTree>
-    <p:extLst>
-      <p:ext uri="{BB962C8B-B14F-4D97-AF65-F5344CB8AC3E}">
-        <p14:creationId xmlns:p14="http://schemas.microsoft.com/office/powerpoint/2010/main" val="2113226125"/>
-      </p:ext>
-    </p:extLst>
-  </p:cSld>
-  <p:clrMapOvr>
-    <a:masterClrMapping/>
-  </p:clrMapOvr>
-  <p:timing>
-    <p:tnLst>
-      <p:par>
-        <p:cTn id="1" dur="indefinite" restart="never" nodeType="tmRoot"/>
-      </p:par>
-    </p:tnLst>
-  </p:timing>
 </p:sld>
 </file>
 
 <file path=ppt/theme/theme1.xml><?xml version="1.0" encoding="utf-8"?>
+<a:theme xmlns:a="http://schemas.openxmlformats.org/drawingml/2006/main" name="Parallax">
+  <a:themeElements>
+    <a:clrScheme name="Custom 1">
+      <a:dk1>
+        <a:sysClr val="windowText" lastClr="000000"/>
+      </a:dk1>
+      <a:lt1>
+        <a:sysClr val="window" lastClr="FFFFFF"/>
+      </a:lt1>
+      <a:dk2>
+        <a:srgbClr val="212121"/>
+      </a:dk2>
+      <a:lt2>
+        <a:srgbClr val="CDD0D1"/>
+      </a:lt2>
+      <a:accent1>
+        <a:srgbClr val="850037"/>
+      </a:accent1>
+      <a:accent2>
+        <a:srgbClr val="F67534"/>
+      </a:accent2>
+      <a:accent3>
+        <a:srgbClr val="EAAC35"/>
+      </a:accent3>
+      <a:accent4>
+        <a:srgbClr val="9BAF68"/>
+      </a:accent4>
+      <a:accent5>
+        <a:srgbClr val="68B9A6"/>
+      </a:accent5>
+      <a:accent6>
+        <a:srgbClr val="50B1D4"/>
+      </a:accent6>
+      <a:hlink>
+        <a:srgbClr val="E46416"/>
+      </a:hlink>
+      <a:folHlink>
+        <a:srgbClr val="EE9340"/>
+      </a:folHlink>
+    </a:clrScheme>
+    <a:fontScheme name="Parallax">
+      <a:majorFont>
+        <a:latin typeface="Corbel"/>
+        <a:ea typeface=""/>
+        <a:cs typeface=""/>
+        <a:font script="Jpan" typeface="HGｺﾞｼｯｸM"/>
+        <a:font script="Hang" typeface="HY엽서L"/>
+        <a:font script="Hans" typeface="华文楷体"/>
+        <a:font script="Hant" typeface="新細明體"/>
+        <a:font script="Arab" typeface="Tahoma"/>
+        <a:font script="Hebr" typeface="Miriam"/>
+        <a:font script="Thai" typeface="DilleniaUPC"/>
+        <a:font script="Ethi" typeface="Nyala"/>
+        <a:font script="Beng" typeface="Vrinda"/>
+        <a:font script="Gujr" typeface="Shruti"/>
+        <a:font script="Khmr" typeface="DaunPenh"/>
+        <a:font script="Knda" typeface="Tunga"/>
+        <a:font script="Guru" typeface="Raavi"/>
+        <a:font script="Cans" typeface="Euphemia"/>
+        <a:font script="Cher" typeface="Plantagenet Cherokee"/>
+        <a:font script="Yiii" typeface="Microsoft Yi Baiti"/>
+        <a:font script="Tibt" typeface="Microsoft Himalaya"/>
+        <a:font script="Thaa" typeface="MV Boli"/>
+        <a:font script="Deva" typeface="Mangal"/>
+        <a:font script="Telu" typeface="Gautami"/>
+        <a:font script="Taml" typeface="Latha"/>
+        <a:font script="Syrc" typeface="Estrangelo Edessa"/>
+        <a:font script="Orya" typeface="Kalinga"/>
+        <a:font script="Mlym" typeface="Kartika"/>
+        <a:font script="Laoo" typeface="DokChampa"/>
+        <a:font script="Sinh" typeface="Iskoola Pota"/>
+        <a:font script="Mong" typeface="Mongolian Baiti"/>
+        <a:font script="Viet" typeface="Arial"/>
+        <a:font script="Uigh" typeface="Microsoft Uighur"/>
+        <a:font script="Geor" typeface="Sylfaen"/>
+      </a:majorFont>
+      <a:minorFont>
+        <a:latin typeface="Corbel"/>
+        <a:ea typeface=""/>
+        <a:cs typeface=""/>
+        <a:font script="Jpan" typeface="HGｺﾞｼｯｸM"/>
+        <a:font script="Hang" typeface="HY엽서L"/>
+        <a:font script="Hans" typeface="华文楷体"/>
+        <a:font script="Hant" typeface="新細明體"/>
+        <a:font script="Arab" typeface="Tahoma"/>
+        <a:font script="Hebr" typeface="Miriam"/>
+        <a:font script="Thai" typeface="DilleniaUPC"/>
+        <a:font script="Ethi" typeface="Nyala"/>
+        <a:font script="Beng" typeface="Vrinda"/>
+        <a:font script="Gujr" typeface="Shruti"/>
+        <a:font script="Khmr" typeface="DaunPenh"/>
+        <a:font script="Knda" typeface="Tunga"/>
+        <a:font script="Guru" typeface="Raavi"/>
+        <a:font script="Cans" typeface="Euphemia"/>
+        <a:font script="Cher" typeface="Plantagenet Cherokee"/>
+        <a:font script="Yiii" typeface="Microsoft Yi Baiti"/>
+        <a:font script="Tibt" typeface="Microsoft Himalaya"/>
+        <a:font script="Thaa" typeface="MV Boli"/>
+        <a:font script="Deva" typeface="Mangal"/>
+        <a:font script="Telu" typeface="Gautami"/>
+        <a:font script="Taml" typeface="Latha"/>
+        <a:font script="Syrc" typeface="Estrangelo Edessa"/>
+        <a:font script="Orya" typeface="Kalinga"/>
+        <a:font script="Mlym" typeface="Kartika"/>
+        <a:font script="Laoo" typeface="DokChampa"/>
+        <a:font script="Sinh" typeface="Iskoola Pota"/>
+        <a:font script="Mong" typeface="Mongolian Baiti"/>
+        <a:font script="Viet" typeface="Arial"/>
+        <a:font script="Uigh" typeface="Microsoft Uighur"/>
+        <a:font script="Geor" typeface="Sylfaen"/>
+      </a:minorFont>
+    </a:fontScheme>
+    <a:fmtScheme name="Parallax">
+      <a:fillStyleLst>
+        <a:solidFill>
+          <a:schemeClr val="phClr"/>
+        </a:solidFill>
+        <a:gradFill rotWithShape="1">
+          <a:gsLst>
+            <a:gs pos="0">
+              <a:schemeClr val="phClr">
+                <a:tint val="60000"/>
+                <a:lumMod val="104000"/>
+              </a:schemeClr>
+            </a:gs>
+            <a:gs pos="100000">
+              <a:schemeClr val="phClr">
+                <a:tint val="84000"/>
+              </a:schemeClr>
+            </a:gs>
+          </a:gsLst>
+          <a:lin ang="5400000" scaled="0"/>
+        </a:gradFill>
+        <a:gradFill rotWithShape="1">
+          <a:gsLst>
+            <a:gs pos="0">
+              <a:schemeClr val="phClr">
+                <a:tint val="96000"/>
+                <a:lumMod val="102000"/>
+              </a:schemeClr>
+            </a:gs>
+            <a:gs pos="100000">
+              <a:schemeClr val="phClr">
+                <a:shade val="88000"/>
+                <a:lumMod val="94000"/>
+              </a:schemeClr>
+            </a:gs>
+          </a:gsLst>
+          <a:path path="circle">
+            <a:fillToRect l="50000" t="100000" r="100000" b="50000"/>
+          </a:path>
+        </a:gradFill>
+      </a:fillStyleLst>
+      <a:lnStyleLst>
+        <a:ln w="9525" cap="rnd" cmpd="sng" algn="ctr">
+          <a:solidFill>
+            <a:schemeClr val="phClr">
+              <a:tint val="60000"/>
+            </a:schemeClr>
+          </a:solidFill>
+          <a:prstDash val="solid"/>
+        </a:ln>
+        <a:ln w="15875" cap="rnd" cmpd="sng" algn="ctr">
+          <a:solidFill>
+            <a:schemeClr val="phClr"/>
+          </a:solidFill>
+          <a:prstDash val="solid"/>
+        </a:ln>
+        <a:ln w="22225" cap="rnd" cmpd="sng" algn="ctr">
+          <a:solidFill>
+            <a:schemeClr val="phClr"/>
+          </a:solidFill>
+          <a:prstDash val="solid"/>
+        </a:ln>
+      </a:lnStyleLst>
+      <a:effectStyleLst>
+        <a:effectStyle>
+          <a:effectLst/>
+        </a:effectStyle>
+        <a:effectStyle>
+          <a:effectLst>
+            <a:reflection blurRad="12700" stA="26000" endPos="32000" dist="12700" dir="5400000" sy="-100000" rotWithShape="0"/>
+          </a:effectLst>
+        </a:effectStyle>
+        <a:effectStyle>
+          <a:effectLst>
+            <a:outerShdw blurRad="38100" dist="25400" dir="5400000" rotWithShape="0">
+              <a:srgbClr val="000000">
+                <a:alpha val="64000"/>
+              </a:srgbClr>
+            </a:outerShdw>
+          </a:effectLst>
+          <a:scene3d>
+            <a:camera prst="orthographicFront">
+              <a:rot lat="0" lon="0" rev="0"/>
+            </a:camera>
+            <a:lightRig rig="threePt" dir="tl">
+              <a:rot lat="0" lon="0" rev="1200000"/>
+            </a:lightRig>
+          </a:scene3d>
+          <a:sp3d>
+            <a:bevelT w="25400" h="12700"/>
+          </a:sp3d>
+        </a:effectStyle>
+      </a:effectStyleLst>
+      <a:bgFillStyleLst>
+        <a:solidFill>
+          <a:schemeClr val="phClr"/>
+        </a:solidFill>
+        <a:gradFill rotWithShape="1">
+          <a:gsLst>
+            <a:gs pos="0">
+              <a:schemeClr val="phClr">
+                <a:tint val="90000"/>
+                <a:lumMod val="110000"/>
+              </a:schemeClr>
+            </a:gs>
+            <a:gs pos="100000">
+              <a:schemeClr val="phClr">
+                <a:shade val="64000"/>
+                <a:lumMod val="98000"/>
+              </a:schemeClr>
+            </a:gs>
+          </a:gsLst>
+          <a:lin ang="5400000" scaled="0"/>
+        </a:gradFill>
+        <a:blipFill rotWithShape="1">
+          <a:blip xmlns:r="http://schemas.openxmlformats.org/officeDocument/2006/relationships" r:embed="rId1">
+            <a:duotone>
+              <a:schemeClr val="phClr">
+                <a:shade val="76000"/>
+                <a:satMod val="180000"/>
+              </a:schemeClr>
+              <a:schemeClr val="phClr">
+                <a:tint val="80000"/>
+                <a:satMod val="120000"/>
+                <a:lumMod val="180000"/>
+              </a:schemeClr>
+            </a:duotone>
+          </a:blip>
+          <a:stretch/>
+        </a:blipFill>
+      </a:bgFillStyleLst>
+    </a:fmtScheme>
+  </a:themeElements>
+  <a:objectDefaults/>
+  <a:extraClrSchemeLst/>
+  <a:extLst>
+    <a:ext uri="{05A4C25C-085E-4340-85A3-A5531E510DB2}">
+      <thm15:themeFamily xmlns:thm15="http://schemas.microsoft.com/office/thememl/2012/main" name="Parallax" id="{3388167B-A2EB-4685-9635-1831D9AEF8C4}" vid="{93B4CCAC-FD5A-4D59-B1AC-EAF45910B5A9}"/>
+    </a:ext>
+  </a:extLst>
+</a:theme>
+</file>
+
+<file path=ppt/theme/theme2.xml><?xml version="1.0" encoding="utf-8"?>
 <a:theme xmlns:a="http://schemas.openxmlformats.org/drawingml/2006/main" name="Office Theme">
   <a:themeElements>
     <a:clrScheme name="Office">
@@ -4345,7 +7992,7 @@
     </a:clrScheme>
     <a:fontScheme name="Office">
       <a:majorFont>
-        <a:latin typeface="Calibri Light" panose="020F0302020204030204"/>
+        <a:latin typeface="Calibri Light"/>
         <a:ea typeface=""/>
         <a:cs typeface=""/>
         <a:font script="Jpan" typeface="ＭＳ Ｐゴシック"/>
@@ -4380,7 +8027,7 @@
         <a:font script="Geor" typeface="Sylfaen"/>
       </a:majorFont>
       <a:minorFont>
-        <a:latin typeface="Calibri" panose="020F0502020204030204"/>
+        <a:latin typeface="Calibri"/>
         <a:ea typeface=""/>
         <a:cs typeface=""/>
         <a:font script="Jpan" typeface="ＭＳ Ｐゴシック"/>
@@ -4563,263 +8210,199 @@
 </a:theme>
 </file>
 
-<file path=ppt/theme/theme2.xml><?xml version="1.0" encoding="utf-8"?>
-<a:theme xmlns:a="http://schemas.openxmlformats.org/drawingml/2006/main" name="Office Theme">
-  <a:themeElements>
-    <a:clrScheme name="Office">
-      <a:dk1>
-        <a:sysClr val="windowText" lastClr="000000"/>
-      </a:dk1>
-      <a:lt1>
-        <a:sysClr val="window" lastClr="FFFFFF"/>
-      </a:lt1>
-      <a:dk2>
-        <a:srgbClr val="44546A"/>
-      </a:dk2>
-      <a:lt2>
-        <a:srgbClr val="E7E6E6"/>
-      </a:lt2>
-      <a:accent1>
-        <a:srgbClr val="5B9BD5"/>
-      </a:accent1>
-      <a:accent2>
-        <a:srgbClr val="ED7D31"/>
-      </a:accent2>
-      <a:accent3>
-        <a:srgbClr val="A5A5A5"/>
-      </a:accent3>
-      <a:accent4>
-        <a:srgbClr val="FFC000"/>
-      </a:accent4>
-      <a:accent5>
-        <a:srgbClr val="4472C4"/>
-      </a:accent5>
-      <a:accent6>
-        <a:srgbClr val="70AD47"/>
-      </a:accent6>
-      <a:hlink>
-        <a:srgbClr val="0563C1"/>
-      </a:hlink>
-      <a:folHlink>
-        <a:srgbClr val="954F72"/>
-      </a:folHlink>
-    </a:clrScheme>
-    <a:fontScheme name="Office">
-      <a:majorFont>
-        <a:latin typeface="Calibri Light" panose="020F0302020204030204"/>
-        <a:ea typeface=""/>
-        <a:cs typeface=""/>
-        <a:font script="Jpan" typeface="ＭＳ Ｐゴシック"/>
-        <a:font script="Hang" typeface="맑은 고딕"/>
-        <a:font script="Hans" typeface="宋体"/>
-        <a:font script="Hant" typeface="新細明體"/>
-        <a:font script="Arab" typeface="Times New Roman"/>
-        <a:font script="Hebr" typeface="Times New Roman"/>
-        <a:font script="Thai" typeface="Angsana New"/>
-        <a:font script="Ethi" typeface="Nyala"/>
-        <a:font script="Beng" typeface="Vrinda"/>
-        <a:font script="Gujr" typeface="Shruti"/>
-        <a:font script="Khmr" typeface="MoolBoran"/>
-        <a:font script="Knda" typeface="Tunga"/>
-        <a:font script="Guru" typeface="Raavi"/>
-        <a:font script="Cans" typeface="Euphemia"/>
-        <a:font script="Cher" typeface="Plantagenet Cherokee"/>
-        <a:font script="Yiii" typeface="Microsoft Yi Baiti"/>
-        <a:font script="Tibt" typeface="Microsoft Himalaya"/>
-        <a:font script="Thaa" typeface="MV Boli"/>
-        <a:font script="Deva" typeface="Mangal"/>
-        <a:font script="Telu" typeface="Gautami"/>
-        <a:font script="Taml" typeface="Latha"/>
-        <a:font script="Syrc" typeface="Estrangelo Edessa"/>
-        <a:font script="Orya" typeface="Kalinga"/>
-        <a:font script="Mlym" typeface="Kartika"/>
-        <a:font script="Laoo" typeface="DokChampa"/>
-        <a:font script="Sinh" typeface="Iskoola Pota"/>
-        <a:font script="Mong" typeface="Mongolian Baiti"/>
-        <a:font script="Viet" typeface="Times New Roman"/>
-        <a:font script="Uigh" typeface="Microsoft Uighur"/>
-        <a:font script="Geor" typeface="Sylfaen"/>
-      </a:majorFont>
-      <a:minorFont>
-        <a:latin typeface="Calibri" panose="020F0502020204030204"/>
-        <a:ea typeface=""/>
-        <a:cs typeface=""/>
-        <a:font script="Jpan" typeface="ＭＳ Ｐゴシック"/>
-        <a:font script="Hang" typeface="맑은 고딕"/>
-        <a:font script="Hans" typeface="宋体"/>
-        <a:font script="Hant" typeface="新細明體"/>
-        <a:font script="Arab" typeface="Arial"/>
-        <a:font script="Hebr" typeface="Arial"/>
-        <a:font script="Thai" typeface="Cordia New"/>
-        <a:font script="Ethi" typeface="Nyala"/>
-        <a:font script="Beng" typeface="Vrinda"/>
-        <a:font script="Gujr" typeface="Shruti"/>
-        <a:font script="Khmr" typeface="DaunPenh"/>
-        <a:font script="Knda" typeface="Tunga"/>
-        <a:font script="Guru" typeface="Raavi"/>
-        <a:font script="Cans" typeface="Euphemia"/>
-        <a:font script="Cher" typeface="Plantagenet Cherokee"/>
-        <a:font script="Yiii" typeface="Microsoft Yi Baiti"/>
-        <a:font script="Tibt" typeface="Microsoft Himalaya"/>
-        <a:font script="Thaa" typeface="MV Boli"/>
-        <a:font script="Deva" typeface="Mangal"/>
-        <a:font script="Telu" typeface="Gautami"/>
-        <a:font script="Taml" typeface="Latha"/>
-        <a:font script="Syrc" typeface="Estrangelo Edessa"/>
-        <a:font script="Orya" typeface="Kalinga"/>
-        <a:font script="Mlym" typeface="Kartika"/>
-        <a:font script="Laoo" typeface="DokChampa"/>
-        <a:font script="Sinh" typeface="Iskoola Pota"/>
-        <a:font script="Mong" typeface="Mongolian Baiti"/>
-        <a:font script="Viet" typeface="Arial"/>
-        <a:font script="Uigh" typeface="Microsoft Uighur"/>
-        <a:font script="Geor" typeface="Sylfaen"/>
-      </a:minorFont>
-    </a:fontScheme>
-    <a:fmtScheme name="Office">
-      <a:fillStyleLst>
-        <a:solidFill>
-          <a:schemeClr val="phClr"/>
-        </a:solidFill>
-        <a:gradFill rotWithShape="1">
-          <a:gsLst>
-            <a:gs pos="0">
-              <a:schemeClr val="phClr">
-                <a:lumMod val="110000"/>
-                <a:satMod val="105000"/>
-                <a:tint val="67000"/>
-              </a:schemeClr>
-            </a:gs>
-            <a:gs pos="50000">
-              <a:schemeClr val="phClr">
-                <a:lumMod val="105000"/>
-                <a:satMod val="103000"/>
-                <a:tint val="73000"/>
-              </a:schemeClr>
-            </a:gs>
-            <a:gs pos="100000">
-              <a:schemeClr val="phClr">
-                <a:lumMod val="105000"/>
-                <a:satMod val="109000"/>
-                <a:tint val="81000"/>
-              </a:schemeClr>
-            </a:gs>
-          </a:gsLst>
-          <a:lin ang="5400000" scaled="0"/>
-        </a:gradFill>
-        <a:gradFill rotWithShape="1">
-          <a:gsLst>
-            <a:gs pos="0">
-              <a:schemeClr val="phClr">
-                <a:satMod val="103000"/>
-                <a:lumMod val="102000"/>
-                <a:tint val="94000"/>
-              </a:schemeClr>
-            </a:gs>
-            <a:gs pos="50000">
-              <a:schemeClr val="phClr">
-                <a:satMod val="110000"/>
-                <a:lumMod val="100000"/>
-                <a:shade val="100000"/>
-              </a:schemeClr>
-            </a:gs>
-            <a:gs pos="100000">
-              <a:schemeClr val="phClr">
-                <a:lumMod val="99000"/>
-                <a:satMod val="120000"/>
-                <a:shade val="78000"/>
-              </a:schemeClr>
-            </a:gs>
-          </a:gsLst>
-          <a:lin ang="5400000" scaled="0"/>
-        </a:gradFill>
-      </a:fillStyleLst>
-      <a:lnStyleLst>
-        <a:ln w="6350" cap="flat" cmpd="sng" algn="ctr">
-          <a:solidFill>
-            <a:schemeClr val="phClr"/>
-          </a:solidFill>
-          <a:prstDash val="solid"/>
-          <a:miter lim="800000"/>
-        </a:ln>
-        <a:ln w="12700" cap="flat" cmpd="sng" algn="ctr">
-          <a:solidFill>
-            <a:schemeClr val="phClr"/>
-          </a:solidFill>
-          <a:prstDash val="solid"/>
-          <a:miter lim="800000"/>
-        </a:ln>
-        <a:ln w="19050" cap="flat" cmpd="sng" algn="ctr">
-          <a:solidFill>
-            <a:schemeClr val="phClr"/>
-          </a:solidFill>
-          <a:prstDash val="solid"/>
-          <a:miter lim="800000"/>
-        </a:ln>
-      </a:lnStyleLst>
-      <a:effectStyleLst>
-        <a:effectStyle>
-          <a:effectLst/>
-        </a:effectStyle>
-        <a:effectStyle>
-          <a:effectLst/>
-        </a:effectStyle>
-        <a:effectStyle>
-          <a:effectLst>
-            <a:outerShdw blurRad="57150" dist="19050" dir="5400000" algn="ctr" rotWithShape="0">
-              <a:srgbClr val="000000">
-                <a:alpha val="63000"/>
-              </a:srgbClr>
-            </a:outerShdw>
-          </a:effectLst>
-        </a:effectStyle>
-      </a:effectStyleLst>
-      <a:bgFillStyleLst>
-        <a:solidFill>
-          <a:schemeClr val="phClr"/>
-        </a:solidFill>
-        <a:solidFill>
-          <a:schemeClr val="phClr">
-            <a:tint val="95000"/>
-            <a:satMod val="170000"/>
-          </a:schemeClr>
-        </a:solidFill>
-        <a:gradFill rotWithShape="1">
-          <a:gsLst>
-            <a:gs pos="0">
-              <a:schemeClr val="phClr">
-                <a:tint val="93000"/>
-                <a:satMod val="150000"/>
-                <a:shade val="98000"/>
-                <a:lumMod val="102000"/>
-              </a:schemeClr>
-            </a:gs>
-            <a:gs pos="50000">
-              <a:schemeClr val="phClr">
-                <a:tint val="98000"/>
-                <a:satMod val="130000"/>
-                <a:shade val="90000"/>
-                <a:lumMod val="103000"/>
-              </a:schemeClr>
-            </a:gs>
-            <a:gs pos="100000">
-              <a:schemeClr val="phClr">
-                <a:shade val="63000"/>
-                <a:satMod val="120000"/>
-              </a:schemeClr>
-            </a:gs>
-          </a:gsLst>
-          <a:lin ang="5400000" scaled="0"/>
-        </a:gradFill>
-      </a:bgFillStyleLst>
-    </a:fmtScheme>
-  </a:themeElements>
-  <a:objectDefaults/>
-  <a:extraClrSchemeLst/>
-  <a:extLst>
-    <a:ext uri="{05A4C25C-085E-4340-85A3-A5531E510DB2}">
-      <thm15:themeFamily xmlns:thm15="http://schemas.microsoft.com/office/thememl/2012/main" name="Office Theme" id="{62F939B6-93AF-4DB8-9C6B-D6C7DFDC589F}" vid="{4A3C46E8-61CC-4603-A589-7422A47A8E4A}"/>
-    </a:ext>
-  </a:extLst>
-</a:theme>
+<file path=customXml/item1.xml><?xml version="1.0" encoding="utf-8"?>
+<?mso-contentType ?>
+<FormTemplates xmlns="http://schemas.microsoft.com/sharepoint/v3/contenttype/forms">
+  <Display>DocumentLibraryForm</Display>
+  <Edit>DocumentLibraryForm</Edit>
+  <New>DocumentLibraryForm</New>
+</FormTemplates>
+</file>
+
+<file path=customXml/item2.xml><?xml version="1.0" encoding="utf-8"?>
+<ct:contentTypeSchema xmlns:ct="http://schemas.microsoft.com/office/2006/metadata/contentType" xmlns:ma="http://schemas.microsoft.com/office/2006/metadata/properties/metaAttributes" ct:_="" ma:_="" ma:contentTypeName="Document" ma:contentTypeID="0x01010037F85F4321109849828001F89B63E148" ma:contentTypeVersion="1" ma:contentTypeDescription="Create a new document." ma:contentTypeScope="" ma:versionID="095e360c2d3b38e9f1c3d2409eae6492">
+  <xsd:schema xmlns:xsd="http://www.w3.org/2001/XMLSchema" xmlns:xs="http://www.w3.org/2001/XMLSchema" xmlns:p="http://schemas.microsoft.com/office/2006/metadata/properties" xmlns:ns3="4c2e6f55-8abc-4b5b-a4f7-930d3885115f" targetNamespace="http://schemas.microsoft.com/office/2006/metadata/properties" ma:root="true" ma:fieldsID="ce6d8a4f71ede4388f67b476f14a0021" ns3:_="">
+    <xsd:import namespace="4c2e6f55-8abc-4b5b-a4f7-930d3885115f"/>
+    <xsd:element name="properties">
+      <xsd:complexType>
+        <xsd:sequence>
+          <xsd:element name="documentManagement">
+            <xsd:complexType>
+              <xsd:all>
+                <xsd:element ref="ns3:SharedWithUsers" minOccurs="0"/>
+              </xsd:all>
+            </xsd:complexType>
+          </xsd:element>
+        </xsd:sequence>
+      </xsd:complexType>
+    </xsd:element>
+  </xsd:schema>
+  <xsd:schema xmlns:xsd="http://www.w3.org/2001/XMLSchema" xmlns:xs="http://www.w3.org/2001/XMLSchema" xmlns:dms="http://schemas.microsoft.com/office/2006/documentManagement/types" xmlns:pc="http://schemas.microsoft.com/office/infopath/2007/PartnerControls" targetNamespace="4c2e6f55-8abc-4b5b-a4f7-930d3885115f" elementFormDefault="qualified">
+    <xsd:import namespace="http://schemas.microsoft.com/office/2006/documentManagement/types"/>
+    <xsd:import namespace="http://schemas.microsoft.com/office/infopath/2007/PartnerControls"/>
+    <xsd:element name="SharedWithUsers" ma:index="8" nillable="true" ma:displayName="Shared With" ma:internalName="SharedWithUsers" ma:readOnly="true">
+      <xsd:complexType>
+        <xsd:complexContent>
+          <xsd:extension base="dms:UserMulti">
+            <xsd:sequence>
+              <xsd:element name="UserInfo" minOccurs="0" maxOccurs="unbounded">
+                <xsd:complexType>
+                  <xsd:sequence>
+                    <xsd:element name="DisplayName" type="xsd:string" minOccurs="0"/>
+                    <xsd:element name="AccountId" type="dms:UserId" minOccurs="0" nillable="true"/>
+                    <xsd:element name="AccountType" type="xsd:string" minOccurs="0"/>
+                  </xsd:sequence>
+                </xsd:complexType>
+              </xsd:element>
+            </xsd:sequence>
+          </xsd:extension>
+        </xsd:complexContent>
+      </xsd:complexType>
+    </xsd:element>
+  </xsd:schema>
+  <xsd:schema xmlns="http://schemas.openxmlformats.org/package/2006/metadata/core-properties" xmlns:xsd="http://www.w3.org/2001/XMLSchema" xmlns:xsi="http://www.w3.org/2001/XMLSchema-instance" xmlns:dc="http://purl.org/dc/elements/1.1/" xmlns:dcterms="http://purl.org/dc/terms/" xmlns:odoc="http://schemas.microsoft.com/internal/obd" targetNamespace="http://schemas.openxmlformats.org/package/2006/metadata/core-properties" elementFormDefault="qualified" attributeFormDefault="unqualified" blockDefault="#all">
+    <xsd:import namespace="http://purl.org/dc/elements/1.1/" schemaLocation="http://dublincore.org/schemas/xmls/qdc/2003/04/02/dc.xsd"/>
+    <xsd:import namespace="http://purl.org/dc/terms/" schemaLocation="http://dublincore.org/schemas/xmls/qdc/2003/04/02/dcterms.xsd"/>
+    <xsd:element name="coreProperties" type="CT_coreProperties"/>
+    <xsd:complexType name="CT_coreProperties">
+      <xsd:all>
+        <xsd:element ref="dc:creator" minOccurs="0" maxOccurs="1"/>
+        <xsd:element ref="dcterms:created" minOccurs="0" maxOccurs="1"/>
+        <xsd:element ref="dc:identifier" minOccurs="0" maxOccurs="1"/>
+        <xsd:element name="contentType" minOccurs="0" maxOccurs="1" type="xsd:string" ma:index="0" ma:displayName="Content Type"/>
+        <xsd:element ref="dc:title" minOccurs="0" maxOccurs="1" ma:index="4" ma:displayName="Title"/>
+        <xsd:element ref="dc:subject" minOccurs="0" maxOccurs="1"/>
+        <xsd:element ref="dc:description" minOccurs="0" maxOccurs="1"/>
+        <xsd:element name="keywords" minOccurs="0" maxOccurs="1" type="xsd:string"/>
+        <xsd:element ref="dc:language" minOccurs="0" maxOccurs="1"/>
+        <xsd:element name="category" minOccurs="0" maxOccurs="1" type="xsd:string"/>
+        <xsd:element name="version" minOccurs="0" maxOccurs="1" type="xsd:string"/>
+        <xsd:element name="revision" minOccurs="0" maxOccurs="1" type="xsd:string">
+          <xsd:annotation>
+            <xsd:documentation>
+                        This value indicates the number of saves or revisions. The application is responsible for updating this value after each revision.
+                    </xsd:documentation>
+          </xsd:annotation>
+        </xsd:element>
+        <xsd:element name="lastModifiedBy" minOccurs="0" maxOccurs="1" type="xsd:string"/>
+        <xsd:element ref="dcterms:modified" minOccurs="0" maxOccurs="1"/>
+        <xsd:element name="contentStatus" minOccurs="0" maxOccurs="1" type="xsd:string"/>
+      </xsd:all>
+    </xsd:complexType>
+  </xsd:schema>
+  <xs:schema xmlns:pc="http://schemas.microsoft.com/office/infopath/2007/PartnerControls" xmlns:xs="http://www.w3.org/2001/XMLSchema" targetNamespace="http://schemas.microsoft.com/office/infopath/2007/PartnerControls" elementFormDefault="qualified" attributeFormDefault="unqualified">
+    <xs:element name="Person">
+      <xs:complexType>
+        <xs:sequence>
+          <xs:element ref="pc:DisplayName" minOccurs="0"/>
+          <xs:element ref="pc:AccountId" minOccurs="0"/>
+          <xs:element ref="pc:AccountType" minOccurs="0"/>
+        </xs:sequence>
+      </xs:complexType>
+    </xs:element>
+    <xs:element name="DisplayName" type="xs:string"/>
+    <xs:element name="AccountId" type="xs:string"/>
+    <xs:element name="AccountType" type="xs:string"/>
+    <xs:element name="BDCAssociatedEntity">
+      <xs:complexType>
+        <xs:sequence>
+          <xs:element ref="pc:BDCEntity" minOccurs="0" maxOccurs="unbounded"/>
+        </xs:sequence>
+        <xs:attribute ref="pc:EntityNamespace"/>
+        <xs:attribute ref="pc:EntityName"/>
+        <xs:attribute ref="pc:SystemInstanceName"/>
+        <xs:attribute ref="pc:AssociationName"/>
+      </xs:complexType>
+    </xs:element>
+    <xs:attribute name="EntityNamespace" type="xs:string"/>
+    <xs:attribute name="EntityName" type="xs:string"/>
+    <xs:attribute name="SystemInstanceName" type="xs:string"/>
+    <xs:attribute name="AssociationName" type="xs:string"/>
+    <xs:element name="BDCEntity">
+      <xs:complexType>
+        <xs:sequence>
+          <xs:element ref="pc:EntityDisplayName" minOccurs="0"/>
+          <xs:element ref="pc:EntityInstanceReference" minOccurs="0"/>
+          <xs:element ref="pc:EntityId1" minOccurs="0"/>
+          <xs:element ref="pc:EntityId2" minOccurs="0"/>
+          <xs:element ref="pc:EntityId3" minOccurs="0"/>
+          <xs:element ref="pc:EntityId4" minOccurs="0"/>
+          <xs:element ref="pc:EntityId5" minOccurs="0"/>
+        </xs:sequence>
+      </xs:complexType>
+    </xs:element>
+    <xs:element name="EntityDisplayName" type="xs:string"/>
+    <xs:element name="EntityInstanceReference" type="xs:string"/>
+    <xs:element name="EntityId1" type="xs:string"/>
+    <xs:element name="EntityId2" type="xs:string"/>
+    <xs:element name="EntityId3" type="xs:string"/>
+    <xs:element name="EntityId4" type="xs:string"/>
+    <xs:element name="EntityId5" type="xs:string"/>
+    <xs:element name="Terms">
+      <xs:complexType>
+        <xs:sequence>
+          <xs:element ref="pc:TermInfo" minOccurs="0" maxOccurs="unbounded"/>
+        </xs:sequence>
+      </xs:complexType>
+    </xs:element>
+    <xs:element name="TermInfo">
+      <xs:complexType>
+        <xs:sequence>
+          <xs:element ref="pc:TermName" minOccurs="0"/>
+          <xs:element ref="pc:TermId" minOccurs="0"/>
+        </xs:sequence>
+      </xs:complexType>
+    </xs:element>
+    <xs:element name="TermName" type="xs:string"/>
+    <xs:element name="TermId" type="xs:string"/>
+  </xs:schema>
+</ct:contentTypeSchema>
+</file>
+
+<file path=customXml/item3.xml><?xml version="1.0" encoding="utf-8"?>
+<p:properties xmlns:p="http://schemas.microsoft.com/office/2006/metadata/properties" xmlns:xsi="http://www.w3.org/2001/XMLSchema-instance" xmlns:pc="http://schemas.microsoft.com/office/infopath/2007/PartnerControls">
+  <documentManagement/>
+</p:properties>
+</file>
+
+<file path=customXml/itemProps1.xml><?xml version="1.0" encoding="utf-8"?>
+<ds:datastoreItem xmlns:ds="http://schemas.openxmlformats.org/officeDocument/2006/customXml" ds:itemID="{A1EF12E8-B070-4F5F-9BD0-CEE0E7C075D0}">
+  <ds:schemaRefs>
+    <ds:schemaRef ds:uri="http://schemas.microsoft.com/sharepoint/v3/contenttype/forms"/>
+  </ds:schemaRefs>
+</ds:datastoreItem>
+</file>
+
+<file path=customXml/itemProps2.xml><?xml version="1.0" encoding="utf-8"?>
+<ds:datastoreItem xmlns:ds="http://schemas.openxmlformats.org/officeDocument/2006/customXml" ds:itemID="{41A76F2A-8591-44A6-B165-1D0702FBBD53}">
+  <ds:schemaRefs>
+    <ds:schemaRef ds:uri="http://schemas.microsoft.com/office/2006/metadata/contentType"/>
+    <ds:schemaRef ds:uri="http://schemas.microsoft.com/office/2006/metadata/properties/metaAttributes"/>
+    <ds:schemaRef ds:uri="http://www.w3.org/2001/XMLSchema"/>
+    <ds:schemaRef ds:uri="http://schemas.microsoft.com/office/2006/metadata/properties"/>
+    <ds:schemaRef ds:uri="4c2e6f55-8abc-4b5b-a4f7-930d3885115f"/>
+    <ds:schemaRef ds:uri="http://schemas.microsoft.com/office/2006/documentManagement/types"/>
+    <ds:schemaRef ds:uri="http://schemas.microsoft.com/office/infopath/2007/PartnerControls"/>
+    <ds:schemaRef ds:uri="http://schemas.openxmlformats.org/package/2006/metadata/core-properties"/>
+    <ds:schemaRef ds:uri="http://purl.org/dc/elements/1.1/"/>
+    <ds:schemaRef ds:uri="http://purl.org/dc/terms/"/>
+    <ds:schemaRef ds:uri="http://schemas.microsoft.com/internal/obd"/>
+  </ds:schemaRefs>
+</ds:datastoreItem>
+</file>
+
+<file path=customXml/itemProps3.xml><?xml version="1.0" encoding="utf-8"?>
+<ds:datastoreItem xmlns:ds="http://schemas.openxmlformats.org/officeDocument/2006/customXml" ds:itemID="{7D5E529B-E2B8-4FF4-96DC-717B6A9731D6}">
+  <ds:schemaRefs>
+    <ds:schemaRef ds:uri="http://schemas.microsoft.com/office/2006/documentManagement/types"/>
+    <ds:schemaRef ds:uri="http://schemas.microsoft.com/office/2006/metadata/properties"/>
+    <ds:schemaRef ds:uri="http://purl.org/dc/elements/1.1/"/>
+    <ds:schemaRef ds:uri="http://www.w3.org/XML/1998/namespace"/>
+    <ds:schemaRef ds:uri="http://purl.org/dc/terms/"/>
+    <ds:schemaRef ds:uri="http://schemas.openxmlformats.org/package/2006/metadata/core-properties"/>
+    <ds:schemaRef ds:uri="http://purl.org/dc/dcmitype/"/>
+    <ds:schemaRef ds:uri="http://schemas.microsoft.com/office/infopath/2007/PartnerControls"/>
+    <ds:schemaRef ds:uri="4c2e6f55-8abc-4b5b-a4f7-930d3885115f"/>
+  </ds:schemaRefs>
+</ds:datastoreItem>
 </file>